--- a/Materiale per presentazione/Hannes Transradial Hand.pptx
+++ b/Materiale per presentazione/Hannes Transradial Hand.pptx
@@ -5,18 +5,24 @@
     <p:sldMasterId id="2147483648" r:id="rId1"/>
   </p:sldMasterIdLst>
   <p:notesMasterIdLst>
-    <p:notesMasterId r:id="rId11"/>
+    <p:notesMasterId r:id="rId17"/>
   </p:notesMasterIdLst>
   <p:sldIdLst>
     <p:sldId id="256" r:id="rId2"/>
     <p:sldId id="257" r:id="rId3"/>
     <p:sldId id="258" r:id="rId4"/>
     <p:sldId id="260" r:id="rId5"/>
-    <p:sldId id="261" r:id="rId6"/>
-    <p:sldId id="264" r:id="rId7"/>
-    <p:sldId id="262" r:id="rId8"/>
-    <p:sldId id="263" r:id="rId9"/>
-    <p:sldId id="259" r:id="rId10"/>
+    <p:sldId id="268" r:id="rId6"/>
+    <p:sldId id="269" r:id="rId7"/>
+    <p:sldId id="270" r:id="rId8"/>
+    <p:sldId id="271" r:id="rId9"/>
+    <p:sldId id="261" r:id="rId10"/>
+    <p:sldId id="264" r:id="rId11"/>
+    <p:sldId id="262" r:id="rId12"/>
+    <p:sldId id="263" r:id="rId13"/>
+    <p:sldId id="272" r:id="rId14"/>
+    <p:sldId id="273" r:id="rId15"/>
+    <p:sldId id="259" r:id="rId16"/>
   </p:sldIdLst>
   <p:sldSz cx="12192000" cy="6858000"/>
   <p:notesSz cx="6858000" cy="9144000"/>
@@ -537,7 +543,7 @@
           <a:p>
             <a:fld id="{893D4AFF-DFA2-4557-A13C-DBAB34D79629}" type="slidenum">
               <a:rPr lang="it-IT" smtClean="0"/>
-              <a:t>9</a:t>
+              <a:t>15</a:t>
             </a:fld>
             <a:endParaRPr lang="it-IT"/>
           </a:p>
@@ -3886,127 +3892,7 @@
 </p:sld>
 </file>
 
-<file path=ppt/slides/slide2.xml><?xml version="1.0" encoding="utf-8"?>
-<p:sld xmlns:a="http://schemas.openxmlformats.org/drawingml/2006/main" xmlns:r="http://schemas.openxmlformats.org/officeDocument/2006/relationships" xmlns:p="http://schemas.openxmlformats.org/presentationml/2006/main">
-  <p:cSld>
-    <p:spTree>
-      <p:nvGrpSpPr>
-        <p:cNvPr id="1" name=""/>
-        <p:cNvGrpSpPr/>
-        <p:nvPr/>
-      </p:nvGrpSpPr>
-      <p:grpSpPr>
-        <a:xfrm>
-          <a:off x="0" y="0"/>
-          <a:ext cx="0" cy="0"/>
-          <a:chOff x="0" y="0"/>
-          <a:chExt cx="0" cy="0"/>
-        </a:xfrm>
-      </p:grpSpPr>
-      <p:sp>
-        <p:nvSpPr>
-          <p:cNvPr id="2" name="Titolo 1">
-            <a:extLst>
-              <a:ext uri="{FF2B5EF4-FFF2-40B4-BE49-F238E27FC236}">
-                <a16:creationId xmlns:a16="http://schemas.microsoft.com/office/drawing/2014/main" id="{35542D6E-60B3-6F2A-DFAD-E54617228003}"/>
-              </a:ext>
-            </a:extLst>
-          </p:cNvPr>
-          <p:cNvSpPr>
-            <a:spLocks noGrp="1"/>
-          </p:cNvSpPr>
-          <p:nvPr>
-            <p:ph type="title"/>
-          </p:nvPr>
-        </p:nvSpPr>
-        <p:spPr/>
-        <p:txBody>
-          <a:bodyPr/>
-          <a:lstStyle/>
-          <a:p>
-            <a:r>
-              <a:rPr lang="it-IT" dirty="0">
-                <a:latin typeface="Montserrat" pitchFamily="2" charset="0"/>
-              </a:rPr>
-              <a:t>Indice</a:t>
-            </a:r>
-          </a:p>
-        </p:txBody>
-      </p:sp>
-      <p:sp>
-        <p:nvSpPr>
-          <p:cNvPr id="3" name="Segnaposto contenuto 2">
-            <a:extLst>
-              <a:ext uri="{FF2B5EF4-FFF2-40B4-BE49-F238E27FC236}">
-                <a16:creationId xmlns:a16="http://schemas.microsoft.com/office/drawing/2014/main" id="{DD6FFA6B-B06A-4213-753E-275438D6AE24}"/>
-              </a:ext>
-            </a:extLst>
-          </p:cNvPr>
-          <p:cNvSpPr>
-            <a:spLocks noGrp="1"/>
-          </p:cNvSpPr>
-          <p:nvPr>
-            <p:ph idx="1"/>
-          </p:nvPr>
-        </p:nvSpPr>
-        <p:spPr/>
-        <p:txBody>
-          <a:bodyPr/>
-          <a:lstStyle/>
-          <a:p>
-            <a:r>
-              <a:rPr lang="it-IT" dirty="0">
-                <a:latin typeface="Montserrat" pitchFamily="2" charset="0"/>
-              </a:rPr>
-              <a:t>Introduzione: Che cos’è? (in generale) Da chi è stata fatta? </a:t>
-            </a:r>
-          </a:p>
-          <a:p>
-            <a:r>
-              <a:rPr lang="it-IT" dirty="0">
-                <a:latin typeface="Montserrat" pitchFamily="2" charset="0"/>
-              </a:rPr>
-              <a:t>Idea e obiettivi: Figura schematica riassuntiva </a:t>
-            </a:r>
-          </a:p>
-          <a:p>
-            <a:r>
-              <a:rPr lang="it-IT" dirty="0">
-                <a:latin typeface="Montserrat" pitchFamily="2" charset="0"/>
-              </a:rPr>
-              <a:t>Struttura hardware e funzionamento: Immagini mano e meccanismi</a:t>
-            </a:r>
-          </a:p>
-          <a:p>
-            <a:r>
-              <a:rPr lang="it-IT" dirty="0">
-                <a:latin typeface="Montserrat" pitchFamily="2" charset="0"/>
-              </a:rPr>
-              <a:t>Più slides sui punti di forza e caratteristiche particolari</a:t>
-            </a:r>
-          </a:p>
-          <a:p>
-            <a:pPr marL="0" indent="0">
-              <a:buNone/>
-            </a:pPr>
-            <a:endParaRPr lang="it-IT" dirty="0"/>
-          </a:p>
-        </p:txBody>
-      </p:sp>
-    </p:spTree>
-    <p:extLst>
-      <p:ext uri="{BB962C8B-B14F-4D97-AF65-F5344CB8AC3E}">
-        <p14:creationId xmlns:p14="http://schemas.microsoft.com/office/powerpoint/2010/main" val="2334589735"/>
-      </p:ext>
-    </p:extLst>
-  </p:cSld>
-  <p:clrMapOvr>
-    <a:masterClrMapping/>
-  </p:clrMapOvr>
-</p:sld>
-</file>
-
-<file path=ppt/slides/slide3.xml><?xml version="1.0" encoding="utf-8"?>
+<file path=ppt/slides/slide10.xml><?xml version="1.0" encoding="utf-8"?>
 <p:sld xmlns:a="http://schemas.openxmlformats.org/drawingml/2006/main" xmlns:r="http://schemas.openxmlformats.org/officeDocument/2006/relationships" xmlns:p="http://schemas.openxmlformats.org/presentationml/2006/main">
   <p:cSld>
     <p:bg>
@@ -4033,841 +3919,7 @@
       </p:grpSpPr>
       <p:sp useBgFill="1">
         <p:nvSpPr>
-          <p:cNvPr id="16" name="Rectangle 15">
-            <a:extLst>
-              <a:ext uri="{FF2B5EF4-FFF2-40B4-BE49-F238E27FC236}">
-                <a16:creationId xmlns:a16="http://schemas.microsoft.com/office/drawing/2014/main" id="{F13C74B1-5B17-4795-BED0-7140497B445A}"/>
-              </a:ext>
-              <a:ext uri="{C183D7F6-B498-43B3-948B-1728B52AA6E4}">
-                <adec:decorative xmlns:adec="http://schemas.microsoft.com/office/drawing/2017/decorative" val="1"/>
-              </a:ext>
-            </a:extLst>
-          </p:cNvPr>
-          <p:cNvSpPr>
-            <a:spLocks noGrp="1" noRot="1" noChangeAspect="1" noMove="1" noResize="1" noEditPoints="1" noAdjustHandles="1" noChangeArrowheads="1" noChangeShapeType="1" noTextEdit="1"/>
-          </p:cNvSpPr>
-          <p:nvPr>
-            <p:extLst>
-              <p:ext uri="{386F3935-93C4-4BCD-93E2-E3B085C9AB24}">
-                <p16:designElem xmlns:p16="http://schemas.microsoft.com/office/powerpoint/2015/main" val="1"/>
-              </p:ext>
-            </p:extLst>
-          </p:nvPr>
-        </p:nvSpPr>
-        <p:spPr>
-          <a:xfrm>
-            <a:off x="0" y="0"/>
-            <a:ext cx="12188952" cy="6858000"/>
-          </a:xfrm>
-          <a:prstGeom prst="rect">
-            <a:avLst/>
-          </a:prstGeom>
-          <a:ln>
-            <a:noFill/>
-          </a:ln>
-        </p:spPr>
-        <p:style>
-          <a:lnRef idx="2">
-            <a:schemeClr val="accent1">
-              <a:shade val="50000"/>
-            </a:schemeClr>
-          </a:lnRef>
-          <a:fillRef idx="1">
-            <a:schemeClr val="accent1"/>
-          </a:fillRef>
-          <a:effectRef idx="0">
-            <a:schemeClr val="accent1"/>
-          </a:effectRef>
-          <a:fontRef idx="minor">
-            <a:schemeClr val="lt1"/>
-          </a:fontRef>
-        </p:style>
-        <p:txBody>
-          <a:bodyPr rtlCol="0" anchor="ctr"/>
-          <a:lstStyle/>
-          <a:p>
-            <a:pPr algn="ctr"/>
-            <a:endParaRPr lang="en-US"/>
-          </a:p>
-        </p:txBody>
-      </p:sp>
-      <p:sp>
-        <p:nvSpPr>
-          <p:cNvPr id="9" name="Segnaposto contenuto 5">
-            <a:extLst>
-              <a:ext uri="{FF2B5EF4-FFF2-40B4-BE49-F238E27FC236}">
-                <a16:creationId xmlns:a16="http://schemas.microsoft.com/office/drawing/2014/main" id="{5D85C005-38D2-144F-0E66-F5782DDC3B59}"/>
-              </a:ext>
-            </a:extLst>
-          </p:cNvPr>
-          <p:cNvSpPr txBox="1">
-            <a:spLocks/>
-          </p:cNvSpPr>
-          <p:nvPr/>
-        </p:nvSpPr>
-        <p:spPr>
-          <a:xfrm>
-            <a:off x="577573" y="808788"/>
-            <a:ext cx="4368602" cy="588602"/>
-          </a:xfrm>
-          <a:prstGeom prst="rect">
-            <a:avLst/>
-          </a:prstGeom>
-        </p:spPr>
-        <p:txBody>
-          <a:bodyPr vert="horz" lIns="91440" tIns="45720" rIns="91440" bIns="45720" rtlCol="0" anchor="b">
-            <a:normAutofit fontScale="85000" lnSpcReduction="10000"/>
-          </a:bodyPr>
-          <a:lstStyle>
-            <a:lvl1pPr marL="228600" indent="-228600" algn="l" defTabSz="914400" rtl="0" eaLnBrk="1" latinLnBrk="0" hangingPunct="1">
-              <a:lnSpc>
-                <a:spcPct val="90000"/>
-              </a:lnSpc>
-              <a:spcBef>
-                <a:spcPts val="1000"/>
-              </a:spcBef>
-              <a:buFont typeface="Arial" panose="020B0604020202020204" pitchFamily="34" charset="0"/>
-              <a:buChar char="•"/>
-              <a:defRPr sz="2800" kern="1200">
-                <a:solidFill>
-                  <a:schemeClr val="tx1"/>
-                </a:solidFill>
-                <a:latin typeface="+mn-lt"/>
-                <a:ea typeface="+mn-ea"/>
-                <a:cs typeface="+mn-cs"/>
-              </a:defRPr>
-            </a:lvl1pPr>
-            <a:lvl2pPr marL="685800" indent="-228600" algn="l" defTabSz="914400" rtl="0" eaLnBrk="1" latinLnBrk="0" hangingPunct="1">
-              <a:lnSpc>
-                <a:spcPct val="90000"/>
-              </a:lnSpc>
-              <a:spcBef>
-                <a:spcPts val="500"/>
-              </a:spcBef>
-              <a:buFont typeface="Arial" panose="020B0604020202020204" pitchFamily="34" charset="0"/>
-              <a:buChar char="•"/>
-              <a:defRPr sz="2400" kern="1200">
-                <a:solidFill>
-                  <a:schemeClr val="tx1"/>
-                </a:solidFill>
-                <a:latin typeface="+mn-lt"/>
-                <a:ea typeface="+mn-ea"/>
-                <a:cs typeface="+mn-cs"/>
-              </a:defRPr>
-            </a:lvl2pPr>
-            <a:lvl3pPr marL="1143000" indent="-228600" algn="l" defTabSz="914400" rtl="0" eaLnBrk="1" latinLnBrk="0" hangingPunct="1">
-              <a:lnSpc>
-                <a:spcPct val="90000"/>
-              </a:lnSpc>
-              <a:spcBef>
-                <a:spcPts val="500"/>
-              </a:spcBef>
-              <a:buFont typeface="Arial" panose="020B0604020202020204" pitchFamily="34" charset="0"/>
-              <a:buChar char="•"/>
-              <a:defRPr sz="2000" kern="1200">
-                <a:solidFill>
-                  <a:schemeClr val="tx1"/>
-                </a:solidFill>
-                <a:latin typeface="+mn-lt"/>
-                <a:ea typeface="+mn-ea"/>
-                <a:cs typeface="+mn-cs"/>
-              </a:defRPr>
-            </a:lvl3pPr>
-            <a:lvl4pPr marL="1600200" indent="-228600" algn="l" defTabSz="914400" rtl="0" eaLnBrk="1" latinLnBrk="0" hangingPunct="1">
-              <a:lnSpc>
-                <a:spcPct val="90000"/>
-              </a:lnSpc>
-              <a:spcBef>
-                <a:spcPts val="500"/>
-              </a:spcBef>
-              <a:buFont typeface="Arial" panose="020B0604020202020204" pitchFamily="34" charset="0"/>
-              <a:buChar char="•"/>
-              <a:defRPr sz="1800" kern="1200">
-                <a:solidFill>
-                  <a:schemeClr val="tx1"/>
-                </a:solidFill>
-                <a:latin typeface="+mn-lt"/>
-                <a:ea typeface="+mn-ea"/>
-                <a:cs typeface="+mn-cs"/>
-              </a:defRPr>
-            </a:lvl4pPr>
-            <a:lvl5pPr marL="2057400" indent="-228600" algn="l" defTabSz="914400" rtl="0" eaLnBrk="1" latinLnBrk="0" hangingPunct="1">
-              <a:lnSpc>
-                <a:spcPct val="90000"/>
-              </a:lnSpc>
-              <a:spcBef>
-                <a:spcPts val="500"/>
-              </a:spcBef>
-              <a:buFont typeface="Arial" panose="020B0604020202020204" pitchFamily="34" charset="0"/>
-              <a:buChar char="•"/>
-              <a:defRPr sz="1800" kern="1200">
-                <a:solidFill>
-                  <a:schemeClr val="tx1"/>
-                </a:solidFill>
-                <a:latin typeface="+mn-lt"/>
-                <a:ea typeface="+mn-ea"/>
-                <a:cs typeface="+mn-cs"/>
-              </a:defRPr>
-            </a:lvl5pPr>
-            <a:lvl6pPr marL="2514600" indent="-228600" algn="l" defTabSz="914400" rtl="0" eaLnBrk="1" latinLnBrk="0" hangingPunct="1">
-              <a:lnSpc>
-                <a:spcPct val="90000"/>
-              </a:lnSpc>
-              <a:spcBef>
-                <a:spcPts val="500"/>
-              </a:spcBef>
-              <a:buFont typeface="Arial" panose="020B0604020202020204" pitchFamily="34" charset="0"/>
-              <a:buChar char="•"/>
-              <a:defRPr sz="1800" kern="1200">
-                <a:solidFill>
-                  <a:schemeClr val="tx1"/>
-                </a:solidFill>
-                <a:latin typeface="+mn-lt"/>
-                <a:ea typeface="+mn-ea"/>
-                <a:cs typeface="+mn-cs"/>
-              </a:defRPr>
-            </a:lvl6pPr>
-            <a:lvl7pPr marL="2971800" indent="-228600" algn="l" defTabSz="914400" rtl="0" eaLnBrk="1" latinLnBrk="0" hangingPunct="1">
-              <a:lnSpc>
-                <a:spcPct val="90000"/>
-              </a:lnSpc>
-              <a:spcBef>
-                <a:spcPts val="500"/>
-              </a:spcBef>
-              <a:buFont typeface="Arial" panose="020B0604020202020204" pitchFamily="34" charset="0"/>
-              <a:buChar char="•"/>
-              <a:defRPr sz="1800" kern="1200">
-                <a:solidFill>
-                  <a:schemeClr val="tx1"/>
-                </a:solidFill>
-                <a:latin typeface="+mn-lt"/>
-                <a:ea typeface="+mn-ea"/>
-                <a:cs typeface="+mn-cs"/>
-              </a:defRPr>
-            </a:lvl7pPr>
-            <a:lvl8pPr marL="3429000" indent="-228600" algn="l" defTabSz="914400" rtl="0" eaLnBrk="1" latinLnBrk="0" hangingPunct="1">
-              <a:lnSpc>
-                <a:spcPct val="90000"/>
-              </a:lnSpc>
-              <a:spcBef>
-                <a:spcPts val="500"/>
-              </a:spcBef>
-              <a:buFont typeface="Arial" panose="020B0604020202020204" pitchFamily="34" charset="0"/>
-              <a:buChar char="•"/>
-              <a:defRPr sz="1800" kern="1200">
-                <a:solidFill>
-                  <a:schemeClr val="tx1"/>
-                </a:solidFill>
-                <a:latin typeface="+mn-lt"/>
-                <a:ea typeface="+mn-ea"/>
-                <a:cs typeface="+mn-cs"/>
-              </a:defRPr>
-            </a:lvl8pPr>
-            <a:lvl9pPr marL="3886200" indent="-228600" algn="l" defTabSz="914400" rtl="0" eaLnBrk="1" latinLnBrk="0" hangingPunct="1">
-              <a:lnSpc>
-                <a:spcPct val="90000"/>
-              </a:lnSpc>
-              <a:spcBef>
-                <a:spcPts val="500"/>
-              </a:spcBef>
-              <a:buFont typeface="Arial" panose="020B0604020202020204" pitchFamily="34" charset="0"/>
-              <a:buChar char="•"/>
-              <a:defRPr sz="1800" kern="1200">
-                <a:solidFill>
-                  <a:schemeClr val="tx1"/>
-                </a:solidFill>
-                <a:latin typeface="+mn-lt"/>
-                <a:ea typeface="+mn-ea"/>
-                <a:cs typeface="+mn-cs"/>
-              </a:defRPr>
-            </a:lvl9pPr>
-          </a:lstStyle>
-          <a:p>
-            <a:pPr marL="0" indent="0">
-              <a:spcBef>
-                <a:spcPct val="0"/>
-              </a:spcBef>
-              <a:spcAft>
-                <a:spcPts val="600"/>
-              </a:spcAft>
-              <a:buNone/>
-            </a:pPr>
-            <a:r>
-              <a:rPr lang="it-IT" sz="3200" b="0" i="0" dirty="0" err="1">
-                <a:effectLst/>
-                <a:latin typeface="Montserrat" pitchFamily="2" charset="0"/>
-              </a:rPr>
-              <a:t>Introduction</a:t>
-            </a:r>
-            <a:r>
-              <a:rPr lang="it-IT" sz="3200" b="0" i="0" dirty="0">
-                <a:effectLst/>
-                <a:latin typeface="Montserrat" pitchFamily="2" charset="0"/>
-              </a:rPr>
-              <a:t> to Hannes</a:t>
-            </a:r>
-            <a:endParaRPr lang="en-US" sz="4200" dirty="0">
-              <a:latin typeface="Montserrat" pitchFamily="2" charset="0"/>
-              <a:ea typeface="+mj-ea"/>
-              <a:cs typeface="+mj-cs"/>
-            </a:endParaRPr>
-          </a:p>
-        </p:txBody>
-      </p:sp>
-      <p:sp>
-        <p:nvSpPr>
-          <p:cNvPr id="18" name="sketchy line">
-            <a:extLst>
-              <a:ext uri="{FF2B5EF4-FFF2-40B4-BE49-F238E27FC236}">
-                <a16:creationId xmlns:a16="http://schemas.microsoft.com/office/drawing/2014/main" id="{D4974D33-8DC5-464E-8C6D-BE58F0669C17}"/>
-              </a:ext>
-              <a:ext uri="{C183D7F6-B498-43B3-948B-1728B52AA6E4}">
-                <adec:decorative xmlns:adec="http://schemas.microsoft.com/office/drawing/2017/decorative" val="1"/>
-              </a:ext>
-            </a:extLst>
-          </p:cNvPr>
-          <p:cNvSpPr>
-            <a:spLocks noGrp="1" noRot="1" noChangeAspect="1" noMove="1" noResize="1" noEditPoints="1" noAdjustHandles="1" noChangeArrowheads="1" noChangeShapeType="1" noTextEdit="1"/>
-          </p:cNvSpPr>
-          <p:nvPr>
-            <p:extLst>
-              <p:ext uri="{386F3935-93C4-4BCD-93E2-E3B085C9AB24}">
-                <p16:designElem xmlns:p16="http://schemas.microsoft.com/office/powerpoint/2015/main" val="1"/>
-              </p:ext>
-            </p:extLst>
-          </p:nvPr>
-        </p:nvSpPr>
-        <p:spPr>
-          <a:xfrm>
-            <a:off x="640080" y="2586994"/>
-            <a:ext cx="3474720" cy="18288"/>
-          </a:xfrm>
-          <a:custGeom>
-            <a:avLst/>
-            <a:gdLst>
-              <a:gd name="connsiteX0" fmla="*/ 0 w 3474720"/>
-              <a:gd name="connsiteY0" fmla="*/ 0 h 18288"/>
-              <a:gd name="connsiteX1" fmla="*/ 694944 w 3474720"/>
-              <a:gd name="connsiteY1" fmla="*/ 0 h 18288"/>
-              <a:gd name="connsiteX2" fmla="*/ 1355141 w 3474720"/>
-              <a:gd name="connsiteY2" fmla="*/ 0 h 18288"/>
-              <a:gd name="connsiteX3" fmla="*/ 2015338 w 3474720"/>
-              <a:gd name="connsiteY3" fmla="*/ 0 h 18288"/>
-              <a:gd name="connsiteX4" fmla="*/ 2779776 w 3474720"/>
-              <a:gd name="connsiteY4" fmla="*/ 0 h 18288"/>
-              <a:gd name="connsiteX5" fmla="*/ 3474720 w 3474720"/>
-              <a:gd name="connsiteY5" fmla="*/ 0 h 18288"/>
-              <a:gd name="connsiteX6" fmla="*/ 3474720 w 3474720"/>
-              <a:gd name="connsiteY6" fmla="*/ 18288 h 18288"/>
-              <a:gd name="connsiteX7" fmla="*/ 2779776 w 3474720"/>
-              <a:gd name="connsiteY7" fmla="*/ 18288 h 18288"/>
-              <a:gd name="connsiteX8" fmla="*/ 2189074 w 3474720"/>
-              <a:gd name="connsiteY8" fmla="*/ 18288 h 18288"/>
-              <a:gd name="connsiteX9" fmla="*/ 1528877 w 3474720"/>
-              <a:gd name="connsiteY9" fmla="*/ 18288 h 18288"/>
-              <a:gd name="connsiteX10" fmla="*/ 868680 w 3474720"/>
-              <a:gd name="connsiteY10" fmla="*/ 18288 h 18288"/>
-              <a:gd name="connsiteX11" fmla="*/ 0 w 3474720"/>
-              <a:gd name="connsiteY11" fmla="*/ 18288 h 18288"/>
-              <a:gd name="connsiteX12" fmla="*/ 0 w 3474720"/>
-              <a:gd name="connsiteY12" fmla="*/ 0 h 18288"/>
-            </a:gdLst>
-            <a:ahLst/>
-            <a:cxnLst>
-              <a:cxn ang="0">
-                <a:pos x="connsiteX0" y="connsiteY0"/>
-              </a:cxn>
-              <a:cxn ang="0">
-                <a:pos x="connsiteX1" y="connsiteY1"/>
-              </a:cxn>
-              <a:cxn ang="0">
-                <a:pos x="connsiteX2" y="connsiteY2"/>
-              </a:cxn>
-              <a:cxn ang="0">
-                <a:pos x="connsiteX3" y="connsiteY3"/>
-              </a:cxn>
-              <a:cxn ang="0">
-                <a:pos x="connsiteX4" y="connsiteY4"/>
-              </a:cxn>
-              <a:cxn ang="0">
-                <a:pos x="connsiteX5" y="connsiteY5"/>
-              </a:cxn>
-              <a:cxn ang="0">
-                <a:pos x="connsiteX6" y="connsiteY6"/>
-              </a:cxn>
-              <a:cxn ang="0">
-                <a:pos x="connsiteX7" y="connsiteY7"/>
-              </a:cxn>
-              <a:cxn ang="0">
-                <a:pos x="connsiteX8" y="connsiteY8"/>
-              </a:cxn>
-              <a:cxn ang="0">
-                <a:pos x="connsiteX9" y="connsiteY9"/>
-              </a:cxn>
-              <a:cxn ang="0">
-                <a:pos x="connsiteX10" y="connsiteY10"/>
-              </a:cxn>
-              <a:cxn ang="0">
-                <a:pos x="connsiteX11" y="connsiteY11"/>
-              </a:cxn>
-              <a:cxn ang="0">
-                <a:pos x="connsiteX12" y="connsiteY12"/>
-              </a:cxn>
-            </a:cxnLst>
-            <a:rect l="l" t="t" r="r" b="b"/>
-            <a:pathLst>
-              <a:path w="3474720" h="18288" fill="none" extrusionOk="0">
-                <a:moveTo>
-                  <a:pt x="0" y="0"/>
-                </a:moveTo>
-                <a:cubicBezTo>
-                  <a:pt x="224454" y="-14544"/>
-                  <a:pt x="495407" y="26540"/>
-                  <a:pt x="694944" y="0"/>
-                </a:cubicBezTo>
-                <a:cubicBezTo>
-                  <a:pt x="894481" y="-26540"/>
-                  <a:pt x="1130063" y="24713"/>
-                  <a:pt x="1355141" y="0"/>
-                </a:cubicBezTo>
-                <a:cubicBezTo>
-                  <a:pt x="1580219" y="-24713"/>
-                  <a:pt x="1820099" y="26695"/>
-                  <a:pt x="2015338" y="0"/>
-                </a:cubicBezTo>
-                <a:cubicBezTo>
-                  <a:pt x="2210577" y="-26695"/>
-                  <a:pt x="2402045" y="165"/>
-                  <a:pt x="2779776" y="0"/>
-                </a:cubicBezTo>
-                <a:cubicBezTo>
-                  <a:pt x="3157507" y="-165"/>
-                  <a:pt x="3286859" y="-15571"/>
-                  <a:pt x="3474720" y="0"/>
-                </a:cubicBezTo>
-                <a:cubicBezTo>
-                  <a:pt x="3474286" y="7551"/>
-                  <a:pt x="3474253" y="9822"/>
-                  <a:pt x="3474720" y="18288"/>
-                </a:cubicBezTo>
-                <a:cubicBezTo>
-                  <a:pt x="3233904" y="29845"/>
-                  <a:pt x="2945134" y="-5256"/>
-                  <a:pt x="2779776" y="18288"/>
-                </a:cubicBezTo>
-                <a:cubicBezTo>
-                  <a:pt x="2614418" y="41832"/>
-                  <a:pt x="2339768" y="22709"/>
-                  <a:pt x="2189074" y="18288"/>
-                </a:cubicBezTo>
-                <a:cubicBezTo>
-                  <a:pt x="2038380" y="13867"/>
-                  <a:pt x="1817434" y="-4947"/>
-                  <a:pt x="1528877" y="18288"/>
-                </a:cubicBezTo>
-                <a:cubicBezTo>
-                  <a:pt x="1240320" y="41523"/>
-                  <a:pt x="1042447" y="37198"/>
-                  <a:pt x="868680" y="18288"/>
-                </a:cubicBezTo>
-                <a:cubicBezTo>
-                  <a:pt x="694913" y="-622"/>
-                  <a:pt x="233232" y="44909"/>
-                  <a:pt x="0" y="18288"/>
-                </a:cubicBezTo>
-                <a:cubicBezTo>
-                  <a:pt x="60" y="11696"/>
-                  <a:pt x="66" y="3758"/>
-                  <a:pt x="0" y="0"/>
-                </a:cubicBezTo>
-                <a:close/>
-              </a:path>
-              <a:path w="3474720" h="18288" stroke="0" extrusionOk="0">
-                <a:moveTo>
-                  <a:pt x="0" y="0"/>
-                </a:moveTo>
-                <a:cubicBezTo>
-                  <a:pt x="202328" y="-14716"/>
-                  <a:pt x="332722" y="-11499"/>
-                  <a:pt x="625450" y="0"/>
-                </a:cubicBezTo>
-                <a:cubicBezTo>
-                  <a:pt x="918178" y="11499"/>
-                  <a:pt x="1096688" y="5123"/>
-                  <a:pt x="1389888" y="0"/>
-                </a:cubicBezTo>
-                <a:cubicBezTo>
-                  <a:pt x="1683088" y="-5123"/>
-                  <a:pt x="1835981" y="-14038"/>
-                  <a:pt x="1980590" y="0"/>
-                </a:cubicBezTo>
-                <a:cubicBezTo>
-                  <a:pt x="2125199" y="14038"/>
-                  <a:pt x="2396099" y="-7203"/>
-                  <a:pt x="2571293" y="0"/>
-                </a:cubicBezTo>
-                <a:cubicBezTo>
-                  <a:pt x="2746487" y="7203"/>
-                  <a:pt x="3041609" y="-12036"/>
-                  <a:pt x="3474720" y="0"/>
-                </a:cubicBezTo>
-                <a:cubicBezTo>
-                  <a:pt x="3474638" y="4406"/>
-                  <a:pt x="3474631" y="9982"/>
-                  <a:pt x="3474720" y="18288"/>
-                </a:cubicBezTo>
-                <a:cubicBezTo>
-                  <a:pt x="3324873" y="21876"/>
-                  <a:pt x="3136771" y="12587"/>
-                  <a:pt x="2814523" y="18288"/>
-                </a:cubicBezTo>
-                <a:cubicBezTo>
-                  <a:pt x="2492275" y="23989"/>
-                  <a:pt x="2294402" y="47111"/>
-                  <a:pt x="2154326" y="18288"/>
-                </a:cubicBezTo>
-                <a:cubicBezTo>
-                  <a:pt x="2014250" y="-10535"/>
-                  <a:pt x="1820317" y="33903"/>
-                  <a:pt x="1494130" y="18288"/>
-                </a:cubicBezTo>
-                <a:cubicBezTo>
-                  <a:pt x="1167943" y="2673"/>
-                  <a:pt x="948432" y="14868"/>
-                  <a:pt x="729691" y="18288"/>
-                </a:cubicBezTo>
-                <a:cubicBezTo>
-                  <a:pt x="510950" y="21708"/>
-                  <a:pt x="264032" y="24354"/>
-                  <a:pt x="0" y="18288"/>
-                </a:cubicBezTo>
-                <a:cubicBezTo>
-                  <a:pt x="189" y="14288"/>
-                  <a:pt x="-703" y="3747"/>
-                  <a:pt x="0" y="0"/>
-                </a:cubicBezTo>
-                <a:close/>
-              </a:path>
-            </a:pathLst>
-          </a:custGeom>
-          <a:solidFill>
-            <a:schemeClr val="accent2"/>
-          </a:solidFill>
-          <a:ln w="44450" cap="rnd">
-            <a:solidFill>
-              <a:schemeClr val="accent2"/>
-            </a:solidFill>
-            <a:round/>
-            <a:extLst>
-              <a:ext uri="{C807C97D-BFC1-408E-A445-0C87EB9F89A2}">
-                <ask:lineSketchStyleProps xmlns:ask="http://schemas.microsoft.com/office/drawing/2018/sketchyshapes" sd="2863741219">
-                  <a:prstGeom prst="rect">
-                    <a:avLst/>
-                  </a:prstGeom>
-                  <ask:type>
-                    <ask:lineSketchFreehand/>
-                  </ask:type>
-                </ask:lineSketchStyleProps>
-              </a:ext>
-            </a:extLst>
-          </a:ln>
-        </p:spPr>
-        <p:style>
-          <a:lnRef idx="2">
-            <a:schemeClr val="accent1">
-              <a:shade val="50000"/>
-            </a:schemeClr>
-          </a:lnRef>
-          <a:fillRef idx="1">
-            <a:schemeClr val="accent1"/>
-          </a:fillRef>
-          <a:effectRef idx="0">
-            <a:schemeClr val="accent1"/>
-          </a:effectRef>
-          <a:fontRef idx="minor">
-            <a:schemeClr val="lt1"/>
-          </a:fontRef>
-        </p:style>
-        <p:txBody>
-          <a:bodyPr rtlCol="0" anchor="ctr"/>
-          <a:lstStyle/>
-          <a:p>
-            <a:pPr algn="ctr"/>
-            <a:endParaRPr lang="en-US"/>
-          </a:p>
-        </p:txBody>
-      </p:sp>
-      <p:sp>
-        <p:nvSpPr>
-          <p:cNvPr id="6" name="Segnaposto contenuto 5">
-            <a:extLst>
-              <a:ext uri="{FF2B5EF4-FFF2-40B4-BE49-F238E27FC236}">
-                <a16:creationId xmlns:a16="http://schemas.microsoft.com/office/drawing/2014/main" id="{136A1FE0-5184-2688-67AB-66834876AEB5}"/>
-              </a:ext>
-            </a:extLst>
-          </p:cNvPr>
-          <p:cNvSpPr>
-            <a:spLocks noGrp="1"/>
-          </p:cNvSpPr>
-          <p:nvPr>
-            <p:ph idx="1"/>
-          </p:nvPr>
-        </p:nvSpPr>
-        <p:spPr>
-          <a:xfrm>
-            <a:off x="640080" y="2872899"/>
-            <a:ext cx="4243589" cy="3320668"/>
-          </a:xfrm>
-        </p:spPr>
-        <p:txBody>
-          <a:bodyPr vert="horz" lIns="91440" tIns="45720" rIns="91440" bIns="45720" rtlCol="0">
-            <a:normAutofit fontScale="92500" lnSpcReduction="10000"/>
-          </a:bodyPr>
-          <a:lstStyle/>
-          <a:p>
-            <a:pPr marL="0"/>
-            <a:r>
-              <a:rPr lang="en-US" sz="1700" b="0" i="0" dirty="0">
-                <a:effectLst/>
-                <a:latin typeface="Montserrat" pitchFamily="2" charset="0"/>
-              </a:rPr>
-              <a:t>The Hannes prosthetic hand, developed by INAIL and the Italian Institute of Technology through Rehab Technologies, is a sophisticated under-actuated poly-articulated device known for its leader-follower wire configuration that controls finger movements. </a:t>
-            </a:r>
-          </a:p>
-          <a:p>
-            <a:pPr marL="0"/>
-            <a:endParaRPr lang="en-US" sz="1700" dirty="0">
-              <a:latin typeface="Montserrat" pitchFamily="2" charset="0"/>
-            </a:endParaRPr>
-          </a:p>
-          <a:p>
-            <a:pPr marL="0"/>
-            <a:r>
-              <a:rPr lang="en-US" sz="1700" b="0" i="0" dirty="0">
-                <a:effectLst/>
-                <a:latin typeface="Montserrat" pitchFamily="2" charset="0"/>
-              </a:rPr>
-              <a:t>The name "Hannes" pays homage to Professor Hannes </a:t>
-            </a:r>
-            <a:r>
-              <a:rPr lang="en-US" sz="1700" b="0" i="0" dirty="0" err="1">
-                <a:effectLst/>
-                <a:latin typeface="Montserrat" pitchFamily="2" charset="0"/>
-              </a:rPr>
-              <a:t>Schmidl</a:t>
-            </a:r>
-            <a:r>
-              <a:rPr lang="en-US" sz="1700" b="0" i="0" dirty="0">
-                <a:effectLst/>
-                <a:latin typeface="Montserrat" pitchFamily="2" charset="0"/>
-              </a:rPr>
-              <a:t>, a pioneer in research at the Prosthesis Center of </a:t>
-            </a:r>
-            <a:r>
-              <a:rPr lang="en-US" sz="1700" b="0" i="0" dirty="0" err="1">
-                <a:effectLst/>
-                <a:latin typeface="Montserrat" pitchFamily="2" charset="0"/>
-              </a:rPr>
-              <a:t>Vigorso</a:t>
-            </a:r>
-            <a:r>
-              <a:rPr lang="en-US" sz="1700" b="0" i="0" dirty="0">
-                <a:effectLst/>
-                <a:latin typeface="Montserrat" pitchFamily="2" charset="0"/>
-              </a:rPr>
-              <a:t> di Budrio and the creator of the first myoelectric prosthesis in 1965.</a:t>
-            </a:r>
-          </a:p>
-        </p:txBody>
-      </p:sp>
-      <p:pic>
-        <p:nvPicPr>
-          <p:cNvPr id="11" name="Immagine 10" descr="Immagine che contiene persona, mano&#10;&#10;Descrizione generata automaticamente">
-            <a:extLst>
-              <a:ext uri="{FF2B5EF4-FFF2-40B4-BE49-F238E27FC236}">
-                <a16:creationId xmlns:a16="http://schemas.microsoft.com/office/drawing/2014/main" id="{53D03785-21FD-AF6C-CCF0-91D6F8B3FF7D}"/>
-              </a:ext>
-            </a:extLst>
-          </p:cNvPr>
-          <p:cNvPicPr>
-            <a:picLocks noChangeAspect="1"/>
-          </p:cNvPicPr>
-          <p:nvPr/>
-        </p:nvPicPr>
-        <p:blipFill rotWithShape="1">
-          <a:blip r:embed="rId2">
-            <a:extLst>
-              <a:ext uri="{28A0092B-C50C-407E-A947-70E740481C1C}">
-                <a14:useLocalDpi xmlns:a14="http://schemas.microsoft.com/office/drawing/2010/main" val="0"/>
-              </a:ext>
-            </a:extLst>
-          </a:blip>
-          <a:srcRect r="29788" b="1"/>
-          <a:stretch/>
-        </p:blipFill>
-        <p:spPr>
-          <a:xfrm>
-            <a:off x="5313225" y="0"/>
-            <a:ext cx="6878775" cy="6857990"/>
-          </a:xfrm>
-          <a:custGeom>
-            <a:avLst/>
-            <a:gdLst/>
-            <a:ahLst/>
-            <a:cxnLst/>
-            <a:rect l="l" t="t" r="r" b="b"/>
-            <a:pathLst>
-              <a:path w="6878775" h="6858000">
-                <a:moveTo>
-                  <a:pt x="1102973" y="0"/>
-                </a:moveTo>
-                <a:lnTo>
-                  <a:pt x="1160688" y="0"/>
-                </a:lnTo>
-                <a:lnTo>
-                  <a:pt x="983189" y="331786"/>
-                </a:lnTo>
-                <a:cubicBezTo>
-                  <a:pt x="914866" y="469145"/>
-                  <a:pt x="850355" y="608712"/>
-                  <a:pt x="789261" y="750263"/>
-                </a:cubicBezTo>
-                <a:cubicBezTo>
-                  <a:pt x="774307" y="784928"/>
-                  <a:pt x="759992" y="819849"/>
-                  <a:pt x="745295" y="854514"/>
-                </a:cubicBezTo>
-                <a:cubicBezTo>
-                  <a:pt x="756682" y="845393"/>
-                  <a:pt x="765489" y="833492"/>
-                  <a:pt x="770857" y="819975"/>
-                </a:cubicBezTo>
-                <a:cubicBezTo>
-                  <a:pt x="879943" y="589569"/>
-                  <a:pt x="999605" y="365513"/>
-                  <a:pt x="1131329" y="148742"/>
-                </a:cubicBezTo>
-                <a:lnTo>
-                  <a:pt x="1227589" y="0"/>
-                </a:lnTo>
-                <a:lnTo>
-                  <a:pt x="6878775" y="0"/>
-                </a:lnTo>
-                <a:lnTo>
-                  <a:pt x="6878775" y="6858000"/>
-                </a:lnTo>
-                <a:lnTo>
-                  <a:pt x="713521" y="6858000"/>
-                </a:lnTo>
-                <a:lnTo>
-                  <a:pt x="625642" y="6670527"/>
-                </a:lnTo>
-                <a:cubicBezTo>
-                  <a:pt x="507232" y="6398531"/>
-                  <a:pt x="403083" y="6118381"/>
-                  <a:pt x="312785" y="5830359"/>
-                </a:cubicBezTo>
-                <a:cubicBezTo>
-                  <a:pt x="278149" y="5719759"/>
-                  <a:pt x="248879" y="5607635"/>
-                  <a:pt x="212198" y="5480401"/>
-                </a:cubicBezTo>
-                <a:cubicBezTo>
-                  <a:pt x="212208" y="5491601"/>
-                  <a:pt x="212803" y="5502788"/>
-                  <a:pt x="213988" y="5513923"/>
-                </a:cubicBezTo>
-                <a:cubicBezTo>
-                  <a:pt x="264089" y="5723695"/>
-                  <a:pt x="307290" y="5935370"/>
-                  <a:pt x="365826" y="6142729"/>
-                </a:cubicBezTo>
-                <a:cubicBezTo>
-                  <a:pt x="433152" y="6380817"/>
-                  <a:pt x="510068" y="6614016"/>
-                  <a:pt x="597975" y="6841549"/>
-                </a:cubicBezTo>
-                <a:lnTo>
-                  <a:pt x="604824" y="6858000"/>
-                </a:lnTo>
-                <a:lnTo>
-                  <a:pt x="552056" y="6858000"/>
-                </a:lnTo>
-                <a:lnTo>
-                  <a:pt x="539576" y="6828295"/>
-                </a:lnTo>
-                <a:cubicBezTo>
-                  <a:pt x="380597" y="6414594"/>
-                  <a:pt x="260223" y="5988893"/>
-                  <a:pt x="171555" y="5552906"/>
-                </a:cubicBezTo>
-                <a:cubicBezTo>
-                  <a:pt x="91163" y="5157998"/>
-                  <a:pt x="43746" y="4758899"/>
-                  <a:pt x="12305" y="4357388"/>
-                </a:cubicBezTo>
-                <a:cubicBezTo>
-                  <a:pt x="-14281" y="4013908"/>
-                  <a:pt x="4507" y="3672965"/>
-                  <a:pt x="46684" y="3331516"/>
-                </a:cubicBezTo>
-                <a:cubicBezTo>
-                  <a:pt x="127203" y="2664286"/>
-                  <a:pt x="277819" y="2007265"/>
-                  <a:pt x="496065" y="1371196"/>
-                </a:cubicBezTo>
-                <a:cubicBezTo>
-                  <a:pt x="636273" y="966066"/>
-                  <a:pt x="800445" y="573253"/>
-                  <a:pt x="995723" y="196614"/>
-                </a:cubicBezTo>
-                <a:close/>
-              </a:path>
-            </a:pathLst>
-          </a:custGeom>
-        </p:spPr>
-      </p:pic>
-    </p:spTree>
-    <p:extLst>
-      <p:ext uri="{BB962C8B-B14F-4D97-AF65-F5344CB8AC3E}">
-        <p14:creationId xmlns:p14="http://schemas.microsoft.com/office/powerpoint/2010/main" val="1930178400"/>
-      </p:ext>
-    </p:extLst>
-  </p:cSld>
-  <p:clrMapOvr>
-    <a:masterClrMapping/>
-  </p:clrMapOvr>
-</p:sld>
-</file>
-
-<file path=ppt/slides/slide4.xml><?xml version="1.0" encoding="utf-8"?>
-<p:sld xmlns:a="http://schemas.openxmlformats.org/drawingml/2006/main" xmlns:r="http://schemas.openxmlformats.org/officeDocument/2006/relationships" xmlns:p="http://schemas.openxmlformats.org/presentationml/2006/main">
-  <p:cSld>
-    <p:bg>
-      <p:bgPr>
-        <a:solidFill>
-          <a:schemeClr val="bg1"/>
-        </a:solidFill>
-        <a:effectLst/>
-      </p:bgPr>
-    </p:bg>
-    <p:spTree>
-      <p:nvGrpSpPr>
-        <p:cNvPr id="1" name=""/>
-        <p:cNvGrpSpPr/>
-        <p:nvPr/>
-      </p:nvGrpSpPr>
-      <p:grpSpPr>
-        <a:xfrm>
-          <a:off x="0" y="0"/>
-          <a:ext cx="0" cy="0"/>
-          <a:chOff x="0" y="0"/>
-          <a:chExt cx="0" cy="0"/>
-        </a:xfrm>
-      </p:grpSpPr>
-      <p:sp useBgFill="1">
-        <p:nvSpPr>
-          <p:cNvPr id="11" name="Rectangle 10">
+          <p:cNvPr id="54" name="Rectangle 53">
             <a:extLst>
               <a:ext uri="{FF2B5EF4-FFF2-40B4-BE49-F238E27FC236}">
                 <a16:creationId xmlns:a16="http://schemas.microsoft.com/office/drawing/2014/main" id="{743AA782-23D1-4521-8CAD-47662984AA08}"/>
@@ -4930,7 +3982,7 @@
           <p:cNvPr id="2" name="Titolo 1">
             <a:extLst>
               <a:ext uri="{FF2B5EF4-FFF2-40B4-BE49-F238E27FC236}">
-                <a16:creationId xmlns:a16="http://schemas.microsoft.com/office/drawing/2014/main" id="{D89E35E3-503B-6ECF-78BC-49A27F0AAD3C}"/>
+                <a16:creationId xmlns:a16="http://schemas.microsoft.com/office/drawing/2014/main" id="{12C23037-F9DC-9D21-0733-1E43287B1BCA}"/>
               </a:ext>
             </a:extLst>
           </p:cNvPr>
@@ -4944,31 +3996,27 @@
         <p:spPr>
           <a:xfrm>
             <a:off x="630936" y="640080"/>
-            <a:ext cx="4818888" cy="992124"/>
+            <a:ext cx="4818888" cy="1481328"/>
           </a:xfrm>
         </p:spPr>
         <p:txBody>
           <a:bodyPr anchor="b">
-            <a:normAutofit fontScale="90000"/>
+            <a:normAutofit/>
           </a:bodyPr>
           <a:lstStyle/>
           <a:p>
             <a:r>
-              <a:rPr lang="it-IT" sz="4000" b="0" i="0" dirty="0">
-                <a:effectLst/>
+              <a:rPr lang="it-IT" sz="5000" dirty="0">
                 <a:latin typeface="Montserrat" pitchFamily="2" charset="0"/>
               </a:rPr>
-              <a:t>Concepts and Goals</a:t>
-            </a:r>
-            <a:endParaRPr lang="it-IT" sz="4000" dirty="0">
-              <a:latin typeface="Montserrat" pitchFamily="2" charset="0"/>
-            </a:endParaRPr>
-          </a:p>
-        </p:txBody>
-      </p:sp>
-      <p:sp>
-        <p:nvSpPr>
-          <p:cNvPr id="13" name="sketch line">
+              <a:t>Struttura cinematica</a:t>
+            </a:r>
+          </a:p>
+        </p:txBody>
+      </p:sp>
+      <p:sp>
+        <p:nvSpPr>
+          <p:cNvPr id="56" name="sketch line">
             <a:extLst>
               <a:ext uri="{FF2B5EF4-FFF2-40B4-BE49-F238E27FC236}">
                 <a16:creationId xmlns:a16="http://schemas.microsoft.com/office/drawing/2014/main" id="{71877DBC-BB60-40F0-AC93-2ACDBAAE60CE}"/>
@@ -5244,1134 +4292,6 @@
           <p:cNvPr id="3" name="Segnaposto contenuto 2">
             <a:extLst>
               <a:ext uri="{FF2B5EF4-FFF2-40B4-BE49-F238E27FC236}">
-                <a16:creationId xmlns:a16="http://schemas.microsoft.com/office/drawing/2014/main" id="{77BAB6A6-FA4B-6E8F-32F1-80EB9E92C283}"/>
-              </a:ext>
-            </a:extLst>
-          </p:cNvPr>
-          <p:cNvSpPr>
-            <a:spLocks noGrp="1"/>
-          </p:cNvSpPr>
-          <p:nvPr>
-            <p:ph idx="1"/>
-          </p:nvPr>
-        </p:nvSpPr>
-        <p:spPr>
-          <a:xfrm>
-            <a:off x="630936" y="2660904"/>
-            <a:ext cx="4818888" cy="3547872"/>
-          </a:xfrm>
-        </p:spPr>
-        <p:txBody>
-          <a:bodyPr anchor="t">
-            <a:normAutofit/>
-          </a:bodyPr>
-          <a:lstStyle/>
-          <a:p>
-            <a:pPr marL="0" indent="0">
-              <a:buNone/>
-            </a:pPr>
-            <a:r>
-              <a:rPr lang="en-US" sz="1000" b="1" i="0" u="none" strike="noStrike" baseline="0" dirty="0">
-                <a:latin typeface="Montserrat" pitchFamily="2" charset="0"/>
-              </a:rPr>
-              <a:t>our proposed device simultaneously achieves accurate anthropomorphism, biomimetic performance, and human-like grasping behavior</a:t>
-            </a:r>
-          </a:p>
-          <a:p>
-            <a:pPr marL="0" indent="0">
-              <a:buNone/>
-            </a:pPr>
-            <a:endParaRPr lang="en-US" sz="1000" b="1" dirty="0">
-              <a:latin typeface="Montserrat" pitchFamily="2" charset="0"/>
-            </a:endParaRPr>
-          </a:p>
-          <a:p>
-            <a:pPr marL="0" indent="0">
-              <a:buNone/>
-            </a:pPr>
-            <a:r>
-              <a:rPr lang="en-US" sz="1000" b="0" i="0" u="none" strike="noStrike" baseline="0" dirty="0">
-                <a:latin typeface="Montserrat" pitchFamily="2" charset="0"/>
-              </a:rPr>
-              <a:t>Several studies have been carried out to determine the key </a:t>
-            </a:r>
-            <a:r>
-              <a:rPr lang="en-US" sz="1000" b="0" i="0" u="none" strike="noStrike" baseline="0" dirty="0" err="1">
-                <a:latin typeface="Montserrat" pitchFamily="2" charset="0"/>
-              </a:rPr>
-              <a:t>factorsthat</a:t>
-            </a:r>
-            <a:r>
-              <a:rPr lang="en-US" sz="1000" b="0" i="0" u="none" strike="noStrike" baseline="0" dirty="0">
-                <a:latin typeface="Montserrat" pitchFamily="2" charset="0"/>
-              </a:rPr>
-              <a:t> characterize the behavior and properties of the human hand as a guide to achieve a truly bioinspired prosthetic device; these factors are as follows: (</a:t>
-            </a:r>
-            <a:r>
-              <a:rPr lang="en-US" sz="1000" b="0" i="0" u="none" strike="noStrike" baseline="0" dirty="0" err="1">
-                <a:latin typeface="Montserrat" pitchFamily="2" charset="0"/>
-              </a:rPr>
-              <a:t>i</a:t>
-            </a:r>
-            <a:r>
-              <a:rPr lang="en-US" sz="1000" b="0" i="0" u="none" strike="noStrike" baseline="0" dirty="0">
-                <a:latin typeface="Montserrat" pitchFamily="2" charset="0"/>
-              </a:rPr>
-              <a:t>) anthropomorphic-related features, which include kinematics, size, weight, and appearance (</a:t>
-            </a:r>
-            <a:r>
-              <a:rPr lang="en-US" sz="1000" b="0" i="1" u="none" strike="noStrike" baseline="0" dirty="0">
-                <a:latin typeface="Montserrat" pitchFamily="2" charset="0"/>
-              </a:rPr>
-              <a:t>4</a:t>
-            </a:r>
-            <a:r>
-              <a:rPr lang="en-US" sz="1000" b="0" i="0" u="none" strike="noStrike" baseline="0" dirty="0">
-                <a:latin typeface="Montserrat" pitchFamily="2" charset="0"/>
-              </a:rPr>
-              <a:t>, </a:t>
-            </a:r>
-            <a:r>
-              <a:rPr lang="en-US" sz="1000" b="0" i="1" u="none" strike="noStrike" baseline="0" dirty="0">
-                <a:latin typeface="Montserrat" pitchFamily="2" charset="0"/>
-              </a:rPr>
-              <a:t>10</a:t>
-            </a:r>
-            <a:r>
-              <a:rPr lang="en-US" sz="1000" b="0" i="0" u="none" strike="noStrike" baseline="0" dirty="0">
-                <a:latin typeface="Montserrat" pitchFamily="2" charset="0"/>
-              </a:rPr>
-              <a:t>, </a:t>
-            </a:r>
-            <a:r>
-              <a:rPr lang="en-US" sz="1000" b="0" i="1" u="none" strike="noStrike" baseline="0" dirty="0">
-                <a:latin typeface="Montserrat" pitchFamily="2" charset="0"/>
-              </a:rPr>
-              <a:t>11</a:t>
-            </a:r>
-            <a:r>
-              <a:rPr lang="en-US" sz="1000" b="0" i="0" u="none" strike="noStrike" baseline="0" dirty="0">
-                <a:latin typeface="Montserrat" pitchFamily="2" charset="0"/>
-              </a:rPr>
-              <a:t>); (ii) performance such as speed, force, and dexterity (</a:t>
-            </a:r>
-            <a:r>
-              <a:rPr lang="en-US" sz="1000" b="0" i="1" u="none" strike="noStrike" baseline="0" dirty="0">
-                <a:latin typeface="Montserrat" pitchFamily="2" charset="0"/>
-              </a:rPr>
-              <a:t>10</a:t>
-            </a:r>
-            <a:r>
-              <a:rPr lang="en-US" sz="1000" b="0" i="0" u="none" strike="noStrike" baseline="0" dirty="0">
-                <a:latin typeface="Montserrat" pitchFamily="2" charset="0"/>
-              </a:rPr>
-              <a:t>, </a:t>
-            </a:r>
-            <a:r>
-              <a:rPr lang="en-US" sz="1000" b="0" i="1" u="none" strike="noStrike" baseline="0" dirty="0">
-                <a:latin typeface="Montserrat" pitchFamily="2" charset="0"/>
-              </a:rPr>
-              <a:t>12</a:t>
-            </a:r>
-            <a:r>
-              <a:rPr lang="en-US" sz="1000" b="0" i="0" u="none" strike="noStrike" baseline="0" dirty="0">
-                <a:latin typeface="Montserrat" pitchFamily="2" charset="0"/>
-              </a:rPr>
-              <a:t>); and (iii) robust and synergistic </a:t>
-            </a:r>
-            <a:r>
-              <a:rPr lang="it-IT" sz="1000" b="0" i="0" u="none" strike="noStrike" baseline="0" dirty="0" err="1">
-                <a:latin typeface="Montserrat" pitchFamily="2" charset="0"/>
-              </a:rPr>
-              <a:t>grasping</a:t>
-            </a:r>
-            <a:endParaRPr lang="it-IT" sz="1000" b="0" i="0" u="none" strike="noStrike" baseline="0" dirty="0">
-              <a:latin typeface="Montserrat" pitchFamily="2" charset="0"/>
-            </a:endParaRPr>
-          </a:p>
-          <a:p>
-            <a:pPr marL="0" indent="0">
-              <a:buNone/>
-            </a:pPr>
-            <a:endParaRPr lang="en-US" sz="1000" b="0" i="0" u="none" strike="noStrike" baseline="0" dirty="0">
-              <a:latin typeface="Montserrat" pitchFamily="2" charset="0"/>
-            </a:endParaRPr>
-          </a:p>
-          <a:p>
-            <a:pPr marL="0" indent="0">
-              <a:buNone/>
-            </a:pPr>
-            <a:r>
-              <a:rPr lang="en-US" sz="1000" b="0" i="0" u="none" strike="noStrike" baseline="0" dirty="0">
-                <a:latin typeface="Montserrat" pitchFamily="2" charset="0"/>
-              </a:rPr>
-              <a:t>We propose a prosthetic hand called Hannes that incorporates high levels of biomimicry through the concurrence of anthropomorphism, performance, and functionality, which lead to better performance compared with other existing research and commercial prosthetic devices. This result was achieved by organically involving researchers, patients, </a:t>
-            </a:r>
-            <a:r>
-              <a:rPr lang="en-US" sz="1000" b="0" i="0" u="none" strike="noStrike" baseline="0" dirty="0" err="1">
-                <a:latin typeface="Montserrat" pitchFamily="2" charset="0"/>
-              </a:rPr>
-              <a:t>orthopaedists</a:t>
-            </a:r>
-            <a:r>
-              <a:rPr lang="en-US" sz="1000" b="0" i="0" u="none" strike="noStrike" baseline="0" dirty="0">
-                <a:latin typeface="Montserrat" pitchFamily="2" charset="0"/>
-              </a:rPr>
-              <a:t>, and industrial designers in a codesign process. Last, we perform a thorough evaluation of the device through laboratory tests and clinical trials on amputated participants.</a:t>
-            </a:r>
-            <a:endParaRPr lang="it-IT" sz="1000" dirty="0">
-              <a:latin typeface="Montserrat" pitchFamily="2" charset="0"/>
-            </a:endParaRPr>
-          </a:p>
-        </p:txBody>
-      </p:sp>
-      <p:pic>
-        <p:nvPicPr>
-          <p:cNvPr id="6" name="Immagine 5" descr="Immagine che contiene testo, cerchio, logo, design&#10;&#10;Descrizione generata automaticamente">
-            <a:extLst>
-              <a:ext uri="{FF2B5EF4-FFF2-40B4-BE49-F238E27FC236}">
-                <a16:creationId xmlns:a16="http://schemas.microsoft.com/office/drawing/2014/main" id="{7161F3F7-1C4A-3B00-D1AB-CBCD4E24F1CF}"/>
-              </a:ext>
-            </a:extLst>
-          </p:cNvPr>
-          <p:cNvPicPr>
-            <a:picLocks noChangeAspect="1"/>
-          </p:cNvPicPr>
-          <p:nvPr/>
-        </p:nvPicPr>
-        <p:blipFill>
-          <a:blip r:embed="rId2">
-            <a:extLst>
-              <a:ext uri="{28A0092B-C50C-407E-A947-70E740481C1C}">
-                <a14:useLocalDpi xmlns:a14="http://schemas.microsoft.com/office/drawing/2010/main" val="0"/>
-              </a:ext>
-            </a:extLst>
-          </a:blip>
-          <a:stretch>
-            <a:fillRect/>
-          </a:stretch>
-        </p:blipFill>
-        <p:spPr>
-          <a:xfrm>
-            <a:off x="6771703" y="640080"/>
-            <a:ext cx="4113657" cy="5577840"/>
-          </a:xfrm>
-          <a:prstGeom prst="rect">
-            <a:avLst/>
-          </a:prstGeom>
-        </p:spPr>
-      </p:pic>
-    </p:spTree>
-    <p:extLst>
-      <p:ext uri="{BB962C8B-B14F-4D97-AF65-F5344CB8AC3E}">
-        <p14:creationId xmlns:p14="http://schemas.microsoft.com/office/powerpoint/2010/main" val="1310535758"/>
-      </p:ext>
-    </p:extLst>
-  </p:cSld>
-  <p:clrMapOvr>
-    <a:masterClrMapping/>
-  </p:clrMapOvr>
-</p:sld>
-</file>
-
-<file path=ppt/slides/slide5.xml><?xml version="1.0" encoding="utf-8"?>
-<p:sld xmlns:a="http://schemas.openxmlformats.org/drawingml/2006/main" xmlns:r="http://schemas.openxmlformats.org/officeDocument/2006/relationships" xmlns:p="http://schemas.openxmlformats.org/presentationml/2006/main">
-  <p:cSld>
-    <p:bg>
-      <p:bgPr>
-        <a:solidFill>
-          <a:schemeClr val="bg1"/>
-        </a:solidFill>
-        <a:effectLst/>
-      </p:bgPr>
-    </p:bg>
-    <p:spTree>
-      <p:nvGrpSpPr>
-        <p:cNvPr id="1" name=""/>
-        <p:cNvGrpSpPr/>
-        <p:nvPr/>
-      </p:nvGrpSpPr>
-      <p:grpSpPr>
-        <a:xfrm>
-          <a:off x="0" y="0"/>
-          <a:ext cx="0" cy="0"/>
-          <a:chOff x="0" y="0"/>
-          <a:chExt cx="0" cy="0"/>
-        </a:xfrm>
-      </p:grpSpPr>
-      <p:sp useBgFill="1">
-        <p:nvSpPr>
-          <p:cNvPr id="17" name="Rectangle 16">
-            <a:extLst>
-              <a:ext uri="{FF2B5EF4-FFF2-40B4-BE49-F238E27FC236}">
-                <a16:creationId xmlns:a16="http://schemas.microsoft.com/office/drawing/2014/main" id="{32AEEBC8-9D30-42EF-95F2-386C2653FBF0}"/>
-              </a:ext>
-              <a:ext uri="{C183D7F6-B498-43B3-948B-1728B52AA6E4}">
-                <adec:decorative xmlns:adec="http://schemas.microsoft.com/office/drawing/2017/decorative" val="1"/>
-              </a:ext>
-            </a:extLst>
-          </p:cNvPr>
-          <p:cNvSpPr>
-            <a:spLocks noGrp="1" noRot="1" noChangeAspect="1" noMove="1" noResize="1" noEditPoints="1" noAdjustHandles="1" noChangeArrowheads="1" noChangeShapeType="1" noTextEdit="1"/>
-          </p:cNvSpPr>
-          <p:nvPr>
-            <p:extLst>
-              <p:ext uri="{386F3935-93C4-4BCD-93E2-E3B085C9AB24}">
-                <p16:designElem xmlns:p16="http://schemas.microsoft.com/office/powerpoint/2015/main" val="1"/>
-              </p:ext>
-            </p:extLst>
-          </p:nvPr>
-        </p:nvSpPr>
-        <p:spPr>
-          <a:xfrm>
-            <a:off x="0" y="0"/>
-            <a:ext cx="12192000" cy="6858000"/>
-          </a:xfrm>
-          <a:prstGeom prst="rect">
-            <a:avLst/>
-          </a:prstGeom>
-          <a:ln>
-            <a:noFill/>
-          </a:ln>
-        </p:spPr>
-        <p:style>
-          <a:lnRef idx="2">
-            <a:schemeClr val="accent1">
-              <a:shade val="50000"/>
-            </a:schemeClr>
-          </a:lnRef>
-          <a:fillRef idx="1">
-            <a:schemeClr val="accent1"/>
-          </a:fillRef>
-          <a:effectRef idx="0">
-            <a:schemeClr val="accent1"/>
-          </a:effectRef>
-          <a:fontRef idx="minor">
-            <a:schemeClr val="lt1"/>
-          </a:fontRef>
-        </p:style>
-        <p:txBody>
-          <a:bodyPr rtlCol="0" anchor="ctr"/>
-          <a:lstStyle/>
-          <a:p>
-            <a:pPr algn="ctr"/>
-            <a:endParaRPr lang="en-US"/>
-          </a:p>
-        </p:txBody>
-      </p:sp>
-      <p:sp>
-        <p:nvSpPr>
-          <p:cNvPr id="2" name="Titolo 1">
-            <a:extLst>
-              <a:ext uri="{FF2B5EF4-FFF2-40B4-BE49-F238E27FC236}">
-                <a16:creationId xmlns:a16="http://schemas.microsoft.com/office/drawing/2014/main" id="{BD2714F7-1F7F-FCE1-3548-82601570C187}"/>
-              </a:ext>
-            </a:extLst>
-          </p:cNvPr>
-          <p:cNvSpPr>
-            <a:spLocks noGrp="1"/>
-          </p:cNvSpPr>
-          <p:nvPr>
-            <p:ph type="title"/>
-          </p:nvPr>
-        </p:nvSpPr>
-        <p:spPr>
-          <a:xfrm>
-            <a:off x="630936" y="502920"/>
-            <a:ext cx="3419856" cy="1463040"/>
-          </a:xfrm>
-        </p:spPr>
-        <p:txBody>
-          <a:bodyPr anchor="ctr">
-            <a:normAutofit/>
-          </a:bodyPr>
-          <a:lstStyle/>
-          <a:p>
-            <a:r>
-              <a:rPr lang="it-IT" sz="4800" dirty="0">
-                <a:latin typeface="Montserrat" pitchFamily="2" charset="0"/>
-              </a:rPr>
-              <a:t>Struttura generica </a:t>
-            </a:r>
-          </a:p>
-        </p:txBody>
-      </p:sp>
-      <p:sp>
-        <p:nvSpPr>
-          <p:cNvPr id="19" name="sketch line">
-            <a:extLst>
-              <a:ext uri="{FF2B5EF4-FFF2-40B4-BE49-F238E27FC236}">
-                <a16:creationId xmlns:a16="http://schemas.microsoft.com/office/drawing/2014/main" id="{2E92FA66-67D7-4CB4-94D3-E643A9AD4757}"/>
-              </a:ext>
-              <a:ext uri="{C183D7F6-B498-43B3-948B-1728B52AA6E4}">
-                <adec:decorative xmlns:adec="http://schemas.microsoft.com/office/drawing/2017/decorative" val="1"/>
-              </a:ext>
-            </a:extLst>
-          </p:cNvPr>
-          <p:cNvSpPr>
-            <a:spLocks noGrp="1" noRot="1" noChangeAspect="1" noMove="1" noResize="1" noEditPoints="1" noAdjustHandles="1" noChangeArrowheads="1" noChangeShapeType="1" noTextEdit="1"/>
-          </p:cNvSpPr>
-          <p:nvPr>
-            <p:extLst>
-              <p:ext uri="{386F3935-93C4-4BCD-93E2-E3B085C9AB24}">
-                <p16:designElem xmlns:p16="http://schemas.microsoft.com/office/powerpoint/2015/main" val="1"/>
-              </p:ext>
-            </p:extLst>
-          </p:nvPr>
-        </p:nvSpPr>
-        <p:spPr>
-          <a:xfrm rot="5400000">
-            <a:off x="3566159" y="1225296"/>
-            <a:ext cx="1554480" cy="18288"/>
-          </a:xfrm>
-          <a:custGeom>
-            <a:avLst/>
-            <a:gdLst>
-              <a:gd name="connsiteX0" fmla="*/ 0 w 1554480"/>
-              <a:gd name="connsiteY0" fmla="*/ 0 h 18288"/>
-              <a:gd name="connsiteX1" fmla="*/ 549250 w 1554480"/>
-              <a:gd name="connsiteY1" fmla="*/ 0 h 18288"/>
-              <a:gd name="connsiteX2" fmla="*/ 1082954 w 1554480"/>
-              <a:gd name="connsiteY2" fmla="*/ 0 h 18288"/>
-              <a:gd name="connsiteX3" fmla="*/ 1554480 w 1554480"/>
-              <a:gd name="connsiteY3" fmla="*/ 0 h 18288"/>
-              <a:gd name="connsiteX4" fmla="*/ 1554480 w 1554480"/>
-              <a:gd name="connsiteY4" fmla="*/ 18288 h 18288"/>
-              <a:gd name="connsiteX5" fmla="*/ 1067410 w 1554480"/>
-              <a:gd name="connsiteY5" fmla="*/ 18288 h 18288"/>
-              <a:gd name="connsiteX6" fmla="*/ 549250 w 1554480"/>
-              <a:gd name="connsiteY6" fmla="*/ 18288 h 18288"/>
-              <a:gd name="connsiteX7" fmla="*/ 0 w 1554480"/>
-              <a:gd name="connsiteY7" fmla="*/ 18288 h 18288"/>
-              <a:gd name="connsiteX8" fmla="*/ 0 w 1554480"/>
-              <a:gd name="connsiteY8" fmla="*/ 0 h 18288"/>
-            </a:gdLst>
-            <a:ahLst/>
-            <a:cxnLst>
-              <a:cxn ang="0">
-                <a:pos x="connsiteX0" y="connsiteY0"/>
-              </a:cxn>
-              <a:cxn ang="0">
-                <a:pos x="connsiteX1" y="connsiteY1"/>
-              </a:cxn>
-              <a:cxn ang="0">
-                <a:pos x="connsiteX2" y="connsiteY2"/>
-              </a:cxn>
-              <a:cxn ang="0">
-                <a:pos x="connsiteX3" y="connsiteY3"/>
-              </a:cxn>
-              <a:cxn ang="0">
-                <a:pos x="connsiteX4" y="connsiteY4"/>
-              </a:cxn>
-              <a:cxn ang="0">
-                <a:pos x="connsiteX5" y="connsiteY5"/>
-              </a:cxn>
-              <a:cxn ang="0">
-                <a:pos x="connsiteX6" y="connsiteY6"/>
-              </a:cxn>
-              <a:cxn ang="0">
-                <a:pos x="connsiteX7" y="connsiteY7"/>
-              </a:cxn>
-              <a:cxn ang="0">
-                <a:pos x="connsiteX8" y="connsiteY8"/>
-              </a:cxn>
-            </a:cxnLst>
-            <a:rect l="l" t="t" r="r" b="b"/>
-            <a:pathLst>
-              <a:path w="1554480" h="18288" fill="none" extrusionOk="0">
-                <a:moveTo>
-                  <a:pt x="0" y="0"/>
-                </a:moveTo>
-                <a:cubicBezTo>
-                  <a:pt x="114141" y="-19864"/>
-                  <a:pt x="345055" y="-1657"/>
-                  <a:pt x="549250" y="0"/>
-                </a:cubicBezTo>
-                <a:cubicBezTo>
-                  <a:pt x="753445" y="1657"/>
-                  <a:pt x="862292" y="-5674"/>
-                  <a:pt x="1082954" y="0"/>
-                </a:cubicBezTo>
-                <a:cubicBezTo>
-                  <a:pt x="1303616" y="5674"/>
-                  <a:pt x="1363530" y="4537"/>
-                  <a:pt x="1554480" y="0"/>
-                </a:cubicBezTo>
-                <a:cubicBezTo>
-                  <a:pt x="1554963" y="7176"/>
-                  <a:pt x="1553909" y="13682"/>
-                  <a:pt x="1554480" y="18288"/>
-                </a:cubicBezTo>
-                <a:cubicBezTo>
-                  <a:pt x="1338847" y="6127"/>
-                  <a:pt x="1215066" y="37851"/>
-                  <a:pt x="1067410" y="18288"/>
-                </a:cubicBezTo>
-                <a:cubicBezTo>
-                  <a:pt x="919754" y="-1275"/>
-                  <a:pt x="800465" y="3080"/>
-                  <a:pt x="549250" y="18288"/>
-                </a:cubicBezTo>
-                <a:cubicBezTo>
-                  <a:pt x="298035" y="33496"/>
-                  <a:pt x="158868" y="22769"/>
-                  <a:pt x="0" y="18288"/>
-                </a:cubicBezTo>
-                <a:cubicBezTo>
-                  <a:pt x="-655" y="13237"/>
-                  <a:pt x="709" y="4645"/>
-                  <a:pt x="0" y="0"/>
-                </a:cubicBezTo>
-                <a:close/>
-              </a:path>
-              <a:path w="1554480" h="18288" stroke="0" extrusionOk="0">
-                <a:moveTo>
-                  <a:pt x="0" y="0"/>
-                </a:moveTo>
-                <a:cubicBezTo>
-                  <a:pt x="249941" y="-58"/>
-                  <a:pt x="367334" y="23448"/>
-                  <a:pt x="502615" y="0"/>
-                </a:cubicBezTo>
-                <a:cubicBezTo>
-                  <a:pt x="637897" y="-23448"/>
-                  <a:pt x="813653" y="-20418"/>
-                  <a:pt x="974141" y="0"/>
-                </a:cubicBezTo>
-                <a:cubicBezTo>
-                  <a:pt x="1134629" y="20418"/>
-                  <a:pt x="1268772" y="6288"/>
-                  <a:pt x="1554480" y="0"/>
-                </a:cubicBezTo>
-                <a:cubicBezTo>
-                  <a:pt x="1554917" y="7222"/>
-                  <a:pt x="1555359" y="13299"/>
-                  <a:pt x="1554480" y="18288"/>
-                </a:cubicBezTo>
-                <a:cubicBezTo>
-                  <a:pt x="1336087" y="12172"/>
-                  <a:pt x="1310024" y="19759"/>
-                  <a:pt x="1067410" y="18288"/>
-                </a:cubicBezTo>
-                <a:cubicBezTo>
-                  <a:pt x="824796" y="16818"/>
-                  <a:pt x="787902" y="34647"/>
-                  <a:pt x="518160" y="18288"/>
-                </a:cubicBezTo>
-                <a:cubicBezTo>
-                  <a:pt x="248418" y="1930"/>
-                  <a:pt x="133160" y="9205"/>
-                  <a:pt x="0" y="18288"/>
-                </a:cubicBezTo>
-                <a:cubicBezTo>
-                  <a:pt x="-643" y="9451"/>
-                  <a:pt x="-340" y="7114"/>
-                  <a:pt x="0" y="0"/>
-                </a:cubicBezTo>
-                <a:close/>
-              </a:path>
-            </a:pathLst>
-          </a:custGeom>
-          <a:solidFill>
-            <a:schemeClr val="accent2"/>
-          </a:solidFill>
-          <a:ln w="41275" cap="rnd">
-            <a:solidFill>
-              <a:schemeClr val="accent2"/>
-            </a:solidFill>
-            <a:round/>
-            <a:extLst>
-              <a:ext uri="{C807C97D-BFC1-408E-A445-0C87EB9F89A2}">
-                <ask:lineSketchStyleProps xmlns:ask="http://schemas.microsoft.com/office/drawing/2018/sketchyshapes" sd="1219033472">
-                  <a:prstGeom prst="rect">
-                    <a:avLst/>
-                  </a:prstGeom>
-                  <ask:type>
-                    <ask:lineSketchFreehand/>
-                  </ask:type>
-                </ask:lineSketchStyleProps>
-              </a:ext>
-            </a:extLst>
-          </a:ln>
-        </p:spPr>
-        <p:style>
-          <a:lnRef idx="2">
-            <a:schemeClr val="accent1">
-              <a:shade val="50000"/>
-            </a:schemeClr>
-          </a:lnRef>
-          <a:fillRef idx="1">
-            <a:schemeClr val="accent1"/>
-          </a:fillRef>
-          <a:effectRef idx="0">
-            <a:schemeClr val="accent1"/>
-          </a:effectRef>
-          <a:fontRef idx="minor">
-            <a:schemeClr val="lt1"/>
-          </a:fontRef>
-        </p:style>
-        <p:txBody>
-          <a:bodyPr rtlCol="0" anchor="ctr"/>
-          <a:lstStyle/>
-          <a:p>
-            <a:pPr algn="ctr"/>
-            <a:endParaRPr lang="en-US"/>
-          </a:p>
-        </p:txBody>
-      </p:sp>
-      <p:sp>
-        <p:nvSpPr>
-          <p:cNvPr id="3" name="Segnaposto contenuto 2">
-            <a:extLst>
-              <a:ext uri="{FF2B5EF4-FFF2-40B4-BE49-F238E27FC236}">
-                <a16:creationId xmlns:a16="http://schemas.microsoft.com/office/drawing/2014/main" id="{37F56D11-7520-978E-93AE-7EFBF426F3B1}"/>
-              </a:ext>
-            </a:extLst>
-          </p:cNvPr>
-          <p:cNvSpPr>
-            <a:spLocks noGrp="1"/>
-          </p:cNvSpPr>
-          <p:nvPr>
-            <p:ph idx="1"/>
-          </p:nvPr>
-        </p:nvSpPr>
-        <p:spPr>
-          <a:xfrm>
-            <a:off x="4654295" y="502920"/>
-            <a:ext cx="6894576" cy="1463040"/>
-          </a:xfrm>
-        </p:spPr>
-        <p:txBody>
-          <a:bodyPr anchor="ctr">
-            <a:normAutofit fontScale="92500"/>
-          </a:bodyPr>
-          <a:lstStyle/>
-          <a:p>
-            <a:pPr marL="0" indent="0">
-              <a:buNone/>
-            </a:pPr>
-            <a:r>
-              <a:rPr lang="en-US" sz="1000" b="0" i="0" dirty="0">
-                <a:effectLst/>
-                <a:latin typeface="Montserrat" pitchFamily="2" charset="0"/>
-              </a:rPr>
-              <a:t>Hannes comprises three primary components: a myoelectric poly-articulated prosthetic hand with a differential underactuated mechanism, a passive flexion-extension (F/E) wrist module, and a myoelectric interface/controller containing two surface electromyographic (</a:t>
-            </a:r>
-            <a:r>
-              <a:rPr lang="en-US" sz="1000" b="0" i="0" dirty="0" err="1">
-                <a:effectLst/>
-                <a:latin typeface="Montserrat" pitchFamily="2" charset="0"/>
-              </a:rPr>
-              <a:t>sEMG</a:t>
-            </a:r>
-            <a:r>
-              <a:rPr lang="en-US" sz="1000" b="0" i="0" dirty="0">
-                <a:effectLst/>
-                <a:latin typeface="Montserrat" pitchFamily="2" charset="0"/>
-              </a:rPr>
-              <a:t>) sensors, a battery pack, and control electronics.</a:t>
-            </a:r>
-          </a:p>
-          <a:p>
-            <a:pPr marL="0" indent="0">
-              <a:buNone/>
-            </a:pPr>
-            <a:r>
-              <a:rPr lang="en-US" sz="1000" b="0" i="0" dirty="0">
-                <a:effectLst/>
-                <a:latin typeface="Montserrat" pitchFamily="2" charset="0"/>
-              </a:rPr>
-              <a:t>These components are designed to achieve anthropomorphism, biomimetic performance, and human-like grasping, recognized as crucial factors in determining the overall effectiveness of a prosthesis. </a:t>
-            </a:r>
-          </a:p>
-          <a:p>
-            <a:pPr marL="0" indent="0">
-              <a:buNone/>
-            </a:pPr>
-            <a:r>
-              <a:rPr lang="en-US" sz="1000" b="0" i="0" dirty="0">
-                <a:effectLst/>
-                <a:latin typeface="Montserrat" pitchFamily="2" charset="0"/>
-              </a:rPr>
-              <a:t>The integrated architecture embeds the DC motor and motor control board within the myoelectric hand, while the </a:t>
-            </a:r>
-            <a:r>
-              <a:rPr lang="en-US" sz="1000" b="0" i="0" dirty="0" err="1">
-                <a:effectLst/>
-                <a:latin typeface="Montserrat" pitchFamily="2" charset="0"/>
-              </a:rPr>
-              <a:t>sEMG</a:t>
-            </a:r>
-            <a:r>
-              <a:rPr lang="en-US" sz="1000" b="0" i="0" dirty="0">
-                <a:effectLst/>
-                <a:latin typeface="Montserrat" pitchFamily="2" charset="0"/>
-              </a:rPr>
-              <a:t>-based controller is housed in the socket, with the F/E wrist positioned between these two modules. The holistic biomimetic design approach underlines the synthesis of these elements for enhanced functionality.</a:t>
-            </a:r>
-            <a:endParaRPr lang="it-IT" sz="1000" dirty="0">
-              <a:latin typeface="Montserrat" pitchFamily="2" charset="0"/>
-            </a:endParaRPr>
-          </a:p>
-        </p:txBody>
-      </p:sp>
-      <p:pic>
-        <p:nvPicPr>
-          <p:cNvPr id="5" name="Immagine 4" descr="Immagine che contiene strumento&#10;&#10;Descrizione generata automaticamente">
-            <a:extLst>
-              <a:ext uri="{FF2B5EF4-FFF2-40B4-BE49-F238E27FC236}">
-                <a16:creationId xmlns:a16="http://schemas.microsoft.com/office/drawing/2014/main" id="{FCD3D55C-B48B-CF38-DCAA-83521D13DD29}"/>
-              </a:ext>
-            </a:extLst>
-          </p:cNvPr>
-          <p:cNvPicPr>
-            <a:picLocks noChangeAspect="1"/>
-          </p:cNvPicPr>
-          <p:nvPr/>
-        </p:nvPicPr>
-        <p:blipFill rotWithShape="1">
-          <a:blip r:embed="rId2">
-            <a:extLst>
-              <a:ext uri="{BEBA8EAE-BF5A-486C-A8C5-ECC9F3942E4B}">
-                <a14:imgProps xmlns:a14="http://schemas.microsoft.com/office/drawing/2010/main">
-                  <a14:imgLayer r:embed="rId3">
-                    <a14:imgEffect>
-                      <a14:sharpenSoften amount="25000"/>
-                    </a14:imgEffect>
-                  </a14:imgLayer>
-                </a14:imgProps>
-              </a:ext>
-              <a:ext uri="{28A0092B-C50C-407E-A947-70E740481C1C}">
-                <a14:useLocalDpi xmlns:a14="http://schemas.microsoft.com/office/drawing/2010/main" val="0"/>
-              </a:ext>
-            </a:extLst>
-          </a:blip>
-          <a:srcRect l="4928" t="8207" r="4273" b="9061"/>
-          <a:stretch/>
-        </p:blipFill>
-        <p:spPr>
-          <a:xfrm>
-            <a:off x="2538560" y="2615878"/>
-            <a:ext cx="7154311" cy="3275636"/>
-          </a:xfrm>
-          <a:prstGeom prst="rect">
-            <a:avLst/>
-          </a:prstGeom>
-        </p:spPr>
-      </p:pic>
-    </p:spTree>
-    <p:extLst>
-      <p:ext uri="{BB962C8B-B14F-4D97-AF65-F5344CB8AC3E}">
-        <p14:creationId xmlns:p14="http://schemas.microsoft.com/office/powerpoint/2010/main" val="1790482611"/>
-      </p:ext>
-    </p:extLst>
-  </p:cSld>
-  <p:clrMapOvr>
-    <a:masterClrMapping/>
-  </p:clrMapOvr>
-</p:sld>
-</file>
-
-<file path=ppt/slides/slide6.xml><?xml version="1.0" encoding="utf-8"?>
-<p:sld xmlns:a="http://schemas.openxmlformats.org/drawingml/2006/main" xmlns:r="http://schemas.openxmlformats.org/officeDocument/2006/relationships" xmlns:p="http://schemas.openxmlformats.org/presentationml/2006/main">
-  <p:cSld>
-    <p:bg>
-      <p:bgPr>
-        <a:solidFill>
-          <a:schemeClr val="bg1"/>
-        </a:solidFill>
-        <a:effectLst/>
-      </p:bgPr>
-    </p:bg>
-    <p:spTree>
-      <p:nvGrpSpPr>
-        <p:cNvPr id="1" name=""/>
-        <p:cNvGrpSpPr/>
-        <p:nvPr/>
-      </p:nvGrpSpPr>
-      <p:grpSpPr>
-        <a:xfrm>
-          <a:off x="0" y="0"/>
-          <a:ext cx="0" cy="0"/>
-          <a:chOff x="0" y="0"/>
-          <a:chExt cx="0" cy="0"/>
-        </a:xfrm>
-      </p:grpSpPr>
-      <p:sp useBgFill="1">
-        <p:nvSpPr>
-          <p:cNvPr id="54" name="Rectangle 53">
-            <a:extLst>
-              <a:ext uri="{FF2B5EF4-FFF2-40B4-BE49-F238E27FC236}">
-                <a16:creationId xmlns:a16="http://schemas.microsoft.com/office/drawing/2014/main" id="{743AA782-23D1-4521-8CAD-47662984AA08}"/>
-              </a:ext>
-              <a:ext uri="{C183D7F6-B498-43B3-948B-1728B52AA6E4}">
-                <adec:decorative xmlns:adec="http://schemas.microsoft.com/office/drawing/2017/decorative" val="1"/>
-              </a:ext>
-            </a:extLst>
-          </p:cNvPr>
-          <p:cNvSpPr>
-            <a:spLocks noGrp="1" noRot="1" noChangeAspect="1" noMove="1" noResize="1" noEditPoints="1" noAdjustHandles="1" noChangeArrowheads="1" noChangeShapeType="1" noTextEdit="1"/>
-          </p:cNvSpPr>
-          <p:nvPr>
-            <p:extLst>
-              <p:ext uri="{386F3935-93C4-4BCD-93E2-E3B085C9AB24}">
-                <p16:designElem xmlns:p16="http://schemas.microsoft.com/office/powerpoint/2015/main" val="1"/>
-              </p:ext>
-            </p:extLst>
-          </p:nvPr>
-        </p:nvSpPr>
-        <p:spPr>
-          <a:xfrm>
-            <a:off x="0" y="0"/>
-            <a:ext cx="12192000" cy="6858000"/>
-          </a:xfrm>
-          <a:prstGeom prst="rect">
-            <a:avLst/>
-          </a:prstGeom>
-          <a:ln>
-            <a:noFill/>
-          </a:ln>
-        </p:spPr>
-        <p:style>
-          <a:lnRef idx="2">
-            <a:schemeClr val="accent1">
-              <a:shade val="50000"/>
-            </a:schemeClr>
-          </a:lnRef>
-          <a:fillRef idx="1">
-            <a:schemeClr val="accent1"/>
-          </a:fillRef>
-          <a:effectRef idx="0">
-            <a:schemeClr val="accent1"/>
-          </a:effectRef>
-          <a:fontRef idx="minor">
-            <a:schemeClr val="lt1"/>
-          </a:fontRef>
-        </p:style>
-        <p:txBody>
-          <a:bodyPr rtlCol="0" anchor="ctr"/>
-          <a:lstStyle/>
-          <a:p>
-            <a:pPr algn="ctr"/>
-            <a:endParaRPr lang="en-US"/>
-          </a:p>
-        </p:txBody>
-      </p:sp>
-      <p:sp>
-        <p:nvSpPr>
-          <p:cNvPr id="2" name="Titolo 1">
-            <a:extLst>
-              <a:ext uri="{FF2B5EF4-FFF2-40B4-BE49-F238E27FC236}">
-                <a16:creationId xmlns:a16="http://schemas.microsoft.com/office/drawing/2014/main" id="{12C23037-F9DC-9D21-0733-1E43287B1BCA}"/>
-              </a:ext>
-            </a:extLst>
-          </p:cNvPr>
-          <p:cNvSpPr>
-            <a:spLocks noGrp="1"/>
-          </p:cNvSpPr>
-          <p:nvPr>
-            <p:ph type="title"/>
-          </p:nvPr>
-        </p:nvSpPr>
-        <p:spPr>
-          <a:xfrm>
-            <a:off x="630936" y="640080"/>
-            <a:ext cx="4818888" cy="1481328"/>
-          </a:xfrm>
-        </p:spPr>
-        <p:txBody>
-          <a:bodyPr anchor="b">
-            <a:normAutofit/>
-          </a:bodyPr>
-          <a:lstStyle/>
-          <a:p>
-            <a:r>
-              <a:rPr lang="it-IT" sz="5000" dirty="0">
-                <a:latin typeface="Montserrat" pitchFamily="2" charset="0"/>
-              </a:rPr>
-              <a:t>Struttura cinematica</a:t>
-            </a:r>
-          </a:p>
-        </p:txBody>
-      </p:sp>
-      <p:sp>
-        <p:nvSpPr>
-          <p:cNvPr id="56" name="sketch line">
-            <a:extLst>
-              <a:ext uri="{FF2B5EF4-FFF2-40B4-BE49-F238E27FC236}">
-                <a16:creationId xmlns:a16="http://schemas.microsoft.com/office/drawing/2014/main" id="{71877DBC-BB60-40F0-AC93-2ACDBAAE60CE}"/>
-              </a:ext>
-              <a:ext uri="{C183D7F6-B498-43B3-948B-1728B52AA6E4}">
-                <adec:decorative xmlns:adec="http://schemas.microsoft.com/office/drawing/2017/decorative" val="1"/>
-              </a:ext>
-            </a:extLst>
-          </p:cNvPr>
-          <p:cNvSpPr>
-            <a:spLocks noGrp="1" noRot="1" noChangeAspect="1" noMove="1" noResize="1" noEditPoints="1" noAdjustHandles="1" noChangeArrowheads="1" noChangeShapeType="1" noTextEdit="1"/>
-          </p:cNvSpPr>
-          <p:nvPr>
-            <p:extLst>
-              <p:ext uri="{386F3935-93C4-4BCD-93E2-E3B085C9AB24}">
-                <p16:designElem xmlns:p16="http://schemas.microsoft.com/office/powerpoint/2015/main" val="1"/>
-              </p:ext>
-            </p:extLst>
-          </p:nvPr>
-        </p:nvSpPr>
-        <p:spPr>
-          <a:xfrm>
-            <a:off x="643278" y="2372868"/>
-            <a:ext cx="3255095" cy="18288"/>
-          </a:xfrm>
-          <a:custGeom>
-            <a:avLst/>
-            <a:gdLst>
-              <a:gd name="connsiteX0" fmla="*/ 0 w 3255095"/>
-              <a:gd name="connsiteY0" fmla="*/ 0 h 18288"/>
-              <a:gd name="connsiteX1" fmla="*/ 618468 w 3255095"/>
-              <a:gd name="connsiteY1" fmla="*/ 0 h 18288"/>
-              <a:gd name="connsiteX2" fmla="*/ 1269487 w 3255095"/>
-              <a:gd name="connsiteY2" fmla="*/ 0 h 18288"/>
-              <a:gd name="connsiteX3" fmla="*/ 1953057 w 3255095"/>
-              <a:gd name="connsiteY3" fmla="*/ 0 h 18288"/>
-              <a:gd name="connsiteX4" fmla="*/ 2636627 w 3255095"/>
-              <a:gd name="connsiteY4" fmla="*/ 0 h 18288"/>
-              <a:gd name="connsiteX5" fmla="*/ 3255095 w 3255095"/>
-              <a:gd name="connsiteY5" fmla="*/ 0 h 18288"/>
-              <a:gd name="connsiteX6" fmla="*/ 3255095 w 3255095"/>
-              <a:gd name="connsiteY6" fmla="*/ 18288 h 18288"/>
-              <a:gd name="connsiteX7" fmla="*/ 2538974 w 3255095"/>
-              <a:gd name="connsiteY7" fmla="*/ 18288 h 18288"/>
-              <a:gd name="connsiteX8" fmla="*/ 1822853 w 3255095"/>
-              <a:gd name="connsiteY8" fmla="*/ 18288 h 18288"/>
-              <a:gd name="connsiteX9" fmla="*/ 1171834 w 3255095"/>
-              <a:gd name="connsiteY9" fmla="*/ 18288 h 18288"/>
-              <a:gd name="connsiteX10" fmla="*/ 0 w 3255095"/>
-              <a:gd name="connsiteY10" fmla="*/ 18288 h 18288"/>
-              <a:gd name="connsiteX11" fmla="*/ 0 w 3255095"/>
-              <a:gd name="connsiteY11" fmla="*/ 0 h 18288"/>
-            </a:gdLst>
-            <a:ahLst/>
-            <a:cxnLst>
-              <a:cxn ang="0">
-                <a:pos x="connsiteX0" y="connsiteY0"/>
-              </a:cxn>
-              <a:cxn ang="0">
-                <a:pos x="connsiteX1" y="connsiteY1"/>
-              </a:cxn>
-              <a:cxn ang="0">
-                <a:pos x="connsiteX2" y="connsiteY2"/>
-              </a:cxn>
-              <a:cxn ang="0">
-                <a:pos x="connsiteX3" y="connsiteY3"/>
-              </a:cxn>
-              <a:cxn ang="0">
-                <a:pos x="connsiteX4" y="connsiteY4"/>
-              </a:cxn>
-              <a:cxn ang="0">
-                <a:pos x="connsiteX5" y="connsiteY5"/>
-              </a:cxn>
-              <a:cxn ang="0">
-                <a:pos x="connsiteX6" y="connsiteY6"/>
-              </a:cxn>
-              <a:cxn ang="0">
-                <a:pos x="connsiteX7" y="connsiteY7"/>
-              </a:cxn>
-              <a:cxn ang="0">
-                <a:pos x="connsiteX8" y="connsiteY8"/>
-              </a:cxn>
-              <a:cxn ang="0">
-                <a:pos x="connsiteX9" y="connsiteY9"/>
-              </a:cxn>
-              <a:cxn ang="0">
-                <a:pos x="connsiteX10" y="connsiteY10"/>
-              </a:cxn>
-              <a:cxn ang="0">
-                <a:pos x="connsiteX11" y="connsiteY11"/>
-              </a:cxn>
-            </a:cxnLst>
-            <a:rect l="l" t="t" r="r" b="b"/>
-            <a:pathLst>
-              <a:path w="3255095" h="18288" fill="none" extrusionOk="0">
-                <a:moveTo>
-                  <a:pt x="0" y="0"/>
-                </a:moveTo>
-                <a:cubicBezTo>
-                  <a:pt x="240201" y="-22123"/>
-                  <a:pt x="462021" y="-19623"/>
-                  <a:pt x="618468" y="0"/>
-                </a:cubicBezTo>
-                <a:cubicBezTo>
-                  <a:pt x="774915" y="19623"/>
-                  <a:pt x="974734" y="2035"/>
-                  <a:pt x="1269487" y="0"/>
-                </a:cubicBezTo>
-                <a:cubicBezTo>
-                  <a:pt x="1564240" y="-2035"/>
-                  <a:pt x="1733579" y="10639"/>
-                  <a:pt x="1953057" y="0"/>
-                </a:cubicBezTo>
-                <a:cubicBezTo>
-                  <a:pt x="2172535" y="-10639"/>
-                  <a:pt x="2453962" y="14018"/>
-                  <a:pt x="2636627" y="0"/>
-                </a:cubicBezTo>
-                <a:cubicBezTo>
-                  <a:pt x="2819292" y="-14018"/>
-                  <a:pt x="3121375" y="5399"/>
-                  <a:pt x="3255095" y="0"/>
-                </a:cubicBezTo>
-                <a:cubicBezTo>
-                  <a:pt x="3254386" y="8157"/>
-                  <a:pt x="3254682" y="12125"/>
-                  <a:pt x="3255095" y="18288"/>
-                </a:cubicBezTo>
-                <a:cubicBezTo>
-                  <a:pt x="3088545" y="23203"/>
-                  <a:pt x="2687475" y="7419"/>
-                  <a:pt x="2538974" y="18288"/>
-                </a:cubicBezTo>
-                <a:cubicBezTo>
-                  <a:pt x="2390473" y="29157"/>
-                  <a:pt x="2137381" y="-8959"/>
-                  <a:pt x="1822853" y="18288"/>
-                </a:cubicBezTo>
-                <a:cubicBezTo>
-                  <a:pt x="1508325" y="45535"/>
-                  <a:pt x="1466437" y="20385"/>
-                  <a:pt x="1171834" y="18288"/>
-                </a:cubicBezTo>
-                <a:cubicBezTo>
-                  <a:pt x="877231" y="16191"/>
-                  <a:pt x="561097" y="37643"/>
-                  <a:pt x="0" y="18288"/>
-                </a:cubicBezTo>
-                <a:cubicBezTo>
-                  <a:pt x="-46" y="12483"/>
-                  <a:pt x="-203" y="6491"/>
-                  <a:pt x="0" y="0"/>
-                </a:cubicBezTo>
-                <a:close/>
-              </a:path>
-              <a:path w="3255095" h="18288" stroke="0" extrusionOk="0">
-                <a:moveTo>
-                  <a:pt x="0" y="0"/>
-                </a:moveTo>
-                <a:cubicBezTo>
-                  <a:pt x="291965" y="19429"/>
-                  <a:pt x="363155" y="8568"/>
-                  <a:pt x="618468" y="0"/>
-                </a:cubicBezTo>
-                <a:cubicBezTo>
-                  <a:pt x="873781" y="-8568"/>
-                  <a:pt x="904459" y="-19505"/>
-                  <a:pt x="1171834" y="0"/>
-                </a:cubicBezTo>
-                <a:cubicBezTo>
-                  <a:pt x="1439209" y="19505"/>
-                  <a:pt x="1744369" y="9790"/>
-                  <a:pt x="1887955" y="0"/>
-                </a:cubicBezTo>
-                <a:cubicBezTo>
-                  <a:pt x="2031541" y="-9790"/>
-                  <a:pt x="2346378" y="21240"/>
-                  <a:pt x="2506423" y="0"/>
-                </a:cubicBezTo>
-                <a:cubicBezTo>
-                  <a:pt x="2666468" y="-21240"/>
-                  <a:pt x="2990257" y="30414"/>
-                  <a:pt x="3255095" y="0"/>
-                </a:cubicBezTo>
-                <a:cubicBezTo>
-                  <a:pt x="3254831" y="4493"/>
-                  <a:pt x="3255479" y="9472"/>
-                  <a:pt x="3255095" y="18288"/>
-                </a:cubicBezTo>
-                <a:cubicBezTo>
-                  <a:pt x="3120743" y="16690"/>
-                  <a:pt x="2759628" y="42462"/>
-                  <a:pt x="2604076" y="18288"/>
-                </a:cubicBezTo>
-                <a:cubicBezTo>
-                  <a:pt x="2448524" y="-5886"/>
-                  <a:pt x="2184336" y="19599"/>
-                  <a:pt x="1887955" y="18288"/>
-                </a:cubicBezTo>
-                <a:cubicBezTo>
-                  <a:pt x="1591574" y="16977"/>
-                  <a:pt x="1548845" y="6870"/>
-                  <a:pt x="1334589" y="18288"/>
-                </a:cubicBezTo>
-                <a:cubicBezTo>
-                  <a:pt x="1120333" y="29706"/>
-                  <a:pt x="996014" y="9662"/>
-                  <a:pt x="683570" y="18288"/>
-                </a:cubicBezTo>
-                <a:cubicBezTo>
-                  <a:pt x="371126" y="26914"/>
-                  <a:pt x="198687" y="16167"/>
-                  <a:pt x="0" y="18288"/>
-                </a:cubicBezTo>
-                <a:cubicBezTo>
-                  <a:pt x="843" y="9577"/>
-                  <a:pt x="371" y="6900"/>
-                  <a:pt x="0" y="0"/>
-                </a:cubicBezTo>
-                <a:close/>
-              </a:path>
-            </a:pathLst>
-          </a:custGeom>
-          <a:solidFill>
-            <a:schemeClr val="accent2"/>
-          </a:solidFill>
-          <a:ln w="38100" cap="rnd">
-            <a:solidFill>
-              <a:schemeClr val="accent2"/>
-            </a:solidFill>
-            <a:round/>
-            <a:extLst>
-              <a:ext uri="{C807C97D-BFC1-408E-A445-0C87EB9F89A2}">
-                <ask:lineSketchStyleProps xmlns:ask="http://schemas.microsoft.com/office/drawing/2018/sketchyshapes" sd="1219033472">
-                  <a:prstGeom prst="rect">
-                    <a:avLst/>
-                  </a:prstGeom>
-                  <ask:type>
-                    <ask:lineSketchFreehand/>
-                  </ask:type>
-                </ask:lineSketchStyleProps>
-              </a:ext>
-            </a:extLst>
-          </a:ln>
-        </p:spPr>
-        <p:style>
-          <a:lnRef idx="2">
-            <a:schemeClr val="accent1">
-              <a:shade val="50000"/>
-            </a:schemeClr>
-          </a:lnRef>
-          <a:fillRef idx="1">
-            <a:schemeClr val="accent1"/>
-          </a:fillRef>
-          <a:effectRef idx="0">
-            <a:schemeClr val="accent1"/>
-          </a:effectRef>
-          <a:fontRef idx="minor">
-            <a:schemeClr val="lt1"/>
-          </a:fontRef>
-        </p:style>
-        <p:txBody>
-          <a:bodyPr rtlCol="0" anchor="ctr"/>
-          <a:lstStyle/>
-          <a:p>
-            <a:pPr algn="ctr"/>
-            <a:endParaRPr lang="en-US"/>
-          </a:p>
-        </p:txBody>
-      </p:sp>
-      <p:sp>
-        <p:nvSpPr>
-          <p:cNvPr id="3" name="Segnaposto contenuto 2">
-            <a:extLst>
-              <a:ext uri="{FF2B5EF4-FFF2-40B4-BE49-F238E27FC236}">
                 <a16:creationId xmlns:a16="http://schemas.microsoft.com/office/drawing/2014/main" id="{8C546006-A3B7-1F8E-89A3-58792B4AE72F}"/>
               </a:ext>
             </a:extLst>
@@ -6464,7 +4384,7 @@
 </p:sld>
 </file>
 
-<file path=ppt/slides/slide7.xml><?xml version="1.0" encoding="utf-8"?>
+<file path=ppt/slides/slide11.xml><?xml version="1.0" encoding="utf-8"?>
 <p:sld xmlns:a="http://schemas.openxmlformats.org/drawingml/2006/main" xmlns:r="http://schemas.openxmlformats.org/officeDocument/2006/relationships" xmlns:p="http://schemas.openxmlformats.org/presentationml/2006/main">
   <p:cSld>
     <p:bg>
@@ -7114,7 +5034,7 @@
 </p:sld>
 </file>
 
-<file path=ppt/slides/slide8.xml><?xml version="1.0" encoding="utf-8"?>
+<file path=ppt/slides/slide12.xml><?xml version="1.0" encoding="utf-8"?>
 <p:sld xmlns:a="http://schemas.openxmlformats.org/drawingml/2006/main" xmlns:r="http://schemas.openxmlformats.org/officeDocument/2006/relationships" xmlns:p="http://schemas.openxmlformats.org/presentationml/2006/main">
   <p:cSld>
     <p:spTree>
@@ -7224,7 +5144,7 @@
 </p:sld>
 </file>
 
-<file path=ppt/slides/slide9.xml><?xml version="1.0" encoding="utf-8"?>
+<file path=ppt/slides/slide13.xml><?xml version="1.0" encoding="utf-8"?>
 <p:sld xmlns:a="http://schemas.openxmlformats.org/drawingml/2006/main" xmlns:r="http://schemas.openxmlformats.org/officeDocument/2006/relationships" xmlns:p="http://schemas.openxmlformats.org/presentationml/2006/main">
   <p:cSld>
     <p:spTree>
@@ -7246,6 +5166,388 @@
           <p:cNvPr id="2" name="Titolo 1">
             <a:extLst>
               <a:ext uri="{FF2B5EF4-FFF2-40B4-BE49-F238E27FC236}">
+                <a16:creationId xmlns:a16="http://schemas.microsoft.com/office/drawing/2014/main" id="{A4DC97C2-2C4F-07D0-1029-73403F738A72}"/>
+              </a:ext>
+            </a:extLst>
+          </p:cNvPr>
+          <p:cNvSpPr>
+            <a:spLocks noGrp="1"/>
+          </p:cNvSpPr>
+          <p:nvPr>
+            <p:ph type="title"/>
+          </p:nvPr>
+        </p:nvSpPr>
+        <p:spPr/>
+        <p:txBody>
+          <a:bodyPr/>
+          <a:lstStyle/>
+          <a:p>
+            <a:r>
+              <a:rPr lang="it-IT" dirty="0"/>
+              <a:t>Pattern </a:t>
+            </a:r>
+            <a:r>
+              <a:rPr lang="it-IT" dirty="0" err="1"/>
+              <a:t>Recognition</a:t>
+            </a:r>
+            <a:endParaRPr lang="it-IT" dirty="0"/>
+          </a:p>
+        </p:txBody>
+      </p:sp>
+      <p:sp>
+        <p:nvSpPr>
+          <p:cNvPr id="3" name="Segnaposto contenuto 2">
+            <a:extLst>
+              <a:ext uri="{FF2B5EF4-FFF2-40B4-BE49-F238E27FC236}">
+                <a16:creationId xmlns:a16="http://schemas.microsoft.com/office/drawing/2014/main" id="{C35E3DCB-85A1-7E8B-96F5-5F92043E074E}"/>
+              </a:ext>
+            </a:extLst>
+          </p:cNvPr>
+          <p:cNvSpPr>
+            <a:spLocks noGrp="1"/>
+          </p:cNvSpPr>
+          <p:nvPr>
+            <p:ph idx="1"/>
+          </p:nvPr>
+        </p:nvSpPr>
+        <p:spPr/>
+        <p:txBody>
+          <a:bodyPr>
+            <a:normAutofit lnSpcReduction="10000"/>
+          </a:bodyPr>
+          <a:lstStyle/>
+          <a:p>
+            <a:pPr marL="0" indent="0">
+              <a:buNone/>
+            </a:pPr>
+            <a:r>
+              <a:rPr lang="it-IT" dirty="0"/>
+              <a:t>Il controllo della mano si basa sul pattern </a:t>
+            </a:r>
+            <a:r>
+              <a:rPr lang="it-IT" dirty="0" err="1"/>
+              <a:t>recognition</a:t>
+            </a:r>
+            <a:r>
+              <a:rPr lang="it-IT" dirty="0"/>
+              <a:t>.</a:t>
+            </a:r>
+          </a:p>
+          <a:p>
+            <a:pPr marL="0" indent="0">
+              <a:buNone/>
+            </a:pPr>
+            <a:r>
+              <a:rPr lang="it-IT" dirty="0"/>
+              <a:t>Attualmente nella maggior parte di mani, vengono usati due sensori, uno per il muscolo flessore e uno per il muscolo estensore.</a:t>
+            </a:r>
+          </a:p>
+          <a:p>
+            <a:pPr marL="0" indent="0">
+              <a:buNone/>
+            </a:pPr>
+            <a:r>
+              <a:rPr lang="it-IT" dirty="0"/>
+              <a:t>I segnali EMG vengono processati, tramite sensori e le due </a:t>
+            </a:r>
+            <a:r>
+              <a:rPr lang="it-IT"/>
+              <a:t>principali categorie sono l’OTTOBOCK e IIT.</a:t>
+            </a:r>
+            <a:endParaRPr lang="it-IT" dirty="0"/>
+          </a:p>
+          <a:p>
+            <a:pPr marL="0" indent="0">
+              <a:buNone/>
+            </a:pPr>
+            <a:br>
+              <a:rPr lang="it-IT" dirty="0"/>
+            </a:br>
+            <a:r>
+              <a:rPr lang="it-IT" dirty="0"/>
+              <a:t>Tramite vari esperimenti, si è provato a migliorare il rilevamento dei segnali EMG e si è visto come il NLR sia l’algoritmo che permette di avere prestazioni ottimali utilizzando il minor numero possibile di elettrodi. In questo modo si riesce a ottimizzare la struttura fisica del dispositivo, i costi e le prestazioni.</a:t>
+            </a:r>
+          </a:p>
+        </p:txBody>
+      </p:sp>
+    </p:spTree>
+    <p:extLst>
+      <p:ext uri="{BB962C8B-B14F-4D97-AF65-F5344CB8AC3E}">
+        <p14:creationId xmlns:p14="http://schemas.microsoft.com/office/powerpoint/2010/main" val="3332874860"/>
+      </p:ext>
+    </p:extLst>
+  </p:cSld>
+  <p:clrMapOvr>
+    <a:masterClrMapping/>
+  </p:clrMapOvr>
+</p:sld>
+</file>
+
+<file path=ppt/slides/slide14.xml><?xml version="1.0" encoding="utf-8"?>
+<p:sld xmlns:a="http://schemas.openxmlformats.org/drawingml/2006/main" xmlns:r="http://schemas.openxmlformats.org/officeDocument/2006/relationships" xmlns:p="http://schemas.openxmlformats.org/presentationml/2006/main">
+  <p:cSld>
+    <p:spTree>
+      <p:nvGrpSpPr>
+        <p:cNvPr id="1" name=""/>
+        <p:cNvGrpSpPr/>
+        <p:nvPr/>
+      </p:nvGrpSpPr>
+      <p:grpSpPr>
+        <a:xfrm>
+          <a:off x="0" y="0"/>
+          <a:ext cx="0" cy="0"/>
+          <a:chOff x="0" y="0"/>
+          <a:chExt cx="0" cy="0"/>
+        </a:xfrm>
+      </p:grpSpPr>
+      <p:sp>
+        <p:nvSpPr>
+          <p:cNvPr id="2" name="Titolo 1">
+            <a:extLst>
+              <a:ext uri="{FF2B5EF4-FFF2-40B4-BE49-F238E27FC236}">
+                <a16:creationId xmlns:a16="http://schemas.microsoft.com/office/drawing/2014/main" id="{526CC60F-E027-CA32-1B7C-85C8967B8B86}"/>
+              </a:ext>
+            </a:extLst>
+          </p:cNvPr>
+          <p:cNvSpPr>
+            <a:spLocks noGrp="1"/>
+          </p:cNvSpPr>
+          <p:nvPr>
+            <p:ph type="title"/>
+          </p:nvPr>
+        </p:nvSpPr>
+        <p:spPr/>
+        <p:txBody>
+          <a:bodyPr/>
+          <a:lstStyle/>
+          <a:p>
+            <a:r>
+              <a:rPr lang="it-IT" dirty="0"/>
+              <a:t>State of art </a:t>
+            </a:r>
+            <a:r>
+              <a:rPr lang="it-IT" dirty="0" err="1"/>
+              <a:t>analysis</a:t>
+            </a:r>
+            <a:r>
+              <a:rPr lang="it-IT" dirty="0"/>
+              <a:t> </a:t>
+            </a:r>
+          </a:p>
+        </p:txBody>
+      </p:sp>
+      <p:sp>
+        <p:nvSpPr>
+          <p:cNvPr id="3" name="Segnaposto contenuto 2">
+            <a:extLst>
+              <a:ext uri="{FF2B5EF4-FFF2-40B4-BE49-F238E27FC236}">
+                <a16:creationId xmlns:a16="http://schemas.microsoft.com/office/drawing/2014/main" id="{314896F7-2E57-86AC-D2C6-0483DF29DABC}"/>
+              </a:ext>
+            </a:extLst>
+          </p:cNvPr>
+          <p:cNvSpPr>
+            <a:spLocks noGrp="1"/>
+          </p:cNvSpPr>
+          <p:nvPr>
+            <p:ph idx="1"/>
+          </p:nvPr>
+        </p:nvSpPr>
+        <p:spPr/>
+        <p:txBody>
+          <a:bodyPr>
+            <a:normAutofit fontScale="77500" lnSpcReduction="20000"/>
+          </a:bodyPr>
+          <a:lstStyle/>
+          <a:p>
+            <a:pPr marL="0" indent="0">
+              <a:buNone/>
+            </a:pPr>
+            <a:r>
+              <a:rPr lang="it-IT" b="0" i="0" dirty="0">
+                <a:effectLst/>
+                <a:latin typeface="Söhne"/>
+              </a:rPr>
+              <a:t>Il testo descrive i progressi nelle protesi del braccio superiore nel corso degli anni e il vasto mercato dei dispositivi protesici che offre opzioni estetiche e funzionali ai pazienti amputati. Sottolinea due principali sfide ingegneristiche nel sviluppo di protesi: l'integrazione dei componenti elettronici in uno spazio simile a quello della parte sostituita del arto e il raggiungimento di un controllo intuitivo. Si menziona che i dispositivi mostrati sono prodotti da </a:t>
+            </a:r>
+            <a:r>
+              <a:rPr lang="it-IT" b="0" i="0" dirty="0" err="1">
+                <a:effectLst/>
+                <a:latin typeface="Söhne"/>
+              </a:rPr>
+              <a:t>Ottobock</a:t>
+            </a:r>
+            <a:r>
+              <a:rPr lang="it-IT" b="0" i="0" dirty="0">
+                <a:effectLst/>
+                <a:latin typeface="Söhne"/>
+              </a:rPr>
+              <a:t>, uno dei principali attori nel mercato delle bioniche umane indossabili. Si descrivono tre tipi di protesi: una protesi passiva utilizzata per sostituire fisicamente la parte mancante, un gancio attivo in grado di afferrare oggetti con forza e rapidità, e protesi </a:t>
+            </a:r>
+            <a:r>
+              <a:rPr lang="it-IT" b="0" i="0" dirty="0" err="1">
+                <a:effectLst/>
+                <a:latin typeface="Söhne"/>
+              </a:rPr>
+              <a:t>poliarticolate</a:t>
+            </a:r>
+            <a:r>
+              <a:rPr lang="it-IT" b="0" i="0" dirty="0">
+                <a:effectLst/>
+                <a:latin typeface="Söhne"/>
+              </a:rPr>
+              <a:t> avanzate come il Michelangelo di </a:t>
+            </a:r>
+            <a:r>
+              <a:rPr lang="it-IT" b="0" i="0" dirty="0" err="1">
+                <a:effectLst/>
+                <a:latin typeface="Söhne"/>
+              </a:rPr>
+              <a:t>Ottobock</a:t>
+            </a:r>
+            <a:r>
+              <a:rPr lang="it-IT" b="0" i="0" dirty="0">
+                <a:effectLst/>
+                <a:latin typeface="Söhne"/>
+              </a:rPr>
+              <a:t> e la i-</a:t>
+            </a:r>
+            <a:r>
+              <a:rPr lang="it-IT" b="0" i="0" dirty="0" err="1">
+                <a:effectLst/>
+                <a:latin typeface="Söhne"/>
+              </a:rPr>
+              <a:t>Limb</a:t>
+            </a:r>
+            <a:r>
+              <a:rPr lang="it-IT" b="0" i="0" dirty="0">
+                <a:effectLst/>
+                <a:latin typeface="Söhne"/>
+              </a:rPr>
+              <a:t> Ultra di Touch </a:t>
+            </a:r>
+            <a:r>
+              <a:rPr lang="it-IT" b="0" i="0" dirty="0" err="1">
+                <a:effectLst/>
+                <a:latin typeface="Söhne"/>
+              </a:rPr>
+              <a:t>Bionics</a:t>
+            </a:r>
+            <a:r>
+              <a:rPr lang="it-IT" b="0" i="0" dirty="0">
+                <a:effectLst/>
+                <a:latin typeface="Söhne"/>
+              </a:rPr>
+              <a:t> (ora di proprietà di </a:t>
+            </a:r>
+            <a:r>
+              <a:rPr lang="it-IT" b="0" i="0" dirty="0" err="1">
+                <a:effectLst/>
+                <a:latin typeface="Söhne"/>
+              </a:rPr>
+              <a:t>Ossür</a:t>
+            </a:r>
+            <a:r>
+              <a:rPr lang="it-IT" b="0" i="0" dirty="0">
+                <a:effectLst/>
+                <a:latin typeface="Söhne"/>
+              </a:rPr>
+              <a:t>). Queste ultime offrono sia estetica che funzionalità, consentendo operazioni naturali con strumenti e tecnologie quotidiane. Viene anche menzionata la </a:t>
+            </a:r>
+            <a:r>
+              <a:rPr lang="it-IT" b="0" i="0" dirty="0" err="1">
+                <a:effectLst/>
+                <a:latin typeface="Söhne"/>
+              </a:rPr>
+              <a:t>Bebionic</a:t>
+            </a:r>
+            <a:r>
+              <a:rPr lang="it-IT" b="0" i="0" dirty="0">
+                <a:effectLst/>
+                <a:latin typeface="Söhne"/>
+              </a:rPr>
+              <a:t> hand di RSL </a:t>
+            </a:r>
+            <a:r>
+              <a:rPr lang="it-IT" b="0" i="0" dirty="0" err="1">
+                <a:effectLst/>
+                <a:latin typeface="Söhne"/>
+              </a:rPr>
+              <a:t>Steeper</a:t>
+            </a:r>
+            <a:r>
+              <a:rPr lang="it-IT" b="0" i="0" dirty="0">
+                <a:effectLst/>
+                <a:latin typeface="Söhne"/>
+              </a:rPr>
+              <a:t>, acquisita da </a:t>
+            </a:r>
+            <a:r>
+              <a:rPr lang="it-IT" b="0" i="0" dirty="0" err="1">
+                <a:effectLst/>
+                <a:latin typeface="Söhne"/>
+              </a:rPr>
+              <a:t>Ottobock</a:t>
+            </a:r>
+            <a:r>
+              <a:rPr lang="it-IT" b="0" i="0" dirty="0">
+                <a:effectLst/>
+                <a:latin typeface="Söhne"/>
+              </a:rPr>
+              <a:t>, che è una protesi </a:t>
+            </a:r>
+            <a:r>
+              <a:rPr lang="it-IT" b="0" i="0" dirty="0" err="1">
+                <a:effectLst/>
+                <a:latin typeface="Söhne"/>
+              </a:rPr>
+              <a:t>poliarticolata</a:t>
+            </a:r>
+            <a:r>
+              <a:rPr lang="it-IT" b="0" i="0" dirty="0">
+                <a:effectLst/>
+                <a:latin typeface="Söhne"/>
+              </a:rPr>
+              <a:t> con motori individuali per ciascun dito, offrendo una maggiore destrezza e la capacità di manipolare oggetti di diverse forme e dimensioni. Infine, si sottolinea che, nonostante i modelli precedenti utilizzino tecnologie simili per aprire o chiudere le dita, il loro intervallo di movimento è limitato.</a:t>
+            </a:r>
+            <a:endParaRPr lang="it-IT" dirty="0"/>
+          </a:p>
+        </p:txBody>
+      </p:sp>
+    </p:spTree>
+    <p:extLst>
+      <p:ext uri="{BB962C8B-B14F-4D97-AF65-F5344CB8AC3E}">
+        <p14:creationId xmlns:p14="http://schemas.microsoft.com/office/powerpoint/2010/main" val="3358185519"/>
+      </p:ext>
+    </p:extLst>
+  </p:cSld>
+  <p:clrMapOvr>
+    <a:masterClrMapping/>
+  </p:clrMapOvr>
+</p:sld>
+</file>
+
+<file path=ppt/slides/slide15.xml><?xml version="1.0" encoding="utf-8"?>
+<p:sld xmlns:a="http://schemas.openxmlformats.org/drawingml/2006/main" xmlns:r="http://schemas.openxmlformats.org/officeDocument/2006/relationships" xmlns:p="http://schemas.openxmlformats.org/presentationml/2006/main">
+  <p:cSld>
+    <p:spTree>
+      <p:nvGrpSpPr>
+        <p:cNvPr id="1" name=""/>
+        <p:cNvGrpSpPr/>
+        <p:nvPr/>
+      </p:nvGrpSpPr>
+      <p:grpSpPr>
+        <a:xfrm>
+          <a:off x="0" y="0"/>
+          <a:ext cx="0" cy="0"/>
+          <a:chOff x="0" y="0"/>
+          <a:chExt cx="0" cy="0"/>
+        </a:xfrm>
+      </p:grpSpPr>
+      <p:sp>
+        <p:nvSpPr>
+          <p:cNvPr id="2" name="Titolo 1">
+            <a:extLst>
+              <a:ext uri="{FF2B5EF4-FFF2-40B4-BE49-F238E27FC236}">
                 <a16:creationId xmlns:a16="http://schemas.microsoft.com/office/drawing/2014/main" id="{1179945E-A8EA-6C6C-3767-7EB23C7D149C}"/>
               </a:ext>
             </a:extLst>
@@ -7439,6 +5741,3665 @@
     <p:extLst>
       <p:ext uri="{BB962C8B-B14F-4D97-AF65-F5344CB8AC3E}">
         <p14:creationId xmlns:p14="http://schemas.microsoft.com/office/powerpoint/2010/main" val="1860402579"/>
+      </p:ext>
+    </p:extLst>
+  </p:cSld>
+  <p:clrMapOvr>
+    <a:masterClrMapping/>
+  </p:clrMapOvr>
+</p:sld>
+</file>
+
+<file path=ppt/slides/slide2.xml><?xml version="1.0" encoding="utf-8"?>
+<p:sld xmlns:a="http://schemas.openxmlformats.org/drawingml/2006/main" xmlns:r="http://schemas.openxmlformats.org/officeDocument/2006/relationships" xmlns:p="http://schemas.openxmlformats.org/presentationml/2006/main" show="0">
+  <p:cSld>
+    <p:spTree>
+      <p:nvGrpSpPr>
+        <p:cNvPr id="1" name=""/>
+        <p:cNvGrpSpPr/>
+        <p:nvPr/>
+      </p:nvGrpSpPr>
+      <p:grpSpPr>
+        <a:xfrm>
+          <a:off x="0" y="0"/>
+          <a:ext cx="0" cy="0"/>
+          <a:chOff x="0" y="0"/>
+          <a:chExt cx="0" cy="0"/>
+        </a:xfrm>
+      </p:grpSpPr>
+      <p:sp>
+        <p:nvSpPr>
+          <p:cNvPr id="2" name="Titolo 1">
+            <a:extLst>
+              <a:ext uri="{FF2B5EF4-FFF2-40B4-BE49-F238E27FC236}">
+                <a16:creationId xmlns:a16="http://schemas.microsoft.com/office/drawing/2014/main" id="{35542D6E-60B3-6F2A-DFAD-E54617228003}"/>
+              </a:ext>
+            </a:extLst>
+          </p:cNvPr>
+          <p:cNvSpPr>
+            <a:spLocks noGrp="1"/>
+          </p:cNvSpPr>
+          <p:nvPr>
+            <p:ph type="title"/>
+          </p:nvPr>
+        </p:nvSpPr>
+        <p:spPr/>
+        <p:txBody>
+          <a:bodyPr/>
+          <a:lstStyle/>
+          <a:p>
+            <a:r>
+              <a:rPr lang="it-IT" dirty="0">
+                <a:latin typeface="Montserrat" pitchFamily="2" charset="0"/>
+              </a:rPr>
+              <a:t>Indice</a:t>
+            </a:r>
+          </a:p>
+        </p:txBody>
+      </p:sp>
+      <p:sp>
+        <p:nvSpPr>
+          <p:cNvPr id="3" name="Segnaposto contenuto 2">
+            <a:extLst>
+              <a:ext uri="{FF2B5EF4-FFF2-40B4-BE49-F238E27FC236}">
+                <a16:creationId xmlns:a16="http://schemas.microsoft.com/office/drawing/2014/main" id="{DD6FFA6B-B06A-4213-753E-275438D6AE24}"/>
+              </a:ext>
+            </a:extLst>
+          </p:cNvPr>
+          <p:cNvSpPr>
+            <a:spLocks noGrp="1"/>
+          </p:cNvSpPr>
+          <p:nvPr>
+            <p:ph idx="1"/>
+          </p:nvPr>
+        </p:nvSpPr>
+        <p:spPr/>
+        <p:txBody>
+          <a:bodyPr/>
+          <a:lstStyle/>
+          <a:p>
+            <a:r>
+              <a:rPr lang="it-IT" dirty="0">
+                <a:latin typeface="Montserrat" pitchFamily="2" charset="0"/>
+              </a:rPr>
+              <a:t>Introduzione: Che cos’è? (in generale) Da chi è stata fatta? </a:t>
+            </a:r>
+          </a:p>
+          <a:p>
+            <a:r>
+              <a:rPr lang="it-IT" dirty="0">
+                <a:latin typeface="Montserrat" pitchFamily="2" charset="0"/>
+              </a:rPr>
+              <a:t>Idea e obiettivi: Figura schematica riassuntiva </a:t>
+            </a:r>
+          </a:p>
+          <a:p>
+            <a:r>
+              <a:rPr lang="it-IT" dirty="0">
+                <a:latin typeface="Montserrat" pitchFamily="2" charset="0"/>
+              </a:rPr>
+              <a:t>Struttura hardware e funzionamento: Immagini mano e meccanismi</a:t>
+            </a:r>
+          </a:p>
+          <a:p>
+            <a:r>
+              <a:rPr lang="it-IT" dirty="0">
+                <a:latin typeface="Montserrat" pitchFamily="2" charset="0"/>
+              </a:rPr>
+              <a:t>Più slides sui punti di forza e caratteristiche particolari</a:t>
+            </a:r>
+          </a:p>
+          <a:p>
+            <a:pPr marL="0" indent="0">
+              <a:buNone/>
+            </a:pPr>
+            <a:endParaRPr lang="it-IT" dirty="0"/>
+          </a:p>
+        </p:txBody>
+      </p:sp>
+    </p:spTree>
+    <p:extLst>
+      <p:ext uri="{BB962C8B-B14F-4D97-AF65-F5344CB8AC3E}">
+        <p14:creationId xmlns:p14="http://schemas.microsoft.com/office/powerpoint/2010/main" val="2334589735"/>
+      </p:ext>
+    </p:extLst>
+  </p:cSld>
+  <p:clrMapOvr>
+    <a:masterClrMapping/>
+  </p:clrMapOvr>
+</p:sld>
+</file>
+
+<file path=ppt/slides/slide3.xml><?xml version="1.0" encoding="utf-8"?>
+<p:sld xmlns:a="http://schemas.openxmlformats.org/drawingml/2006/main" xmlns:r="http://schemas.openxmlformats.org/officeDocument/2006/relationships" xmlns:p="http://schemas.openxmlformats.org/presentationml/2006/main">
+  <p:cSld>
+    <p:bg>
+      <p:bgPr>
+        <a:solidFill>
+          <a:schemeClr val="bg1"/>
+        </a:solidFill>
+        <a:effectLst/>
+      </p:bgPr>
+    </p:bg>
+    <p:spTree>
+      <p:nvGrpSpPr>
+        <p:cNvPr id="1" name=""/>
+        <p:cNvGrpSpPr/>
+        <p:nvPr/>
+      </p:nvGrpSpPr>
+      <p:grpSpPr>
+        <a:xfrm>
+          <a:off x="0" y="0"/>
+          <a:ext cx="0" cy="0"/>
+          <a:chOff x="0" y="0"/>
+          <a:chExt cx="0" cy="0"/>
+        </a:xfrm>
+      </p:grpSpPr>
+      <p:sp useBgFill="1">
+        <p:nvSpPr>
+          <p:cNvPr id="27" name="Rectangle 22">
+            <a:extLst>
+              <a:ext uri="{FF2B5EF4-FFF2-40B4-BE49-F238E27FC236}">
+                <a16:creationId xmlns:a16="http://schemas.microsoft.com/office/drawing/2014/main" id="{04812C46-200A-4DEB-A05E-3ED6C68C2387}"/>
+              </a:ext>
+              <a:ext uri="{C183D7F6-B498-43B3-948B-1728B52AA6E4}">
+                <adec:decorative xmlns:adec="http://schemas.microsoft.com/office/drawing/2017/decorative" val="1"/>
+              </a:ext>
+            </a:extLst>
+          </p:cNvPr>
+          <p:cNvSpPr>
+            <a:spLocks noGrp="1" noRot="1" noChangeAspect="1" noMove="1" noResize="1" noEditPoints="1" noAdjustHandles="1" noChangeArrowheads="1" noChangeShapeType="1" noTextEdit="1"/>
+          </p:cNvSpPr>
+          <p:nvPr>
+            <p:extLst>
+              <p:ext uri="{386F3935-93C4-4BCD-93E2-E3B085C9AB24}">
+                <p16:designElem xmlns:p16="http://schemas.microsoft.com/office/powerpoint/2015/main" val="1"/>
+              </p:ext>
+            </p:extLst>
+          </p:nvPr>
+        </p:nvSpPr>
+        <p:spPr>
+          <a:xfrm>
+            <a:off x="3049" y="0"/>
+            <a:ext cx="12188952" cy="6858000"/>
+          </a:xfrm>
+          <a:prstGeom prst="rect">
+            <a:avLst/>
+          </a:prstGeom>
+          <a:ln>
+            <a:noFill/>
+          </a:ln>
+        </p:spPr>
+        <p:style>
+          <a:lnRef idx="2">
+            <a:schemeClr val="accent1">
+              <a:shade val="50000"/>
+            </a:schemeClr>
+          </a:lnRef>
+          <a:fillRef idx="1">
+            <a:schemeClr val="accent1"/>
+          </a:fillRef>
+          <a:effectRef idx="0">
+            <a:schemeClr val="accent1"/>
+          </a:effectRef>
+          <a:fontRef idx="minor">
+            <a:schemeClr val="lt1"/>
+          </a:fontRef>
+        </p:style>
+        <p:txBody>
+          <a:bodyPr rtlCol="0" anchor="ctr"/>
+          <a:lstStyle/>
+          <a:p>
+            <a:pPr algn="ctr"/>
+            <a:endParaRPr lang="en-US"/>
+          </a:p>
+        </p:txBody>
+      </p:sp>
+      <p:pic>
+        <p:nvPicPr>
+          <p:cNvPr id="11" name="Immagine 10" descr="Immagine che contiene persona, mano&#10;&#10;Descrizione generata automaticamente">
+            <a:extLst>
+              <a:ext uri="{FF2B5EF4-FFF2-40B4-BE49-F238E27FC236}">
+                <a16:creationId xmlns:a16="http://schemas.microsoft.com/office/drawing/2014/main" id="{53D03785-21FD-AF6C-CCF0-91D6F8B3FF7D}"/>
+              </a:ext>
+            </a:extLst>
+          </p:cNvPr>
+          <p:cNvPicPr>
+            <a:picLocks noChangeAspect="1"/>
+          </p:cNvPicPr>
+          <p:nvPr/>
+        </p:nvPicPr>
+        <p:blipFill rotWithShape="1">
+          <a:blip r:embed="rId2">
+            <a:extLst>
+              <a:ext uri="{28A0092B-C50C-407E-A947-70E740481C1C}">
+                <a14:useLocalDpi xmlns:a14="http://schemas.microsoft.com/office/drawing/2010/main" val="0"/>
+              </a:ext>
+            </a:extLst>
+          </a:blip>
+          <a:srcRect r="1302" b="1"/>
+          <a:stretch/>
+        </p:blipFill>
+        <p:spPr>
+          <a:xfrm>
+            <a:off x="3695130" y="10"/>
+            <a:ext cx="9669642" cy="6857990"/>
+          </a:xfrm>
+          <a:prstGeom prst="rect">
+            <a:avLst/>
+          </a:prstGeom>
+        </p:spPr>
+      </p:pic>
+      <p:sp>
+        <p:nvSpPr>
+          <p:cNvPr id="28" name="Rectangle 24">
+            <a:extLst>
+              <a:ext uri="{FF2B5EF4-FFF2-40B4-BE49-F238E27FC236}">
+                <a16:creationId xmlns:a16="http://schemas.microsoft.com/office/drawing/2014/main" id="{D1EA859B-E555-4109-94F3-6700E046E008}"/>
+              </a:ext>
+              <a:ext uri="{C183D7F6-B498-43B3-948B-1728B52AA6E4}">
+                <adec:decorative xmlns:adec="http://schemas.microsoft.com/office/drawing/2017/decorative" val="1"/>
+              </a:ext>
+            </a:extLst>
+          </p:cNvPr>
+          <p:cNvSpPr>
+            <a:spLocks noGrp="1" noRot="1" noChangeAspect="1" noMove="1" noResize="1" noEditPoints="1" noAdjustHandles="1" noChangeArrowheads="1" noChangeShapeType="1" noTextEdit="1"/>
+          </p:cNvSpPr>
+          <p:nvPr>
+            <p:extLst>
+              <p:ext uri="{386F3935-93C4-4BCD-93E2-E3B085C9AB24}">
+                <p16:designElem xmlns:p16="http://schemas.microsoft.com/office/powerpoint/2015/main" val="1"/>
+              </p:ext>
+            </p:extLst>
+          </p:nvPr>
+        </p:nvSpPr>
+        <p:spPr>
+          <a:xfrm>
+            <a:off x="-1" y="0"/>
+            <a:ext cx="7390263" cy="6858000"/>
+          </a:xfrm>
+          <a:prstGeom prst="rect">
+            <a:avLst/>
+          </a:prstGeom>
+          <a:gradFill>
+            <a:gsLst>
+              <a:gs pos="48000">
+                <a:schemeClr val="bg1"/>
+              </a:gs>
+              <a:gs pos="35000">
+                <a:schemeClr val="bg1">
+                  <a:alpha val="77000"/>
+                </a:schemeClr>
+              </a:gs>
+              <a:gs pos="19000">
+                <a:schemeClr val="bg1">
+                  <a:alpha val="38000"/>
+                </a:schemeClr>
+              </a:gs>
+              <a:gs pos="0">
+                <a:schemeClr val="bg1">
+                  <a:alpha val="0"/>
+                </a:schemeClr>
+              </a:gs>
+              <a:gs pos="100000">
+                <a:schemeClr val="bg1"/>
+              </a:gs>
+            </a:gsLst>
+            <a:lin ang="10800000" scaled="0"/>
+          </a:gradFill>
+          <a:ln>
+            <a:noFill/>
+          </a:ln>
+        </p:spPr>
+        <p:style>
+          <a:lnRef idx="2">
+            <a:schemeClr val="accent1">
+              <a:shade val="50000"/>
+            </a:schemeClr>
+          </a:lnRef>
+          <a:fillRef idx="1">
+            <a:schemeClr val="accent1"/>
+          </a:fillRef>
+          <a:effectRef idx="0">
+            <a:schemeClr val="accent1"/>
+          </a:effectRef>
+          <a:fontRef idx="minor">
+            <a:schemeClr val="lt1"/>
+          </a:fontRef>
+        </p:style>
+        <p:txBody>
+          <a:bodyPr rtlCol="0" anchor="ctr"/>
+          <a:lstStyle/>
+          <a:p>
+            <a:pPr algn="ctr"/>
+            <a:endParaRPr lang="en-US" dirty="0"/>
+          </a:p>
+        </p:txBody>
+      </p:sp>
+      <p:sp>
+        <p:nvSpPr>
+          <p:cNvPr id="9" name="Segnaposto contenuto 5">
+            <a:extLst>
+              <a:ext uri="{FF2B5EF4-FFF2-40B4-BE49-F238E27FC236}">
+                <a16:creationId xmlns:a16="http://schemas.microsoft.com/office/drawing/2014/main" id="{5D85C005-38D2-144F-0E66-F5782DDC3B59}"/>
+              </a:ext>
+            </a:extLst>
+          </p:cNvPr>
+          <p:cNvSpPr txBox="1">
+            <a:spLocks/>
+          </p:cNvSpPr>
+          <p:nvPr/>
+        </p:nvSpPr>
+        <p:spPr>
+          <a:xfrm>
+            <a:off x="838200" y="365125"/>
+            <a:ext cx="3822189" cy="1899912"/>
+          </a:xfrm>
+          <a:prstGeom prst="rect">
+            <a:avLst/>
+          </a:prstGeom>
+        </p:spPr>
+        <p:txBody>
+          <a:bodyPr vert="horz" lIns="91440" tIns="45720" rIns="91440" bIns="45720" rtlCol="0" anchor="ctr">
+            <a:normAutofit/>
+          </a:bodyPr>
+          <a:lstStyle>
+            <a:lvl1pPr marL="228600" indent="-228600" algn="l" defTabSz="914400" rtl="0" eaLnBrk="1" latinLnBrk="0" hangingPunct="1">
+              <a:lnSpc>
+                <a:spcPct val="90000"/>
+              </a:lnSpc>
+              <a:spcBef>
+                <a:spcPts val="1000"/>
+              </a:spcBef>
+              <a:buFont typeface="Arial" panose="020B0604020202020204" pitchFamily="34" charset="0"/>
+              <a:buChar char="•"/>
+              <a:defRPr sz="2800" kern="1200">
+                <a:solidFill>
+                  <a:schemeClr val="tx1"/>
+                </a:solidFill>
+                <a:latin typeface="+mn-lt"/>
+                <a:ea typeface="+mn-ea"/>
+                <a:cs typeface="+mn-cs"/>
+              </a:defRPr>
+            </a:lvl1pPr>
+            <a:lvl2pPr marL="685800" indent="-228600" algn="l" defTabSz="914400" rtl="0" eaLnBrk="1" latinLnBrk="0" hangingPunct="1">
+              <a:lnSpc>
+                <a:spcPct val="90000"/>
+              </a:lnSpc>
+              <a:spcBef>
+                <a:spcPts val="500"/>
+              </a:spcBef>
+              <a:buFont typeface="Arial" panose="020B0604020202020204" pitchFamily="34" charset="0"/>
+              <a:buChar char="•"/>
+              <a:defRPr sz="2400" kern="1200">
+                <a:solidFill>
+                  <a:schemeClr val="tx1"/>
+                </a:solidFill>
+                <a:latin typeface="+mn-lt"/>
+                <a:ea typeface="+mn-ea"/>
+                <a:cs typeface="+mn-cs"/>
+              </a:defRPr>
+            </a:lvl2pPr>
+            <a:lvl3pPr marL="1143000" indent="-228600" algn="l" defTabSz="914400" rtl="0" eaLnBrk="1" latinLnBrk="0" hangingPunct="1">
+              <a:lnSpc>
+                <a:spcPct val="90000"/>
+              </a:lnSpc>
+              <a:spcBef>
+                <a:spcPts val="500"/>
+              </a:spcBef>
+              <a:buFont typeface="Arial" panose="020B0604020202020204" pitchFamily="34" charset="0"/>
+              <a:buChar char="•"/>
+              <a:defRPr sz="2000" kern="1200">
+                <a:solidFill>
+                  <a:schemeClr val="tx1"/>
+                </a:solidFill>
+                <a:latin typeface="+mn-lt"/>
+                <a:ea typeface="+mn-ea"/>
+                <a:cs typeface="+mn-cs"/>
+              </a:defRPr>
+            </a:lvl3pPr>
+            <a:lvl4pPr marL="1600200" indent="-228600" algn="l" defTabSz="914400" rtl="0" eaLnBrk="1" latinLnBrk="0" hangingPunct="1">
+              <a:lnSpc>
+                <a:spcPct val="90000"/>
+              </a:lnSpc>
+              <a:spcBef>
+                <a:spcPts val="500"/>
+              </a:spcBef>
+              <a:buFont typeface="Arial" panose="020B0604020202020204" pitchFamily="34" charset="0"/>
+              <a:buChar char="•"/>
+              <a:defRPr sz="1800" kern="1200">
+                <a:solidFill>
+                  <a:schemeClr val="tx1"/>
+                </a:solidFill>
+                <a:latin typeface="+mn-lt"/>
+                <a:ea typeface="+mn-ea"/>
+                <a:cs typeface="+mn-cs"/>
+              </a:defRPr>
+            </a:lvl4pPr>
+            <a:lvl5pPr marL="2057400" indent="-228600" algn="l" defTabSz="914400" rtl="0" eaLnBrk="1" latinLnBrk="0" hangingPunct="1">
+              <a:lnSpc>
+                <a:spcPct val="90000"/>
+              </a:lnSpc>
+              <a:spcBef>
+                <a:spcPts val="500"/>
+              </a:spcBef>
+              <a:buFont typeface="Arial" panose="020B0604020202020204" pitchFamily="34" charset="0"/>
+              <a:buChar char="•"/>
+              <a:defRPr sz="1800" kern="1200">
+                <a:solidFill>
+                  <a:schemeClr val="tx1"/>
+                </a:solidFill>
+                <a:latin typeface="+mn-lt"/>
+                <a:ea typeface="+mn-ea"/>
+                <a:cs typeface="+mn-cs"/>
+              </a:defRPr>
+            </a:lvl5pPr>
+            <a:lvl6pPr marL="2514600" indent="-228600" algn="l" defTabSz="914400" rtl="0" eaLnBrk="1" latinLnBrk="0" hangingPunct="1">
+              <a:lnSpc>
+                <a:spcPct val="90000"/>
+              </a:lnSpc>
+              <a:spcBef>
+                <a:spcPts val="500"/>
+              </a:spcBef>
+              <a:buFont typeface="Arial" panose="020B0604020202020204" pitchFamily="34" charset="0"/>
+              <a:buChar char="•"/>
+              <a:defRPr sz="1800" kern="1200">
+                <a:solidFill>
+                  <a:schemeClr val="tx1"/>
+                </a:solidFill>
+                <a:latin typeface="+mn-lt"/>
+                <a:ea typeface="+mn-ea"/>
+                <a:cs typeface="+mn-cs"/>
+              </a:defRPr>
+            </a:lvl6pPr>
+            <a:lvl7pPr marL="2971800" indent="-228600" algn="l" defTabSz="914400" rtl="0" eaLnBrk="1" latinLnBrk="0" hangingPunct="1">
+              <a:lnSpc>
+                <a:spcPct val="90000"/>
+              </a:lnSpc>
+              <a:spcBef>
+                <a:spcPts val="500"/>
+              </a:spcBef>
+              <a:buFont typeface="Arial" panose="020B0604020202020204" pitchFamily="34" charset="0"/>
+              <a:buChar char="•"/>
+              <a:defRPr sz="1800" kern="1200">
+                <a:solidFill>
+                  <a:schemeClr val="tx1"/>
+                </a:solidFill>
+                <a:latin typeface="+mn-lt"/>
+                <a:ea typeface="+mn-ea"/>
+                <a:cs typeface="+mn-cs"/>
+              </a:defRPr>
+            </a:lvl7pPr>
+            <a:lvl8pPr marL="3429000" indent="-228600" algn="l" defTabSz="914400" rtl="0" eaLnBrk="1" latinLnBrk="0" hangingPunct="1">
+              <a:lnSpc>
+                <a:spcPct val="90000"/>
+              </a:lnSpc>
+              <a:spcBef>
+                <a:spcPts val="500"/>
+              </a:spcBef>
+              <a:buFont typeface="Arial" panose="020B0604020202020204" pitchFamily="34" charset="0"/>
+              <a:buChar char="•"/>
+              <a:defRPr sz="1800" kern="1200">
+                <a:solidFill>
+                  <a:schemeClr val="tx1"/>
+                </a:solidFill>
+                <a:latin typeface="+mn-lt"/>
+                <a:ea typeface="+mn-ea"/>
+                <a:cs typeface="+mn-cs"/>
+              </a:defRPr>
+            </a:lvl8pPr>
+            <a:lvl9pPr marL="3886200" indent="-228600" algn="l" defTabSz="914400" rtl="0" eaLnBrk="1" latinLnBrk="0" hangingPunct="1">
+              <a:lnSpc>
+                <a:spcPct val="90000"/>
+              </a:lnSpc>
+              <a:spcBef>
+                <a:spcPts val="500"/>
+              </a:spcBef>
+              <a:buFont typeface="Arial" panose="020B0604020202020204" pitchFamily="34" charset="0"/>
+              <a:buChar char="•"/>
+              <a:defRPr sz="1800" kern="1200">
+                <a:solidFill>
+                  <a:schemeClr val="tx1"/>
+                </a:solidFill>
+                <a:latin typeface="+mn-lt"/>
+                <a:ea typeface="+mn-ea"/>
+                <a:cs typeface="+mn-cs"/>
+              </a:defRPr>
+            </a:lvl9pPr>
+          </a:lstStyle>
+          <a:p>
+            <a:pPr marL="0" indent="0">
+              <a:spcBef>
+                <a:spcPct val="0"/>
+              </a:spcBef>
+              <a:spcAft>
+                <a:spcPts val="600"/>
+              </a:spcAft>
+              <a:buNone/>
+            </a:pPr>
+            <a:r>
+              <a:rPr lang="en-US" sz="4000" b="0" i="0">
+                <a:effectLst/>
+                <a:latin typeface="+mj-lt"/>
+                <a:ea typeface="+mj-ea"/>
+                <a:cs typeface="+mj-cs"/>
+              </a:rPr>
+              <a:t>Introduction to Hannes</a:t>
+            </a:r>
+            <a:endParaRPr lang="en-US" sz="4000">
+              <a:latin typeface="+mj-lt"/>
+              <a:ea typeface="+mj-ea"/>
+              <a:cs typeface="+mj-cs"/>
+            </a:endParaRPr>
+          </a:p>
+        </p:txBody>
+      </p:sp>
+      <p:sp>
+        <p:nvSpPr>
+          <p:cNvPr id="6" name="Segnaposto contenuto 5">
+            <a:extLst>
+              <a:ext uri="{FF2B5EF4-FFF2-40B4-BE49-F238E27FC236}">
+                <a16:creationId xmlns:a16="http://schemas.microsoft.com/office/drawing/2014/main" id="{136A1FE0-5184-2688-67AB-66834876AEB5}"/>
+              </a:ext>
+            </a:extLst>
+          </p:cNvPr>
+          <p:cNvSpPr>
+            <a:spLocks noGrp="1"/>
+          </p:cNvSpPr>
+          <p:nvPr>
+            <p:ph idx="1"/>
+          </p:nvPr>
+        </p:nvSpPr>
+        <p:spPr>
+          <a:xfrm>
+            <a:off x="838200" y="2434201"/>
+            <a:ext cx="3822189" cy="3742762"/>
+          </a:xfrm>
+        </p:spPr>
+        <p:txBody>
+          <a:bodyPr vert="horz" lIns="91440" tIns="45720" rIns="91440" bIns="45720" rtlCol="0">
+            <a:normAutofit/>
+          </a:bodyPr>
+          <a:lstStyle/>
+          <a:p>
+            <a:pPr marL="0"/>
+            <a:r>
+              <a:rPr lang="en-US" sz="1700" b="0" i="0">
+                <a:effectLst/>
+              </a:rPr>
+              <a:t>The Hannes prosthetic hand, developed by INAIL and the Italian Institute of Technology through Rehab Technologies, is a sophisticated under-actuated poly-articulated device known for its leader-follower wire configuration that controls finger movements. </a:t>
+            </a:r>
+          </a:p>
+          <a:p>
+            <a:pPr marL="0"/>
+            <a:endParaRPr lang="en-US" sz="1700"/>
+          </a:p>
+          <a:p>
+            <a:pPr marL="0"/>
+            <a:r>
+              <a:rPr lang="en-US" sz="1700" b="0" i="0">
+                <a:effectLst/>
+              </a:rPr>
+              <a:t>The name "Hannes" pays homage to Professor Hannes Schmidl, a pioneer in research at the Prosthesis Center of Vigorso di Budrio and the creator of the first myoelectric prosthesis in 1965.</a:t>
+            </a:r>
+          </a:p>
+        </p:txBody>
+      </p:sp>
+    </p:spTree>
+    <p:extLst>
+      <p:ext uri="{BB962C8B-B14F-4D97-AF65-F5344CB8AC3E}">
+        <p14:creationId xmlns:p14="http://schemas.microsoft.com/office/powerpoint/2010/main" val="1930178400"/>
+      </p:ext>
+    </p:extLst>
+  </p:cSld>
+  <p:clrMapOvr>
+    <a:masterClrMapping/>
+  </p:clrMapOvr>
+</p:sld>
+</file>
+
+<file path=ppt/slides/slide4.xml><?xml version="1.0" encoding="utf-8"?>
+<p:sld xmlns:a="http://schemas.openxmlformats.org/drawingml/2006/main" xmlns:r="http://schemas.openxmlformats.org/officeDocument/2006/relationships" xmlns:p="http://schemas.openxmlformats.org/presentationml/2006/main" show="0">
+  <p:cSld>
+    <p:bg>
+      <p:bgPr>
+        <a:solidFill>
+          <a:schemeClr val="bg1"/>
+        </a:solidFill>
+        <a:effectLst/>
+      </p:bgPr>
+    </p:bg>
+    <p:spTree>
+      <p:nvGrpSpPr>
+        <p:cNvPr id="1" name=""/>
+        <p:cNvGrpSpPr/>
+        <p:nvPr/>
+      </p:nvGrpSpPr>
+      <p:grpSpPr>
+        <a:xfrm>
+          <a:off x="0" y="0"/>
+          <a:ext cx="0" cy="0"/>
+          <a:chOff x="0" y="0"/>
+          <a:chExt cx="0" cy="0"/>
+        </a:xfrm>
+      </p:grpSpPr>
+      <p:sp useBgFill="1">
+        <p:nvSpPr>
+          <p:cNvPr id="18" name="Rectangle 17">
+            <a:extLst>
+              <a:ext uri="{FF2B5EF4-FFF2-40B4-BE49-F238E27FC236}">
+                <a16:creationId xmlns:a16="http://schemas.microsoft.com/office/drawing/2014/main" id="{D1D34770-47A8-402C-AF23-2B653F2D88C1}"/>
+              </a:ext>
+              <a:ext uri="{C183D7F6-B498-43B3-948B-1728B52AA6E4}">
+                <adec:decorative xmlns:adec="http://schemas.microsoft.com/office/drawing/2017/decorative" val="1"/>
+              </a:ext>
+            </a:extLst>
+          </p:cNvPr>
+          <p:cNvSpPr>
+            <a:spLocks noGrp="1" noRot="1" noChangeAspect="1" noMove="1" noResize="1" noEditPoints="1" noAdjustHandles="1" noChangeArrowheads="1" noChangeShapeType="1" noTextEdit="1"/>
+          </p:cNvSpPr>
+          <p:nvPr>
+            <p:extLst>
+              <p:ext uri="{386F3935-93C4-4BCD-93E2-E3B085C9AB24}">
+                <p16:designElem xmlns:p16="http://schemas.microsoft.com/office/powerpoint/2015/main" val="1"/>
+              </p:ext>
+            </p:extLst>
+          </p:nvPr>
+        </p:nvSpPr>
+        <p:spPr>
+          <a:xfrm>
+            <a:off x="-1" y="0"/>
+            <a:ext cx="12188952" cy="6858000"/>
+          </a:xfrm>
+          <a:prstGeom prst="rect">
+            <a:avLst/>
+          </a:prstGeom>
+          <a:ln>
+            <a:noFill/>
+          </a:ln>
+        </p:spPr>
+        <p:style>
+          <a:lnRef idx="2">
+            <a:schemeClr val="accent1">
+              <a:shade val="50000"/>
+            </a:schemeClr>
+          </a:lnRef>
+          <a:fillRef idx="1">
+            <a:schemeClr val="accent1"/>
+          </a:fillRef>
+          <a:effectRef idx="0">
+            <a:schemeClr val="accent1"/>
+          </a:effectRef>
+          <a:fontRef idx="minor">
+            <a:schemeClr val="lt1"/>
+          </a:fontRef>
+        </p:style>
+        <p:txBody>
+          <a:bodyPr rtlCol="0" anchor="ctr"/>
+          <a:lstStyle/>
+          <a:p>
+            <a:pPr algn="ctr"/>
+            <a:endParaRPr lang="en-US"/>
+          </a:p>
+        </p:txBody>
+      </p:sp>
+      <p:sp>
+        <p:nvSpPr>
+          <p:cNvPr id="2" name="Titolo 1">
+            <a:extLst>
+              <a:ext uri="{FF2B5EF4-FFF2-40B4-BE49-F238E27FC236}">
+                <a16:creationId xmlns:a16="http://schemas.microsoft.com/office/drawing/2014/main" id="{D89E35E3-503B-6ECF-78BC-49A27F0AAD3C}"/>
+              </a:ext>
+            </a:extLst>
+          </p:cNvPr>
+          <p:cNvSpPr>
+            <a:spLocks noGrp="1"/>
+          </p:cNvSpPr>
+          <p:nvPr>
+            <p:ph type="title"/>
+          </p:nvPr>
+        </p:nvSpPr>
+        <p:spPr>
+          <a:xfrm>
+            <a:off x="836679" y="723898"/>
+            <a:ext cx="6002110" cy="1495425"/>
+          </a:xfrm>
+        </p:spPr>
+        <p:txBody>
+          <a:bodyPr>
+            <a:normAutofit/>
+          </a:bodyPr>
+          <a:lstStyle/>
+          <a:p>
+            <a:r>
+              <a:rPr lang="it-IT" sz="4000" b="0" i="0" dirty="0">
+                <a:effectLst/>
+                <a:latin typeface="Montserrat" pitchFamily="2" charset="0"/>
+              </a:rPr>
+              <a:t>Concepts and Goals</a:t>
+            </a:r>
+            <a:endParaRPr lang="it-IT" sz="4000" dirty="0">
+              <a:latin typeface="Montserrat" pitchFamily="2" charset="0"/>
+            </a:endParaRPr>
+          </a:p>
+        </p:txBody>
+      </p:sp>
+      <p:sp>
+        <p:nvSpPr>
+          <p:cNvPr id="3" name="Segnaposto contenuto 2">
+            <a:extLst>
+              <a:ext uri="{FF2B5EF4-FFF2-40B4-BE49-F238E27FC236}">
+                <a16:creationId xmlns:a16="http://schemas.microsoft.com/office/drawing/2014/main" id="{77BAB6A6-FA4B-6E8F-32F1-80EB9E92C283}"/>
+              </a:ext>
+            </a:extLst>
+          </p:cNvPr>
+          <p:cNvSpPr>
+            <a:spLocks noGrp="1"/>
+          </p:cNvSpPr>
+          <p:nvPr>
+            <p:ph idx="1"/>
+          </p:nvPr>
+        </p:nvSpPr>
+        <p:spPr>
+          <a:xfrm>
+            <a:off x="836680" y="2405067"/>
+            <a:ext cx="6002110" cy="3729034"/>
+          </a:xfrm>
+        </p:spPr>
+        <p:txBody>
+          <a:bodyPr>
+            <a:normAutofit/>
+          </a:bodyPr>
+          <a:lstStyle/>
+          <a:p>
+            <a:pPr marL="0" indent="0">
+              <a:buNone/>
+            </a:pPr>
+            <a:endParaRPr lang="en-US" sz="1300" b="1">
+              <a:latin typeface="Montserrat" pitchFamily="2" charset="0"/>
+            </a:endParaRPr>
+          </a:p>
+          <a:p>
+            <a:pPr marL="0" indent="0">
+              <a:buNone/>
+            </a:pPr>
+            <a:r>
+              <a:rPr lang="en-US" sz="1300" b="0" i="0" u="none" strike="noStrike" baseline="0">
+                <a:latin typeface="Montserrat" pitchFamily="2" charset="0"/>
+              </a:rPr>
+              <a:t>Several studies have been carried out to determine the key factorsthat characterize the behavior and properties of the human hand as a guide to achieve a truly bioinspired prosthetic device; these factors are as follows: (i) anthropomorphic-related features, which include kinematics, size, weight, and appearance (</a:t>
+            </a:r>
+            <a:r>
+              <a:rPr lang="en-US" sz="1300" b="0" i="1" u="none" strike="noStrike" baseline="0">
+                <a:latin typeface="Montserrat" pitchFamily="2" charset="0"/>
+              </a:rPr>
+              <a:t>4</a:t>
+            </a:r>
+            <a:r>
+              <a:rPr lang="en-US" sz="1300" b="0" i="0" u="none" strike="noStrike" baseline="0">
+                <a:latin typeface="Montserrat" pitchFamily="2" charset="0"/>
+              </a:rPr>
+              <a:t>, </a:t>
+            </a:r>
+            <a:r>
+              <a:rPr lang="en-US" sz="1300" b="0" i="1" u="none" strike="noStrike" baseline="0">
+                <a:latin typeface="Montserrat" pitchFamily="2" charset="0"/>
+              </a:rPr>
+              <a:t>10</a:t>
+            </a:r>
+            <a:r>
+              <a:rPr lang="en-US" sz="1300" b="0" i="0" u="none" strike="noStrike" baseline="0">
+                <a:latin typeface="Montserrat" pitchFamily="2" charset="0"/>
+              </a:rPr>
+              <a:t>, </a:t>
+            </a:r>
+            <a:r>
+              <a:rPr lang="en-US" sz="1300" b="0" i="1" u="none" strike="noStrike" baseline="0">
+                <a:latin typeface="Montserrat" pitchFamily="2" charset="0"/>
+              </a:rPr>
+              <a:t>11</a:t>
+            </a:r>
+            <a:r>
+              <a:rPr lang="en-US" sz="1300" b="0" i="0" u="none" strike="noStrike" baseline="0">
+                <a:latin typeface="Montserrat" pitchFamily="2" charset="0"/>
+              </a:rPr>
+              <a:t>); (ii) performance such as speed, force, and dexterity (</a:t>
+            </a:r>
+            <a:r>
+              <a:rPr lang="en-US" sz="1300" b="0" i="1" u="none" strike="noStrike" baseline="0">
+                <a:latin typeface="Montserrat" pitchFamily="2" charset="0"/>
+              </a:rPr>
+              <a:t>10</a:t>
+            </a:r>
+            <a:r>
+              <a:rPr lang="en-US" sz="1300" b="0" i="0" u="none" strike="noStrike" baseline="0">
+                <a:latin typeface="Montserrat" pitchFamily="2" charset="0"/>
+              </a:rPr>
+              <a:t>, </a:t>
+            </a:r>
+            <a:r>
+              <a:rPr lang="en-US" sz="1300" b="0" i="1" u="none" strike="noStrike" baseline="0">
+                <a:latin typeface="Montserrat" pitchFamily="2" charset="0"/>
+              </a:rPr>
+              <a:t>12</a:t>
+            </a:r>
+            <a:r>
+              <a:rPr lang="en-US" sz="1300" b="0" i="0" u="none" strike="noStrike" baseline="0">
+                <a:latin typeface="Montserrat" pitchFamily="2" charset="0"/>
+              </a:rPr>
+              <a:t>); and (iii) robust and synergistic </a:t>
+            </a:r>
+            <a:r>
+              <a:rPr lang="it-IT" sz="1300" b="0" i="0" u="none" strike="noStrike" baseline="0">
+                <a:latin typeface="Montserrat" pitchFamily="2" charset="0"/>
+              </a:rPr>
+              <a:t>grasping</a:t>
+            </a:r>
+          </a:p>
+          <a:p>
+            <a:pPr marL="0" indent="0">
+              <a:buNone/>
+            </a:pPr>
+            <a:endParaRPr lang="en-US" sz="1300" b="0" i="0" u="none" strike="noStrike" baseline="0">
+              <a:latin typeface="Montserrat" pitchFamily="2" charset="0"/>
+            </a:endParaRPr>
+          </a:p>
+          <a:p>
+            <a:pPr marL="0" indent="0">
+              <a:buNone/>
+            </a:pPr>
+            <a:r>
+              <a:rPr lang="en-US" sz="1300" b="0" i="0" u="none" strike="noStrike" baseline="0">
+                <a:latin typeface="Montserrat" pitchFamily="2" charset="0"/>
+              </a:rPr>
+              <a:t>We propose a prosthetic hand called Hannes that incorporates high levels of biomimicry through the concurrence of anthropomorphism, performance, and functionality, which lead to better performance compared with other existing research and commercial prosthetic devices. This result was achieved by organically involving researchers, patients, orthopaedists, and industrial designers in a codesign process. Last, we perform a thorough evaluation of the device through laboratory tests and clinical trials on amputated participants.</a:t>
+            </a:r>
+            <a:endParaRPr lang="it-IT" sz="1300">
+              <a:latin typeface="Montserrat" pitchFamily="2" charset="0"/>
+            </a:endParaRPr>
+          </a:p>
+        </p:txBody>
+      </p:sp>
+      <p:pic>
+        <p:nvPicPr>
+          <p:cNvPr id="6" name="Immagine 5" descr="Immagine che contiene testo, cerchio, logo, design&#10;&#10;Descrizione generata automaticamente">
+            <a:extLst>
+              <a:ext uri="{FF2B5EF4-FFF2-40B4-BE49-F238E27FC236}">
+                <a16:creationId xmlns:a16="http://schemas.microsoft.com/office/drawing/2014/main" id="{7161F3F7-1C4A-3B00-D1AB-CBCD4E24F1CF}"/>
+              </a:ext>
+            </a:extLst>
+          </p:cNvPr>
+          <p:cNvPicPr>
+            <a:picLocks noChangeAspect="1"/>
+          </p:cNvPicPr>
+          <p:nvPr/>
+        </p:nvPicPr>
+        <p:blipFill rotWithShape="1">
+          <a:blip r:embed="rId2">
+            <a:extLst>
+              <a:ext uri="{28A0092B-C50C-407E-A947-70E740481C1C}">
+                <a14:useLocalDpi xmlns:a14="http://schemas.microsoft.com/office/drawing/2010/main" val="0"/>
+              </a:ext>
+            </a:extLst>
+          </a:blip>
+          <a:srcRect l="391" r="898"/>
+          <a:stretch/>
+        </p:blipFill>
+        <p:spPr>
+          <a:xfrm>
+            <a:off x="7199440" y="10"/>
+            <a:ext cx="4992560" cy="6857990"/>
+          </a:xfrm>
+          <a:prstGeom prst="rect">
+            <a:avLst/>
+          </a:prstGeom>
+          <a:effectLst/>
+        </p:spPr>
+      </p:pic>
+    </p:spTree>
+    <p:extLst>
+      <p:ext uri="{BB962C8B-B14F-4D97-AF65-F5344CB8AC3E}">
+        <p14:creationId xmlns:p14="http://schemas.microsoft.com/office/powerpoint/2010/main" val="1310535758"/>
+      </p:ext>
+    </p:extLst>
+  </p:cSld>
+  <p:clrMapOvr>
+    <a:masterClrMapping/>
+  </p:clrMapOvr>
+</p:sld>
+</file>
+
+<file path=ppt/slides/slide5.xml><?xml version="1.0" encoding="utf-8"?>
+<p:sld xmlns:a="http://schemas.openxmlformats.org/drawingml/2006/main" xmlns:r="http://schemas.openxmlformats.org/officeDocument/2006/relationships" xmlns:p="http://schemas.openxmlformats.org/presentationml/2006/main">
+  <p:cSld>
+    <p:bg>
+      <p:bgPr>
+        <a:solidFill>
+          <a:schemeClr val="bg1"/>
+        </a:solidFill>
+        <a:effectLst/>
+      </p:bgPr>
+    </p:bg>
+    <p:spTree>
+      <p:nvGrpSpPr>
+        <p:cNvPr id="1" name=""/>
+        <p:cNvGrpSpPr/>
+        <p:nvPr/>
+      </p:nvGrpSpPr>
+      <p:grpSpPr>
+        <a:xfrm>
+          <a:off x="0" y="0"/>
+          <a:ext cx="0" cy="0"/>
+          <a:chOff x="0" y="0"/>
+          <a:chExt cx="0" cy="0"/>
+        </a:xfrm>
+      </p:grpSpPr>
+      <p:sp useBgFill="1">
+        <p:nvSpPr>
+          <p:cNvPr id="18" name="Rectangle 17">
+            <a:extLst>
+              <a:ext uri="{FF2B5EF4-FFF2-40B4-BE49-F238E27FC236}">
+                <a16:creationId xmlns:a16="http://schemas.microsoft.com/office/drawing/2014/main" id="{D1D34770-47A8-402C-AF23-2B653F2D88C1}"/>
+              </a:ext>
+              <a:ext uri="{C183D7F6-B498-43B3-948B-1728B52AA6E4}">
+                <adec:decorative xmlns:adec="http://schemas.microsoft.com/office/drawing/2017/decorative" val="1"/>
+              </a:ext>
+            </a:extLst>
+          </p:cNvPr>
+          <p:cNvSpPr>
+            <a:spLocks noGrp="1" noRot="1" noChangeAspect="1" noMove="1" noResize="1" noEditPoints="1" noAdjustHandles="1" noChangeArrowheads="1" noChangeShapeType="1" noTextEdit="1"/>
+          </p:cNvSpPr>
+          <p:nvPr>
+            <p:extLst>
+              <p:ext uri="{386F3935-93C4-4BCD-93E2-E3B085C9AB24}">
+                <p16:designElem xmlns:p16="http://schemas.microsoft.com/office/powerpoint/2015/main" val="1"/>
+              </p:ext>
+            </p:extLst>
+          </p:nvPr>
+        </p:nvSpPr>
+        <p:spPr>
+          <a:xfrm>
+            <a:off x="-1" y="0"/>
+            <a:ext cx="12188952" cy="6858000"/>
+          </a:xfrm>
+          <a:prstGeom prst="rect">
+            <a:avLst/>
+          </a:prstGeom>
+          <a:ln>
+            <a:noFill/>
+          </a:ln>
+        </p:spPr>
+        <p:style>
+          <a:lnRef idx="2">
+            <a:schemeClr val="accent1">
+              <a:shade val="50000"/>
+            </a:schemeClr>
+          </a:lnRef>
+          <a:fillRef idx="1">
+            <a:schemeClr val="accent1"/>
+          </a:fillRef>
+          <a:effectRef idx="0">
+            <a:schemeClr val="accent1"/>
+          </a:effectRef>
+          <a:fontRef idx="minor">
+            <a:schemeClr val="lt1"/>
+          </a:fontRef>
+        </p:style>
+        <p:txBody>
+          <a:bodyPr rtlCol="0" anchor="ctr"/>
+          <a:lstStyle/>
+          <a:p>
+            <a:pPr algn="ctr"/>
+            <a:endParaRPr lang="en-US"/>
+          </a:p>
+        </p:txBody>
+      </p:sp>
+      <p:sp>
+        <p:nvSpPr>
+          <p:cNvPr id="9" name="Titolo 1">
+            <a:extLst>
+              <a:ext uri="{FF2B5EF4-FFF2-40B4-BE49-F238E27FC236}">
+                <a16:creationId xmlns:a16="http://schemas.microsoft.com/office/drawing/2014/main" id="{8CA0D1F9-BE3B-896A-7082-8EC88503D940}"/>
+              </a:ext>
+            </a:extLst>
+          </p:cNvPr>
+          <p:cNvSpPr>
+            <a:spLocks noGrp="1"/>
+          </p:cNvSpPr>
+          <p:nvPr>
+            <p:ph type="title"/>
+          </p:nvPr>
+        </p:nvSpPr>
+        <p:spPr>
+          <a:xfrm>
+            <a:off x="836680" y="454821"/>
+            <a:ext cx="4217921" cy="1495425"/>
+          </a:xfrm>
+        </p:spPr>
+        <p:txBody>
+          <a:bodyPr vert="horz" lIns="91440" tIns="45720" rIns="91440" bIns="45720" rtlCol="0" anchor="ctr">
+            <a:normAutofit/>
+          </a:bodyPr>
+          <a:lstStyle/>
+          <a:p>
+            <a:r>
+              <a:rPr lang="en-US" sz="4000" b="0" i="0">
+                <a:effectLst/>
+              </a:rPr>
+              <a:t>Concepts and Goals</a:t>
+            </a:r>
+            <a:endParaRPr lang="en-US" sz="4000" dirty="0"/>
+          </a:p>
+        </p:txBody>
+      </p:sp>
+      <p:sp>
+        <p:nvSpPr>
+          <p:cNvPr id="10" name="CasellaDiTesto 9">
+            <a:extLst>
+              <a:ext uri="{FF2B5EF4-FFF2-40B4-BE49-F238E27FC236}">
+                <a16:creationId xmlns:a16="http://schemas.microsoft.com/office/drawing/2014/main" id="{FDFE0411-38CF-1B6D-F7BA-B6966E5025AE}"/>
+              </a:ext>
+            </a:extLst>
+          </p:cNvPr>
+          <p:cNvSpPr txBox="1"/>
+          <p:nvPr/>
+        </p:nvSpPr>
+        <p:spPr>
+          <a:xfrm>
+            <a:off x="836680" y="2405067"/>
+            <a:ext cx="6002110" cy="3729034"/>
+          </a:xfrm>
+          <a:prstGeom prst="rect">
+            <a:avLst/>
+          </a:prstGeom>
+        </p:spPr>
+        <p:txBody>
+          <a:bodyPr vert="horz" lIns="91440" tIns="45720" rIns="91440" bIns="45720" rtlCol="0">
+            <a:normAutofit/>
+          </a:bodyPr>
+          <a:lstStyle/>
+          <a:p>
+            <a:pPr>
+              <a:lnSpc>
+                <a:spcPct val="90000"/>
+              </a:lnSpc>
+              <a:spcAft>
+                <a:spcPts val="600"/>
+              </a:spcAft>
+            </a:pPr>
+            <a:r>
+              <a:rPr lang="en-US" sz="2000"/>
+              <a:t>The </a:t>
+            </a:r>
+            <a:r>
+              <a:rPr lang="en-US" sz="2000" i="0" u="none" strike="noStrike" baseline="0"/>
+              <a:t>proposed of this device is </a:t>
+            </a:r>
+          </a:p>
+          <a:p>
+            <a:pPr>
+              <a:lnSpc>
+                <a:spcPct val="90000"/>
+              </a:lnSpc>
+              <a:spcAft>
+                <a:spcPts val="600"/>
+              </a:spcAft>
+            </a:pPr>
+            <a:r>
+              <a:rPr lang="en-US" sz="2000"/>
+              <a:t>s</a:t>
+            </a:r>
+            <a:r>
+              <a:rPr lang="en-US" sz="2000" i="0" u="none" strike="noStrike" baseline="0"/>
+              <a:t>imultaneously</a:t>
+            </a:r>
+            <a:r>
+              <a:rPr lang="en-US" sz="2000"/>
+              <a:t> </a:t>
+            </a:r>
+            <a:r>
+              <a:rPr lang="en-US" sz="2000" i="0" u="none" strike="noStrike" baseline="0"/>
+              <a:t>achieves accurate:</a:t>
+            </a:r>
+          </a:p>
+          <a:p>
+            <a:pPr indent="-228600">
+              <a:lnSpc>
+                <a:spcPct val="90000"/>
+              </a:lnSpc>
+              <a:spcAft>
+                <a:spcPts val="600"/>
+              </a:spcAft>
+              <a:buFont typeface="Arial" panose="020B0604020202020204" pitchFamily="34" charset="0"/>
+              <a:buChar char="•"/>
+            </a:pPr>
+            <a:endParaRPr lang="en-US" sz="2000" b="1" i="0" u="none" strike="noStrike" baseline="0"/>
+          </a:p>
+          <a:p>
+            <a:pPr marL="285750" indent="-228600">
+              <a:lnSpc>
+                <a:spcPct val="90000"/>
+              </a:lnSpc>
+              <a:spcAft>
+                <a:spcPts val="600"/>
+              </a:spcAft>
+              <a:buFont typeface="Arial" panose="020B0604020202020204" pitchFamily="34" charset="0"/>
+              <a:buChar char="•"/>
+            </a:pPr>
+            <a:r>
+              <a:rPr lang="en-US" sz="2000" b="1" i="0" u="none" strike="noStrike" baseline="0"/>
+              <a:t>Anthropomorphism</a:t>
+            </a:r>
+            <a:endParaRPr lang="en-US" sz="2000" i="0" u="none" strike="noStrike" baseline="0"/>
+          </a:p>
+          <a:p>
+            <a:pPr indent="-228600">
+              <a:lnSpc>
+                <a:spcPct val="90000"/>
+              </a:lnSpc>
+              <a:spcAft>
+                <a:spcPts val="600"/>
+              </a:spcAft>
+              <a:buFont typeface="Arial" panose="020B0604020202020204" pitchFamily="34" charset="0"/>
+              <a:buChar char="•"/>
+            </a:pPr>
+            <a:endParaRPr lang="en-US" sz="2000" b="1" i="0" u="none" strike="noStrike" baseline="0"/>
+          </a:p>
+          <a:p>
+            <a:pPr marL="285750" indent="-228600">
+              <a:lnSpc>
+                <a:spcPct val="90000"/>
+              </a:lnSpc>
+              <a:spcAft>
+                <a:spcPts val="600"/>
+              </a:spcAft>
+              <a:buFont typeface="Arial" panose="020B0604020202020204" pitchFamily="34" charset="0"/>
+              <a:buChar char="•"/>
+            </a:pPr>
+            <a:r>
+              <a:rPr lang="en-US" sz="2000" b="1"/>
+              <a:t>B</a:t>
+            </a:r>
+            <a:r>
+              <a:rPr lang="en-US" sz="2000" b="1" i="0" u="none" strike="noStrike" baseline="0"/>
+              <a:t>iomimetic performance</a:t>
+            </a:r>
+            <a:endParaRPr lang="en-US" sz="2000" i="0" u="none" strike="noStrike" baseline="0"/>
+          </a:p>
+          <a:p>
+            <a:pPr indent="-228600">
+              <a:lnSpc>
+                <a:spcPct val="90000"/>
+              </a:lnSpc>
+              <a:spcAft>
+                <a:spcPts val="600"/>
+              </a:spcAft>
+              <a:buFont typeface="Arial" panose="020B0604020202020204" pitchFamily="34" charset="0"/>
+              <a:buChar char="•"/>
+            </a:pPr>
+            <a:endParaRPr lang="en-US" sz="2000" b="1" i="0" u="none" strike="noStrike" baseline="0"/>
+          </a:p>
+          <a:p>
+            <a:pPr marL="285750" indent="-228600">
+              <a:lnSpc>
+                <a:spcPct val="90000"/>
+              </a:lnSpc>
+              <a:spcAft>
+                <a:spcPts val="600"/>
+              </a:spcAft>
+              <a:buFont typeface="Arial" panose="020B0604020202020204" pitchFamily="34" charset="0"/>
+              <a:buChar char="•"/>
+            </a:pPr>
+            <a:r>
+              <a:rPr lang="en-US" sz="2000" b="1"/>
+              <a:t>H</a:t>
+            </a:r>
+            <a:r>
+              <a:rPr lang="en-US" sz="2000" b="1" i="0" u="none" strike="noStrike" baseline="0"/>
+              <a:t>uman-like grasping behavior</a:t>
+            </a:r>
+            <a:endParaRPr lang="en-US" sz="2000" i="0" u="none" strike="noStrike" baseline="0"/>
+          </a:p>
+          <a:p>
+            <a:pPr marL="285750" indent="-228600">
+              <a:lnSpc>
+                <a:spcPct val="90000"/>
+              </a:lnSpc>
+              <a:spcAft>
+                <a:spcPts val="600"/>
+              </a:spcAft>
+              <a:buFont typeface="Arial" panose="020B0604020202020204" pitchFamily="34" charset="0"/>
+              <a:buChar char="•"/>
+            </a:pPr>
+            <a:endParaRPr lang="en-US" sz="2000" b="1" i="0" u="none" strike="noStrike" baseline="0"/>
+          </a:p>
+          <a:p>
+            <a:pPr marL="285750" indent="-228600">
+              <a:lnSpc>
+                <a:spcPct val="90000"/>
+              </a:lnSpc>
+              <a:spcAft>
+                <a:spcPts val="600"/>
+              </a:spcAft>
+              <a:buFont typeface="Arial" panose="020B0604020202020204" pitchFamily="34" charset="0"/>
+              <a:buChar char="•"/>
+            </a:pPr>
+            <a:endParaRPr lang="en-US" sz="2000" b="1" i="0" u="none" strike="noStrike" baseline="0"/>
+          </a:p>
+          <a:p>
+            <a:pPr indent="-228600">
+              <a:lnSpc>
+                <a:spcPct val="90000"/>
+              </a:lnSpc>
+              <a:spcAft>
+                <a:spcPts val="600"/>
+              </a:spcAft>
+              <a:buFont typeface="Arial" panose="020B0604020202020204" pitchFamily="34" charset="0"/>
+              <a:buChar char="•"/>
+            </a:pPr>
+            <a:endParaRPr lang="en-US" sz="2000" b="1" i="0" u="none" strike="noStrike" baseline="0"/>
+          </a:p>
+          <a:p>
+            <a:pPr indent="-228600">
+              <a:lnSpc>
+                <a:spcPct val="90000"/>
+              </a:lnSpc>
+              <a:spcAft>
+                <a:spcPts val="600"/>
+              </a:spcAft>
+              <a:buFont typeface="Arial" panose="020B0604020202020204" pitchFamily="34" charset="0"/>
+              <a:buChar char="•"/>
+            </a:pPr>
+            <a:endParaRPr lang="en-US" sz="2000" dirty="0"/>
+          </a:p>
+        </p:txBody>
+      </p:sp>
+      <p:pic>
+        <p:nvPicPr>
+          <p:cNvPr id="6" name="Immagine 5" descr="Immagine che contiene testo, cerchio, logo, design&#10;&#10;Descrizione generata automaticamente">
+            <a:extLst>
+              <a:ext uri="{FF2B5EF4-FFF2-40B4-BE49-F238E27FC236}">
+                <a16:creationId xmlns:a16="http://schemas.microsoft.com/office/drawing/2014/main" id="{7161F3F7-1C4A-3B00-D1AB-CBCD4E24F1CF}"/>
+              </a:ext>
+            </a:extLst>
+          </p:cNvPr>
+          <p:cNvPicPr>
+            <a:picLocks noChangeAspect="1"/>
+          </p:cNvPicPr>
+          <p:nvPr/>
+        </p:nvPicPr>
+        <p:blipFill rotWithShape="1">
+          <a:blip r:embed="rId2">
+            <a:extLst>
+              <a:ext uri="{28A0092B-C50C-407E-A947-70E740481C1C}">
+                <a14:useLocalDpi xmlns:a14="http://schemas.microsoft.com/office/drawing/2010/main" val="0"/>
+              </a:ext>
+            </a:extLst>
+          </a:blip>
+          <a:srcRect l="391" r="898"/>
+          <a:stretch/>
+        </p:blipFill>
+        <p:spPr>
+          <a:xfrm>
+            <a:off x="6094475" y="305252"/>
+            <a:ext cx="4548125" cy="6247495"/>
+          </a:xfrm>
+          <a:prstGeom prst="rect">
+            <a:avLst/>
+          </a:prstGeom>
+          <a:effectLst/>
+        </p:spPr>
+      </p:pic>
+    </p:spTree>
+    <p:extLst>
+      <p:ext uri="{BB962C8B-B14F-4D97-AF65-F5344CB8AC3E}">
+        <p14:creationId xmlns:p14="http://schemas.microsoft.com/office/powerpoint/2010/main" val="2062642128"/>
+      </p:ext>
+    </p:extLst>
+  </p:cSld>
+  <p:clrMapOvr>
+    <a:masterClrMapping/>
+  </p:clrMapOvr>
+  <mc:AlternateContent xmlns:mc="http://schemas.openxmlformats.org/markup-compatibility/2006">
+    <mc:Choice xmlns:p159="http://schemas.microsoft.com/office/powerpoint/2015/09/main" Requires="p159">
+      <p:transition xmlns:p14="http://schemas.microsoft.com/office/powerpoint/2010/main" spd="slow" p14:dur="2000">
+        <p159:morph option="byObject"/>
+      </p:transition>
+    </mc:Choice>
+    <mc:Fallback>
+      <p:transition spd="slow">
+        <p:fade/>
+      </p:transition>
+    </mc:Fallback>
+  </mc:AlternateContent>
+</p:sld>
+</file>
+
+<file path=ppt/slides/slide6.xml><?xml version="1.0" encoding="utf-8"?>
+<p:sld xmlns:a="http://schemas.openxmlformats.org/drawingml/2006/main" xmlns:r="http://schemas.openxmlformats.org/officeDocument/2006/relationships" xmlns:p="http://schemas.openxmlformats.org/presentationml/2006/main">
+  <p:cSld>
+    <p:bg>
+      <p:bgPr>
+        <a:solidFill>
+          <a:schemeClr val="bg1"/>
+        </a:solidFill>
+        <a:effectLst/>
+      </p:bgPr>
+    </p:bg>
+    <p:spTree>
+      <p:nvGrpSpPr>
+        <p:cNvPr id="1" name=""/>
+        <p:cNvGrpSpPr/>
+        <p:nvPr/>
+      </p:nvGrpSpPr>
+      <p:grpSpPr>
+        <a:xfrm>
+          <a:off x="0" y="0"/>
+          <a:ext cx="0" cy="0"/>
+          <a:chOff x="0" y="0"/>
+          <a:chExt cx="0" cy="0"/>
+        </a:xfrm>
+      </p:grpSpPr>
+      <p:sp useBgFill="1">
+        <p:nvSpPr>
+          <p:cNvPr id="18" name="Rectangle 17">
+            <a:extLst>
+              <a:ext uri="{FF2B5EF4-FFF2-40B4-BE49-F238E27FC236}">
+                <a16:creationId xmlns:a16="http://schemas.microsoft.com/office/drawing/2014/main" id="{D1D34770-47A8-402C-AF23-2B653F2D88C1}"/>
+              </a:ext>
+              <a:ext uri="{C183D7F6-B498-43B3-948B-1728B52AA6E4}">
+                <adec:decorative xmlns:adec="http://schemas.microsoft.com/office/drawing/2017/decorative" val="1"/>
+              </a:ext>
+            </a:extLst>
+          </p:cNvPr>
+          <p:cNvSpPr>
+            <a:spLocks noGrp="1" noRot="1" noChangeAspect="1" noMove="1" noResize="1" noEditPoints="1" noAdjustHandles="1" noChangeArrowheads="1" noChangeShapeType="1" noTextEdit="1"/>
+          </p:cNvSpPr>
+          <p:nvPr>
+            <p:extLst>
+              <p:ext uri="{386F3935-93C4-4BCD-93E2-E3B085C9AB24}">
+                <p16:designElem xmlns:p16="http://schemas.microsoft.com/office/powerpoint/2015/main" val="1"/>
+              </p:ext>
+            </p:extLst>
+          </p:nvPr>
+        </p:nvSpPr>
+        <p:spPr>
+          <a:xfrm>
+            <a:off x="-1" y="0"/>
+            <a:ext cx="12188952" cy="6858000"/>
+          </a:xfrm>
+          <a:prstGeom prst="rect">
+            <a:avLst/>
+          </a:prstGeom>
+          <a:ln>
+            <a:noFill/>
+          </a:ln>
+        </p:spPr>
+        <p:style>
+          <a:lnRef idx="2">
+            <a:schemeClr val="accent1">
+              <a:shade val="50000"/>
+            </a:schemeClr>
+          </a:lnRef>
+          <a:fillRef idx="1">
+            <a:schemeClr val="accent1"/>
+          </a:fillRef>
+          <a:effectRef idx="0">
+            <a:schemeClr val="accent1"/>
+          </a:effectRef>
+          <a:fontRef idx="minor">
+            <a:schemeClr val="lt1"/>
+          </a:fontRef>
+        </p:style>
+        <p:txBody>
+          <a:bodyPr rtlCol="0" anchor="ctr"/>
+          <a:lstStyle/>
+          <a:p>
+            <a:pPr algn="ctr"/>
+            <a:endParaRPr lang="en-US"/>
+          </a:p>
+        </p:txBody>
+      </p:sp>
+      <p:sp>
+        <p:nvSpPr>
+          <p:cNvPr id="9" name="Titolo 1">
+            <a:extLst>
+              <a:ext uri="{FF2B5EF4-FFF2-40B4-BE49-F238E27FC236}">
+                <a16:creationId xmlns:a16="http://schemas.microsoft.com/office/drawing/2014/main" id="{8CA0D1F9-BE3B-896A-7082-8EC88503D940}"/>
+              </a:ext>
+            </a:extLst>
+          </p:cNvPr>
+          <p:cNvSpPr>
+            <a:spLocks noGrp="1"/>
+          </p:cNvSpPr>
+          <p:nvPr>
+            <p:ph type="title"/>
+          </p:nvPr>
+        </p:nvSpPr>
+        <p:spPr>
+          <a:xfrm>
+            <a:off x="836680" y="454821"/>
+            <a:ext cx="4217921" cy="1495425"/>
+          </a:xfrm>
+        </p:spPr>
+        <p:txBody>
+          <a:bodyPr vert="horz" lIns="91440" tIns="45720" rIns="91440" bIns="45720" rtlCol="0" anchor="ctr">
+            <a:normAutofit/>
+          </a:bodyPr>
+          <a:lstStyle/>
+          <a:p>
+            <a:r>
+              <a:rPr lang="en-US" sz="4000" b="0" i="0" dirty="0">
+                <a:effectLst/>
+              </a:rPr>
+              <a:t>Concepts and Goals</a:t>
+            </a:r>
+            <a:endParaRPr lang="en-US" sz="4000" dirty="0"/>
+          </a:p>
+        </p:txBody>
+      </p:sp>
+      <p:sp>
+        <p:nvSpPr>
+          <p:cNvPr id="10" name="CasellaDiTesto 9">
+            <a:extLst>
+              <a:ext uri="{FF2B5EF4-FFF2-40B4-BE49-F238E27FC236}">
+                <a16:creationId xmlns:a16="http://schemas.microsoft.com/office/drawing/2014/main" id="{FDFE0411-38CF-1B6D-F7BA-B6966E5025AE}"/>
+              </a:ext>
+            </a:extLst>
+          </p:cNvPr>
+          <p:cNvSpPr txBox="1"/>
+          <p:nvPr/>
+        </p:nvSpPr>
+        <p:spPr>
+          <a:xfrm>
+            <a:off x="836680" y="2405067"/>
+            <a:ext cx="6002110" cy="3729034"/>
+          </a:xfrm>
+          <a:prstGeom prst="rect">
+            <a:avLst/>
+          </a:prstGeom>
+        </p:spPr>
+        <p:txBody>
+          <a:bodyPr vert="horz" lIns="91440" tIns="45720" rIns="91440" bIns="45720" rtlCol="0">
+            <a:normAutofit/>
+          </a:bodyPr>
+          <a:lstStyle/>
+          <a:p>
+            <a:pPr>
+              <a:lnSpc>
+                <a:spcPct val="90000"/>
+              </a:lnSpc>
+              <a:spcAft>
+                <a:spcPts val="600"/>
+              </a:spcAft>
+            </a:pPr>
+            <a:r>
+              <a:rPr lang="en-US" sz="2000" dirty="0"/>
+              <a:t>The </a:t>
+            </a:r>
+            <a:r>
+              <a:rPr lang="en-US" sz="2000" i="0" u="none" strike="noStrike" baseline="0" dirty="0"/>
+              <a:t>proposed of this device is </a:t>
+            </a:r>
+          </a:p>
+          <a:p>
+            <a:pPr>
+              <a:lnSpc>
+                <a:spcPct val="90000"/>
+              </a:lnSpc>
+              <a:spcAft>
+                <a:spcPts val="600"/>
+              </a:spcAft>
+            </a:pPr>
+            <a:r>
+              <a:rPr lang="en-US" sz="2000" dirty="0"/>
+              <a:t>s</a:t>
+            </a:r>
+            <a:r>
+              <a:rPr lang="en-US" sz="2000" i="0" u="none" strike="noStrike" baseline="0" dirty="0"/>
+              <a:t>imultaneously</a:t>
+            </a:r>
+            <a:r>
+              <a:rPr lang="en-US" sz="2000" dirty="0"/>
+              <a:t> </a:t>
+            </a:r>
+            <a:r>
+              <a:rPr lang="en-US" sz="2000" i="0" u="none" strike="noStrike" baseline="0" dirty="0"/>
+              <a:t>achieves accurate:</a:t>
+            </a:r>
+          </a:p>
+          <a:p>
+            <a:pPr indent="-228600">
+              <a:lnSpc>
+                <a:spcPct val="90000"/>
+              </a:lnSpc>
+              <a:spcAft>
+                <a:spcPts val="600"/>
+              </a:spcAft>
+              <a:buFont typeface="Arial" panose="020B0604020202020204" pitchFamily="34" charset="0"/>
+              <a:buChar char="•"/>
+            </a:pPr>
+            <a:endParaRPr lang="en-US" sz="2000" b="1" i="0" u="none" strike="noStrike" baseline="0" dirty="0"/>
+          </a:p>
+          <a:p>
+            <a:pPr marL="285750" indent="-228600">
+              <a:lnSpc>
+                <a:spcPct val="90000"/>
+              </a:lnSpc>
+              <a:spcAft>
+                <a:spcPts val="600"/>
+              </a:spcAft>
+              <a:buFont typeface="Arial" panose="020B0604020202020204" pitchFamily="34" charset="0"/>
+              <a:buChar char="•"/>
+            </a:pPr>
+            <a:r>
+              <a:rPr lang="en-US" sz="2000" b="1" i="0" u="none" strike="noStrike" baseline="0" dirty="0"/>
+              <a:t>Anthropomorphism</a:t>
+            </a:r>
+            <a:endParaRPr lang="en-US" sz="2000" i="0" u="none" strike="noStrike" baseline="0" dirty="0"/>
+          </a:p>
+          <a:p>
+            <a:pPr indent="-228600">
+              <a:lnSpc>
+                <a:spcPct val="90000"/>
+              </a:lnSpc>
+              <a:spcAft>
+                <a:spcPts val="600"/>
+              </a:spcAft>
+              <a:buFont typeface="Arial" panose="020B0604020202020204" pitchFamily="34" charset="0"/>
+              <a:buChar char="•"/>
+            </a:pPr>
+            <a:endParaRPr lang="en-US" sz="2000" b="1" i="0" u="none" strike="noStrike" baseline="0" dirty="0"/>
+          </a:p>
+          <a:p>
+            <a:pPr marL="285750" indent="-228600">
+              <a:lnSpc>
+                <a:spcPct val="90000"/>
+              </a:lnSpc>
+              <a:spcAft>
+                <a:spcPts val="600"/>
+              </a:spcAft>
+              <a:buFont typeface="Arial" panose="020B0604020202020204" pitchFamily="34" charset="0"/>
+              <a:buChar char="•"/>
+            </a:pPr>
+            <a:r>
+              <a:rPr lang="en-US" sz="2000" b="1" dirty="0"/>
+              <a:t>B</a:t>
+            </a:r>
+            <a:r>
+              <a:rPr lang="en-US" sz="2000" b="1" i="0" u="none" strike="noStrike" baseline="0" dirty="0"/>
+              <a:t>iomimetic performance</a:t>
+            </a:r>
+            <a:endParaRPr lang="en-US" sz="2000" i="0" u="none" strike="noStrike" baseline="0" dirty="0"/>
+          </a:p>
+          <a:p>
+            <a:pPr indent="-228600">
+              <a:lnSpc>
+                <a:spcPct val="90000"/>
+              </a:lnSpc>
+              <a:spcAft>
+                <a:spcPts val="600"/>
+              </a:spcAft>
+              <a:buFont typeface="Arial" panose="020B0604020202020204" pitchFamily="34" charset="0"/>
+              <a:buChar char="•"/>
+            </a:pPr>
+            <a:endParaRPr lang="en-US" sz="2000" b="1" i="0" u="none" strike="noStrike" baseline="0" dirty="0"/>
+          </a:p>
+          <a:p>
+            <a:pPr marL="285750" indent="-228600">
+              <a:lnSpc>
+                <a:spcPct val="90000"/>
+              </a:lnSpc>
+              <a:spcAft>
+                <a:spcPts val="600"/>
+              </a:spcAft>
+              <a:buFont typeface="Arial" panose="020B0604020202020204" pitchFamily="34" charset="0"/>
+              <a:buChar char="•"/>
+            </a:pPr>
+            <a:r>
+              <a:rPr lang="en-US" sz="2000" b="1" dirty="0"/>
+              <a:t>H</a:t>
+            </a:r>
+            <a:r>
+              <a:rPr lang="en-US" sz="2000" b="1" i="0" u="none" strike="noStrike" baseline="0" dirty="0"/>
+              <a:t>uman-like grasping behavior</a:t>
+            </a:r>
+            <a:endParaRPr lang="en-US" sz="2000" i="0" u="none" strike="noStrike" baseline="0" dirty="0"/>
+          </a:p>
+          <a:p>
+            <a:pPr marL="285750" indent="-228600">
+              <a:lnSpc>
+                <a:spcPct val="90000"/>
+              </a:lnSpc>
+              <a:spcAft>
+                <a:spcPts val="600"/>
+              </a:spcAft>
+              <a:buFont typeface="Arial" panose="020B0604020202020204" pitchFamily="34" charset="0"/>
+              <a:buChar char="•"/>
+            </a:pPr>
+            <a:endParaRPr lang="en-US" sz="2000" b="1" i="0" u="none" strike="noStrike" baseline="0" dirty="0"/>
+          </a:p>
+          <a:p>
+            <a:pPr marL="285750" indent="-228600">
+              <a:lnSpc>
+                <a:spcPct val="90000"/>
+              </a:lnSpc>
+              <a:spcAft>
+                <a:spcPts val="600"/>
+              </a:spcAft>
+              <a:buFont typeface="Arial" panose="020B0604020202020204" pitchFamily="34" charset="0"/>
+              <a:buChar char="•"/>
+            </a:pPr>
+            <a:endParaRPr lang="en-US" sz="2000" b="1" i="0" u="none" strike="noStrike" baseline="0" dirty="0"/>
+          </a:p>
+          <a:p>
+            <a:pPr indent="-228600">
+              <a:lnSpc>
+                <a:spcPct val="90000"/>
+              </a:lnSpc>
+              <a:spcAft>
+                <a:spcPts val="600"/>
+              </a:spcAft>
+              <a:buFont typeface="Arial" panose="020B0604020202020204" pitchFamily="34" charset="0"/>
+              <a:buChar char="•"/>
+            </a:pPr>
+            <a:endParaRPr lang="en-US" sz="2000" b="1" i="0" u="none" strike="noStrike" baseline="0" dirty="0"/>
+          </a:p>
+          <a:p>
+            <a:pPr indent="-228600">
+              <a:lnSpc>
+                <a:spcPct val="90000"/>
+              </a:lnSpc>
+              <a:spcAft>
+                <a:spcPts val="600"/>
+              </a:spcAft>
+              <a:buFont typeface="Arial" panose="020B0604020202020204" pitchFamily="34" charset="0"/>
+              <a:buChar char="•"/>
+            </a:pPr>
+            <a:endParaRPr lang="en-US" sz="2000" dirty="0"/>
+          </a:p>
+        </p:txBody>
+      </p:sp>
+      <p:pic>
+        <p:nvPicPr>
+          <p:cNvPr id="6" name="Immagine 5" descr="Immagine che contiene testo, cerchio, logo, design&#10;&#10;Descrizione generata automaticamente">
+            <a:extLst>
+              <a:ext uri="{FF2B5EF4-FFF2-40B4-BE49-F238E27FC236}">
+                <a16:creationId xmlns:a16="http://schemas.microsoft.com/office/drawing/2014/main" id="{7161F3F7-1C4A-3B00-D1AB-CBCD4E24F1CF}"/>
+              </a:ext>
+            </a:extLst>
+          </p:cNvPr>
+          <p:cNvPicPr>
+            <a:picLocks noChangeAspect="1"/>
+          </p:cNvPicPr>
+          <p:nvPr/>
+        </p:nvPicPr>
+        <p:blipFill rotWithShape="1">
+          <a:blip r:embed="rId2">
+            <a:extLst>
+              <a:ext uri="{28A0092B-C50C-407E-A947-70E740481C1C}">
+                <a14:useLocalDpi xmlns:a14="http://schemas.microsoft.com/office/drawing/2010/main" val="0"/>
+              </a:ext>
+            </a:extLst>
+          </a:blip>
+          <a:srcRect l="391" r="898"/>
+          <a:stretch/>
+        </p:blipFill>
+        <p:spPr>
+          <a:xfrm>
+            <a:off x="6094475" y="305252"/>
+            <a:ext cx="4548125" cy="6247495"/>
+          </a:xfrm>
+          <a:prstGeom prst="rect">
+            <a:avLst/>
+          </a:prstGeom>
+          <a:effectLst/>
+        </p:spPr>
+      </p:pic>
+      <p:sp>
+        <p:nvSpPr>
+          <p:cNvPr id="4" name="Figura a mano libera: forma 3">
+            <a:extLst>
+              <a:ext uri="{FF2B5EF4-FFF2-40B4-BE49-F238E27FC236}">
+                <a16:creationId xmlns:a16="http://schemas.microsoft.com/office/drawing/2014/main" id="{34D382DB-6A32-D732-3862-FDD18322F16E}"/>
+              </a:ext>
+            </a:extLst>
+          </p:cNvPr>
+          <p:cNvSpPr/>
+          <p:nvPr/>
+        </p:nvSpPr>
+        <p:spPr>
+          <a:xfrm>
+            <a:off x="6094475" y="-527051"/>
+            <a:ext cx="7188200" cy="8191500"/>
+          </a:xfrm>
+          <a:custGeom>
+            <a:avLst/>
+            <a:gdLst>
+              <a:gd name="connsiteX0" fmla="*/ 0 w 7188200"/>
+              <a:gd name="connsiteY0" fmla="*/ 0 h 8191500"/>
+              <a:gd name="connsiteX1" fmla="*/ 7188200 w 7188200"/>
+              <a:gd name="connsiteY1" fmla="*/ 0 h 8191500"/>
+              <a:gd name="connsiteX2" fmla="*/ 7188200 w 7188200"/>
+              <a:gd name="connsiteY2" fmla="*/ 8191500 h 8191500"/>
+              <a:gd name="connsiteX3" fmla="*/ 0 w 7188200"/>
+              <a:gd name="connsiteY3" fmla="*/ 8191500 h 8191500"/>
+              <a:gd name="connsiteX4" fmla="*/ 0 w 7188200"/>
+              <a:gd name="connsiteY4" fmla="*/ 5426191 h 8191500"/>
+              <a:gd name="connsiteX5" fmla="*/ 10290 w 7188200"/>
+              <a:gd name="connsiteY5" fmla="*/ 5439678 h 8191500"/>
+              <a:gd name="connsiteX6" fmla="*/ 968295 w 7188200"/>
+              <a:gd name="connsiteY6" fmla="*/ 5882486 h 8191500"/>
+              <a:gd name="connsiteX7" fmla="*/ 2209800 w 7188200"/>
+              <a:gd name="connsiteY7" fmla="*/ 4665669 h 8191500"/>
+              <a:gd name="connsiteX8" fmla="*/ 968295 w 7188200"/>
+              <a:gd name="connsiteY8" fmla="*/ 3448852 h 8191500"/>
+              <a:gd name="connsiteX9" fmla="*/ 10290 w 7188200"/>
+              <a:gd name="connsiteY9" fmla="*/ 3891661 h 8191500"/>
+              <a:gd name="connsiteX10" fmla="*/ 0 w 7188200"/>
+              <a:gd name="connsiteY10" fmla="*/ 3905147 h 8191500"/>
+            </a:gdLst>
+            <a:ahLst/>
+            <a:cxnLst>
+              <a:cxn ang="0">
+                <a:pos x="connsiteX0" y="connsiteY0"/>
+              </a:cxn>
+              <a:cxn ang="0">
+                <a:pos x="connsiteX1" y="connsiteY1"/>
+              </a:cxn>
+              <a:cxn ang="0">
+                <a:pos x="connsiteX2" y="connsiteY2"/>
+              </a:cxn>
+              <a:cxn ang="0">
+                <a:pos x="connsiteX3" y="connsiteY3"/>
+              </a:cxn>
+              <a:cxn ang="0">
+                <a:pos x="connsiteX4" y="connsiteY4"/>
+              </a:cxn>
+              <a:cxn ang="0">
+                <a:pos x="connsiteX5" y="connsiteY5"/>
+              </a:cxn>
+              <a:cxn ang="0">
+                <a:pos x="connsiteX6" y="connsiteY6"/>
+              </a:cxn>
+              <a:cxn ang="0">
+                <a:pos x="connsiteX7" y="connsiteY7"/>
+              </a:cxn>
+              <a:cxn ang="0">
+                <a:pos x="connsiteX8" y="connsiteY8"/>
+              </a:cxn>
+              <a:cxn ang="0">
+                <a:pos x="connsiteX9" y="connsiteY9"/>
+              </a:cxn>
+              <a:cxn ang="0">
+                <a:pos x="connsiteX10" y="connsiteY10"/>
+              </a:cxn>
+            </a:cxnLst>
+            <a:rect l="l" t="t" r="r" b="b"/>
+            <a:pathLst>
+              <a:path w="7188200" h="8191500">
+                <a:moveTo>
+                  <a:pt x="0" y="0"/>
+                </a:moveTo>
+                <a:lnTo>
+                  <a:pt x="7188200" y="0"/>
+                </a:lnTo>
+                <a:lnTo>
+                  <a:pt x="7188200" y="8191500"/>
+                </a:lnTo>
+                <a:lnTo>
+                  <a:pt x="0" y="8191500"/>
+                </a:lnTo>
+                <a:lnTo>
+                  <a:pt x="0" y="5426191"/>
+                </a:lnTo>
+                <a:lnTo>
+                  <a:pt x="10290" y="5439678"/>
+                </a:lnTo>
+                <a:cubicBezTo>
+                  <a:pt x="238000" y="5710112"/>
+                  <a:pt x="582609" y="5882486"/>
+                  <a:pt x="968295" y="5882486"/>
+                </a:cubicBezTo>
+                <a:cubicBezTo>
+                  <a:pt x="1653959" y="5882486"/>
+                  <a:pt x="2209800" y="5337698"/>
+                  <a:pt x="2209800" y="4665669"/>
+                </a:cubicBezTo>
+                <a:cubicBezTo>
+                  <a:pt x="2209800" y="3993640"/>
+                  <a:pt x="1653959" y="3448852"/>
+                  <a:pt x="968295" y="3448852"/>
+                </a:cubicBezTo>
+                <a:cubicBezTo>
+                  <a:pt x="582609" y="3448852"/>
+                  <a:pt x="238000" y="3621227"/>
+                  <a:pt x="10290" y="3891661"/>
+                </a:cubicBezTo>
+                <a:lnTo>
+                  <a:pt x="0" y="3905147"/>
+                </a:lnTo>
+                <a:close/>
+              </a:path>
+            </a:pathLst>
+          </a:custGeom>
+          <a:solidFill>
+            <a:schemeClr val="tx1">
+              <a:alpha val="60000"/>
+            </a:schemeClr>
+          </a:solidFill>
+          <a:ln>
+            <a:solidFill>
+              <a:schemeClr val="tx1"/>
+            </a:solidFill>
+          </a:ln>
+        </p:spPr>
+        <p:style>
+          <a:lnRef idx="2">
+            <a:schemeClr val="accent1">
+              <a:shade val="15000"/>
+            </a:schemeClr>
+          </a:lnRef>
+          <a:fillRef idx="1">
+            <a:schemeClr val="accent1"/>
+          </a:fillRef>
+          <a:effectRef idx="0">
+            <a:schemeClr val="accent1"/>
+          </a:effectRef>
+          <a:fontRef idx="minor">
+            <a:schemeClr val="lt1"/>
+          </a:fontRef>
+        </p:style>
+        <p:txBody>
+          <a:bodyPr wrap="square" rtlCol="0" anchor="ctr">
+            <a:noAutofit/>
+          </a:bodyPr>
+          <a:lstStyle/>
+          <a:p>
+            <a:pPr algn="ctr"/>
+            <a:endParaRPr lang="it-IT"/>
+          </a:p>
+        </p:txBody>
+      </p:sp>
+      <p:sp>
+        <p:nvSpPr>
+          <p:cNvPr id="7" name="Ovale 6">
+            <a:extLst>
+              <a:ext uri="{FF2B5EF4-FFF2-40B4-BE49-F238E27FC236}">
+                <a16:creationId xmlns:a16="http://schemas.microsoft.com/office/drawing/2014/main" id="{F7AE58A7-236F-5C31-6E19-56A020863250}"/>
+              </a:ext>
+            </a:extLst>
+          </p:cNvPr>
+          <p:cNvSpPr/>
+          <p:nvPr/>
+        </p:nvSpPr>
+        <p:spPr>
+          <a:xfrm>
+            <a:off x="-1893063" y="-869951"/>
+            <a:ext cx="6541263" cy="8597900"/>
+          </a:xfrm>
+          <a:prstGeom prst="ellipse">
+            <a:avLst/>
+          </a:prstGeom>
+          <a:solidFill>
+            <a:srgbClr val="E79221">
+              <a:alpha val="48000"/>
+            </a:srgbClr>
+          </a:solidFill>
+        </p:spPr>
+        <p:style>
+          <a:lnRef idx="2">
+            <a:schemeClr val="accent1">
+              <a:shade val="15000"/>
+            </a:schemeClr>
+          </a:lnRef>
+          <a:fillRef idx="1">
+            <a:schemeClr val="accent1"/>
+          </a:fillRef>
+          <a:effectRef idx="0">
+            <a:schemeClr val="accent1"/>
+          </a:effectRef>
+          <a:fontRef idx="minor">
+            <a:schemeClr val="lt1"/>
+          </a:fontRef>
+        </p:style>
+        <p:txBody>
+          <a:bodyPr rtlCol="0" anchor="ctr"/>
+          <a:lstStyle/>
+          <a:p>
+            <a:pPr algn="ctr"/>
+            <a:endParaRPr lang="it-IT"/>
+          </a:p>
+        </p:txBody>
+      </p:sp>
+    </p:spTree>
+    <p:extLst>
+      <p:ext uri="{BB962C8B-B14F-4D97-AF65-F5344CB8AC3E}">
+        <p14:creationId xmlns:p14="http://schemas.microsoft.com/office/powerpoint/2010/main" val="1423544183"/>
+      </p:ext>
+    </p:extLst>
+  </p:cSld>
+  <p:clrMapOvr>
+    <a:masterClrMapping/>
+  </p:clrMapOvr>
+  <mc:AlternateContent xmlns:mc="http://schemas.openxmlformats.org/markup-compatibility/2006">
+    <mc:Choice xmlns:p14="http://schemas.microsoft.com/office/powerpoint/2010/main" Requires="p14">
+      <p:transition spd="slow" p14:dur="800">
+        <p:circle/>
+      </p:transition>
+    </mc:Choice>
+    <mc:Fallback>
+      <p:transition spd="slow">
+        <p:circle/>
+      </p:transition>
+    </mc:Fallback>
+  </mc:AlternateContent>
+</p:sld>
+</file>
+
+<file path=ppt/slides/slide7.xml><?xml version="1.0" encoding="utf-8"?>
+<p:sld xmlns:a="http://schemas.openxmlformats.org/drawingml/2006/main" xmlns:r="http://schemas.openxmlformats.org/officeDocument/2006/relationships" xmlns:p="http://schemas.openxmlformats.org/presentationml/2006/main">
+  <p:cSld>
+    <p:bg>
+      <p:bgPr>
+        <a:solidFill>
+          <a:schemeClr val="bg1"/>
+        </a:solidFill>
+        <a:effectLst/>
+      </p:bgPr>
+    </p:bg>
+    <p:spTree>
+      <p:nvGrpSpPr>
+        <p:cNvPr id="1" name=""/>
+        <p:cNvGrpSpPr/>
+        <p:nvPr/>
+      </p:nvGrpSpPr>
+      <p:grpSpPr>
+        <a:xfrm>
+          <a:off x="0" y="0"/>
+          <a:ext cx="0" cy="0"/>
+          <a:chOff x="0" y="0"/>
+          <a:chExt cx="0" cy="0"/>
+        </a:xfrm>
+      </p:grpSpPr>
+      <p:sp useBgFill="1">
+        <p:nvSpPr>
+          <p:cNvPr id="18" name="Rectangle 17">
+            <a:extLst>
+              <a:ext uri="{FF2B5EF4-FFF2-40B4-BE49-F238E27FC236}">
+                <a16:creationId xmlns:a16="http://schemas.microsoft.com/office/drawing/2014/main" id="{D1D34770-47A8-402C-AF23-2B653F2D88C1}"/>
+              </a:ext>
+              <a:ext uri="{C183D7F6-B498-43B3-948B-1728B52AA6E4}">
+                <adec:decorative xmlns:adec="http://schemas.microsoft.com/office/drawing/2017/decorative" val="1"/>
+              </a:ext>
+            </a:extLst>
+          </p:cNvPr>
+          <p:cNvSpPr>
+            <a:spLocks noGrp="1" noRot="1" noChangeAspect="1" noMove="1" noResize="1" noEditPoints="1" noAdjustHandles="1" noChangeArrowheads="1" noChangeShapeType="1" noTextEdit="1"/>
+          </p:cNvSpPr>
+          <p:nvPr>
+            <p:extLst>
+              <p:ext uri="{386F3935-93C4-4BCD-93E2-E3B085C9AB24}">
+                <p16:designElem xmlns:p16="http://schemas.microsoft.com/office/powerpoint/2015/main" val="1"/>
+              </p:ext>
+            </p:extLst>
+          </p:nvPr>
+        </p:nvSpPr>
+        <p:spPr>
+          <a:xfrm>
+            <a:off x="-1" y="0"/>
+            <a:ext cx="12188952" cy="6858000"/>
+          </a:xfrm>
+          <a:prstGeom prst="rect">
+            <a:avLst/>
+          </a:prstGeom>
+          <a:ln>
+            <a:noFill/>
+          </a:ln>
+        </p:spPr>
+        <p:style>
+          <a:lnRef idx="2">
+            <a:schemeClr val="accent1">
+              <a:shade val="50000"/>
+            </a:schemeClr>
+          </a:lnRef>
+          <a:fillRef idx="1">
+            <a:schemeClr val="accent1"/>
+          </a:fillRef>
+          <a:effectRef idx="0">
+            <a:schemeClr val="accent1"/>
+          </a:effectRef>
+          <a:fontRef idx="minor">
+            <a:schemeClr val="lt1"/>
+          </a:fontRef>
+        </p:style>
+        <p:txBody>
+          <a:bodyPr rtlCol="0" anchor="ctr"/>
+          <a:lstStyle/>
+          <a:p>
+            <a:pPr algn="ctr"/>
+            <a:endParaRPr lang="en-US"/>
+          </a:p>
+        </p:txBody>
+      </p:sp>
+      <p:sp>
+        <p:nvSpPr>
+          <p:cNvPr id="9" name="Titolo 1">
+            <a:extLst>
+              <a:ext uri="{FF2B5EF4-FFF2-40B4-BE49-F238E27FC236}">
+                <a16:creationId xmlns:a16="http://schemas.microsoft.com/office/drawing/2014/main" id="{8CA0D1F9-BE3B-896A-7082-8EC88503D940}"/>
+              </a:ext>
+            </a:extLst>
+          </p:cNvPr>
+          <p:cNvSpPr>
+            <a:spLocks noGrp="1"/>
+          </p:cNvSpPr>
+          <p:nvPr>
+            <p:ph type="title"/>
+          </p:nvPr>
+        </p:nvSpPr>
+        <p:spPr>
+          <a:xfrm>
+            <a:off x="836680" y="454821"/>
+            <a:ext cx="4217921" cy="1495425"/>
+          </a:xfrm>
+        </p:spPr>
+        <p:txBody>
+          <a:bodyPr vert="horz" lIns="91440" tIns="45720" rIns="91440" bIns="45720" rtlCol="0" anchor="ctr">
+            <a:normAutofit/>
+          </a:bodyPr>
+          <a:lstStyle/>
+          <a:p>
+            <a:r>
+              <a:rPr lang="en-US" sz="4000" b="0" i="0" dirty="0">
+                <a:effectLst/>
+              </a:rPr>
+              <a:t>Concepts and Goals</a:t>
+            </a:r>
+            <a:endParaRPr lang="en-US" sz="4000" dirty="0"/>
+          </a:p>
+        </p:txBody>
+      </p:sp>
+      <p:sp>
+        <p:nvSpPr>
+          <p:cNvPr id="10" name="CasellaDiTesto 9">
+            <a:extLst>
+              <a:ext uri="{FF2B5EF4-FFF2-40B4-BE49-F238E27FC236}">
+                <a16:creationId xmlns:a16="http://schemas.microsoft.com/office/drawing/2014/main" id="{FDFE0411-38CF-1B6D-F7BA-B6966E5025AE}"/>
+              </a:ext>
+            </a:extLst>
+          </p:cNvPr>
+          <p:cNvSpPr txBox="1"/>
+          <p:nvPr/>
+        </p:nvSpPr>
+        <p:spPr>
+          <a:xfrm>
+            <a:off x="836680" y="2405067"/>
+            <a:ext cx="6002110" cy="3729034"/>
+          </a:xfrm>
+          <a:prstGeom prst="rect">
+            <a:avLst/>
+          </a:prstGeom>
+        </p:spPr>
+        <p:txBody>
+          <a:bodyPr vert="horz" lIns="91440" tIns="45720" rIns="91440" bIns="45720" rtlCol="0">
+            <a:normAutofit/>
+          </a:bodyPr>
+          <a:lstStyle/>
+          <a:p>
+            <a:pPr>
+              <a:lnSpc>
+                <a:spcPct val="90000"/>
+              </a:lnSpc>
+              <a:spcAft>
+                <a:spcPts val="600"/>
+              </a:spcAft>
+            </a:pPr>
+            <a:r>
+              <a:rPr lang="en-US" sz="2000" dirty="0"/>
+              <a:t>The </a:t>
+            </a:r>
+            <a:r>
+              <a:rPr lang="en-US" sz="2000" i="0" u="none" strike="noStrike" baseline="0" dirty="0"/>
+              <a:t>proposed of this device is </a:t>
+            </a:r>
+          </a:p>
+          <a:p>
+            <a:pPr>
+              <a:lnSpc>
+                <a:spcPct val="90000"/>
+              </a:lnSpc>
+              <a:spcAft>
+                <a:spcPts val="600"/>
+              </a:spcAft>
+            </a:pPr>
+            <a:r>
+              <a:rPr lang="en-US" sz="2000" dirty="0"/>
+              <a:t>s</a:t>
+            </a:r>
+            <a:r>
+              <a:rPr lang="en-US" sz="2000" i="0" u="none" strike="noStrike" baseline="0" dirty="0"/>
+              <a:t>imultaneously</a:t>
+            </a:r>
+            <a:r>
+              <a:rPr lang="en-US" sz="2000" dirty="0"/>
+              <a:t> </a:t>
+            </a:r>
+            <a:r>
+              <a:rPr lang="en-US" sz="2000" i="0" u="none" strike="noStrike" baseline="0" dirty="0"/>
+              <a:t>achieves accurate:</a:t>
+            </a:r>
+          </a:p>
+          <a:p>
+            <a:pPr indent="-228600">
+              <a:lnSpc>
+                <a:spcPct val="90000"/>
+              </a:lnSpc>
+              <a:spcAft>
+                <a:spcPts val="600"/>
+              </a:spcAft>
+              <a:buFont typeface="Arial" panose="020B0604020202020204" pitchFamily="34" charset="0"/>
+              <a:buChar char="•"/>
+            </a:pPr>
+            <a:endParaRPr lang="en-US" sz="2000" b="1" i="0" u="none" strike="noStrike" baseline="0" dirty="0"/>
+          </a:p>
+          <a:p>
+            <a:pPr marL="285750" indent="-228600">
+              <a:lnSpc>
+                <a:spcPct val="90000"/>
+              </a:lnSpc>
+              <a:spcAft>
+                <a:spcPts val="600"/>
+              </a:spcAft>
+              <a:buFont typeface="Arial" panose="020B0604020202020204" pitchFamily="34" charset="0"/>
+              <a:buChar char="•"/>
+            </a:pPr>
+            <a:r>
+              <a:rPr lang="en-US" sz="2000" b="1" i="0" u="none" strike="noStrike" baseline="0" dirty="0"/>
+              <a:t>Anthropomorphism</a:t>
+            </a:r>
+            <a:endParaRPr lang="en-US" sz="2000" i="0" u="none" strike="noStrike" baseline="0" dirty="0"/>
+          </a:p>
+          <a:p>
+            <a:pPr indent="-228600">
+              <a:lnSpc>
+                <a:spcPct val="90000"/>
+              </a:lnSpc>
+              <a:spcAft>
+                <a:spcPts val="600"/>
+              </a:spcAft>
+              <a:buFont typeface="Arial" panose="020B0604020202020204" pitchFamily="34" charset="0"/>
+              <a:buChar char="•"/>
+            </a:pPr>
+            <a:endParaRPr lang="en-US" sz="2000" b="1" i="0" u="none" strike="noStrike" baseline="0" dirty="0"/>
+          </a:p>
+          <a:p>
+            <a:pPr marL="285750" indent="-228600">
+              <a:lnSpc>
+                <a:spcPct val="90000"/>
+              </a:lnSpc>
+              <a:spcAft>
+                <a:spcPts val="600"/>
+              </a:spcAft>
+              <a:buFont typeface="Arial" panose="020B0604020202020204" pitchFamily="34" charset="0"/>
+              <a:buChar char="•"/>
+            </a:pPr>
+            <a:r>
+              <a:rPr lang="en-US" sz="2000" b="1" dirty="0"/>
+              <a:t>B</a:t>
+            </a:r>
+            <a:r>
+              <a:rPr lang="en-US" sz="2000" b="1" i="0" u="none" strike="noStrike" baseline="0" dirty="0"/>
+              <a:t>iomimetic performance</a:t>
+            </a:r>
+            <a:endParaRPr lang="en-US" sz="2000" i="0" u="none" strike="noStrike" baseline="0" dirty="0"/>
+          </a:p>
+          <a:p>
+            <a:pPr indent="-228600">
+              <a:lnSpc>
+                <a:spcPct val="90000"/>
+              </a:lnSpc>
+              <a:spcAft>
+                <a:spcPts val="600"/>
+              </a:spcAft>
+              <a:buFont typeface="Arial" panose="020B0604020202020204" pitchFamily="34" charset="0"/>
+              <a:buChar char="•"/>
+            </a:pPr>
+            <a:endParaRPr lang="en-US" sz="2000" b="1" i="0" u="none" strike="noStrike" baseline="0" dirty="0"/>
+          </a:p>
+          <a:p>
+            <a:pPr marL="285750" indent="-228600">
+              <a:lnSpc>
+                <a:spcPct val="90000"/>
+              </a:lnSpc>
+              <a:spcAft>
+                <a:spcPts val="600"/>
+              </a:spcAft>
+              <a:buFont typeface="Arial" panose="020B0604020202020204" pitchFamily="34" charset="0"/>
+              <a:buChar char="•"/>
+            </a:pPr>
+            <a:r>
+              <a:rPr lang="en-US" sz="2000" b="1" dirty="0"/>
+              <a:t>H</a:t>
+            </a:r>
+            <a:r>
+              <a:rPr lang="en-US" sz="2000" b="1" i="0" u="none" strike="noStrike" baseline="0" dirty="0"/>
+              <a:t>uman-like grasping behavior</a:t>
+            </a:r>
+            <a:endParaRPr lang="en-US" sz="2000" i="0" u="none" strike="noStrike" baseline="0" dirty="0"/>
+          </a:p>
+          <a:p>
+            <a:pPr marL="285750" indent="-228600">
+              <a:lnSpc>
+                <a:spcPct val="90000"/>
+              </a:lnSpc>
+              <a:spcAft>
+                <a:spcPts val="600"/>
+              </a:spcAft>
+              <a:buFont typeface="Arial" panose="020B0604020202020204" pitchFamily="34" charset="0"/>
+              <a:buChar char="•"/>
+            </a:pPr>
+            <a:endParaRPr lang="en-US" sz="2000" b="1" i="0" u="none" strike="noStrike" baseline="0" dirty="0"/>
+          </a:p>
+          <a:p>
+            <a:pPr marL="285750" indent="-228600">
+              <a:lnSpc>
+                <a:spcPct val="90000"/>
+              </a:lnSpc>
+              <a:spcAft>
+                <a:spcPts val="600"/>
+              </a:spcAft>
+              <a:buFont typeface="Arial" panose="020B0604020202020204" pitchFamily="34" charset="0"/>
+              <a:buChar char="•"/>
+            </a:pPr>
+            <a:endParaRPr lang="en-US" sz="2000" b="1" i="0" u="none" strike="noStrike" baseline="0" dirty="0"/>
+          </a:p>
+          <a:p>
+            <a:pPr indent="-228600">
+              <a:lnSpc>
+                <a:spcPct val="90000"/>
+              </a:lnSpc>
+              <a:spcAft>
+                <a:spcPts val="600"/>
+              </a:spcAft>
+              <a:buFont typeface="Arial" panose="020B0604020202020204" pitchFamily="34" charset="0"/>
+              <a:buChar char="•"/>
+            </a:pPr>
+            <a:endParaRPr lang="en-US" sz="2000" b="1" i="0" u="none" strike="noStrike" baseline="0" dirty="0"/>
+          </a:p>
+          <a:p>
+            <a:pPr indent="-228600">
+              <a:lnSpc>
+                <a:spcPct val="90000"/>
+              </a:lnSpc>
+              <a:spcAft>
+                <a:spcPts val="600"/>
+              </a:spcAft>
+              <a:buFont typeface="Arial" panose="020B0604020202020204" pitchFamily="34" charset="0"/>
+              <a:buChar char="•"/>
+            </a:pPr>
+            <a:endParaRPr lang="en-US" sz="2000" dirty="0"/>
+          </a:p>
+        </p:txBody>
+      </p:sp>
+      <p:pic>
+        <p:nvPicPr>
+          <p:cNvPr id="6" name="Immagine 5" descr="Immagine che contiene testo, cerchio, logo, design&#10;&#10;Descrizione generata automaticamente">
+            <a:extLst>
+              <a:ext uri="{FF2B5EF4-FFF2-40B4-BE49-F238E27FC236}">
+                <a16:creationId xmlns:a16="http://schemas.microsoft.com/office/drawing/2014/main" id="{7161F3F7-1C4A-3B00-D1AB-CBCD4E24F1CF}"/>
+              </a:ext>
+            </a:extLst>
+          </p:cNvPr>
+          <p:cNvPicPr>
+            <a:picLocks noChangeAspect="1"/>
+          </p:cNvPicPr>
+          <p:nvPr/>
+        </p:nvPicPr>
+        <p:blipFill rotWithShape="1">
+          <a:blip r:embed="rId2">
+            <a:extLst>
+              <a:ext uri="{28A0092B-C50C-407E-A947-70E740481C1C}">
+                <a14:useLocalDpi xmlns:a14="http://schemas.microsoft.com/office/drawing/2010/main" val="0"/>
+              </a:ext>
+            </a:extLst>
+          </a:blip>
+          <a:srcRect l="391" r="898"/>
+          <a:stretch/>
+        </p:blipFill>
+        <p:spPr>
+          <a:xfrm>
+            <a:off x="6094475" y="305252"/>
+            <a:ext cx="4548125" cy="6247495"/>
+          </a:xfrm>
+          <a:prstGeom prst="rect">
+            <a:avLst/>
+          </a:prstGeom>
+          <a:effectLst/>
+        </p:spPr>
+      </p:pic>
+      <p:sp>
+        <p:nvSpPr>
+          <p:cNvPr id="5" name="Figura a mano libera: forma 4">
+            <a:extLst>
+              <a:ext uri="{FF2B5EF4-FFF2-40B4-BE49-F238E27FC236}">
+                <a16:creationId xmlns:a16="http://schemas.microsoft.com/office/drawing/2014/main" id="{DDA3CD8B-75A8-D95B-886B-D665BCC68FBF}"/>
+              </a:ext>
+            </a:extLst>
+          </p:cNvPr>
+          <p:cNvSpPr/>
+          <p:nvPr/>
+        </p:nvSpPr>
+        <p:spPr>
+          <a:xfrm>
+            <a:off x="6094475" y="-685800"/>
+            <a:ext cx="7608820" cy="9144000"/>
+          </a:xfrm>
+          <a:custGeom>
+            <a:avLst/>
+            <a:gdLst>
+              <a:gd name="connsiteX0" fmla="*/ 2274062 w 7608820"/>
+              <a:gd name="connsiteY0" fmla="*/ 4863872 h 9144000"/>
+              <a:gd name="connsiteX1" fmla="*/ 1045798 w 7608820"/>
+              <a:gd name="connsiteY1" fmla="*/ 6089423 h 9144000"/>
+              <a:gd name="connsiteX2" fmla="*/ 2274062 w 7608820"/>
+              <a:gd name="connsiteY2" fmla="*/ 7314974 h 9144000"/>
+              <a:gd name="connsiteX3" fmla="*/ 3502326 w 7608820"/>
+              <a:gd name="connsiteY3" fmla="*/ 6089423 h 9144000"/>
+              <a:gd name="connsiteX4" fmla="*/ 2274062 w 7608820"/>
+              <a:gd name="connsiteY4" fmla="*/ 4863872 h 9144000"/>
+              <a:gd name="connsiteX5" fmla="*/ 0 w 7608820"/>
+              <a:gd name="connsiteY5" fmla="*/ 0 h 9144000"/>
+              <a:gd name="connsiteX6" fmla="*/ 7608820 w 7608820"/>
+              <a:gd name="connsiteY6" fmla="*/ 0 h 9144000"/>
+              <a:gd name="connsiteX7" fmla="*/ 7608820 w 7608820"/>
+              <a:gd name="connsiteY7" fmla="*/ 9144000 h 9144000"/>
+              <a:gd name="connsiteX8" fmla="*/ 0 w 7608820"/>
+              <a:gd name="connsiteY8" fmla="*/ 9144000 h 9144000"/>
+            </a:gdLst>
+            <a:ahLst/>
+            <a:cxnLst>
+              <a:cxn ang="0">
+                <a:pos x="connsiteX0" y="connsiteY0"/>
+              </a:cxn>
+              <a:cxn ang="0">
+                <a:pos x="connsiteX1" y="connsiteY1"/>
+              </a:cxn>
+              <a:cxn ang="0">
+                <a:pos x="connsiteX2" y="connsiteY2"/>
+              </a:cxn>
+              <a:cxn ang="0">
+                <a:pos x="connsiteX3" y="connsiteY3"/>
+              </a:cxn>
+              <a:cxn ang="0">
+                <a:pos x="connsiteX4" y="connsiteY4"/>
+              </a:cxn>
+              <a:cxn ang="0">
+                <a:pos x="connsiteX5" y="connsiteY5"/>
+              </a:cxn>
+              <a:cxn ang="0">
+                <a:pos x="connsiteX6" y="connsiteY6"/>
+              </a:cxn>
+              <a:cxn ang="0">
+                <a:pos x="connsiteX7" y="connsiteY7"/>
+              </a:cxn>
+              <a:cxn ang="0">
+                <a:pos x="connsiteX8" y="connsiteY8"/>
+              </a:cxn>
+            </a:cxnLst>
+            <a:rect l="l" t="t" r="r" b="b"/>
+            <a:pathLst>
+              <a:path w="7608820" h="9144000">
+                <a:moveTo>
+                  <a:pt x="2274062" y="4863872"/>
+                </a:moveTo>
+                <a:cubicBezTo>
+                  <a:pt x="1595711" y="4863872"/>
+                  <a:pt x="1045798" y="5412570"/>
+                  <a:pt x="1045798" y="6089423"/>
+                </a:cubicBezTo>
+                <a:cubicBezTo>
+                  <a:pt x="1045798" y="6766276"/>
+                  <a:pt x="1595711" y="7314974"/>
+                  <a:pt x="2274062" y="7314974"/>
+                </a:cubicBezTo>
+                <a:cubicBezTo>
+                  <a:pt x="2952413" y="7314974"/>
+                  <a:pt x="3502326" y="6766276"/>
+                  <a:pt x="3502326" y="6089423"/>
+                </a:cubicBezTo>
+                <a:cubicBezTo>
+                  <a:pt x="3502326" y="5412570"/>
+                  <a:pt x="2952413" y="4863872"/>
+                  <a:pt x="2274062" y="4863872"/>
+                </a:cubicBezTo>
+                <a:close/>
+                <a:moveTo>
+                  <a:pt x="0" y="0"/>
+                </a:moveTo>
+                <a:lnTo>
+                  <a:pt x="7608820" y="0"/>
+                </a:lnTo>
+                <a:lnTo>
+                  <a:pt x="7608820" y="9144000"/>
+                </a:lnTo>
+                <a:lnTo>
+                  <a:pt x="0" y="9144000"/>
+                </a:lnTo>
+                <a:close/>
+              </a:path>
+            </a:pathLst>
+          </a:custGeom>
+          <a:solidFill>
+            <a:schemeClr val="tx1">
+              <a:alpha val="60000"/>
+            </a:schemeClr>
+          </a:solidFill>
+          <a:ln>
+            <a:solidFill>
+              <a:schemeClr val="tx1"/>
+            </a:solidFill>
+          </a:ln>
+        </p:spPr>
+        <p:style>
+          <a:lnRef idx="2">
+            <a:schemeClr val="accent1">
+              <a:shade val="15000"/>
+            </a:schemeClr>
+          </a:lnRef>
+          <a:fillRef idx="1">
+            <a:schemeClr val="accent1"/>
+          </a:fillRef>
+          <a:effectRef idx="0">
+            <a:schemeClr val="accent1"/>
+          </a:effectRef>
+          <a:fontRef idx="minor">
+            <a:schemeClr val="lt1"/>
+          </a:fontRef>
+        </p:style>
+        <p:txBody>
+          <a:bodyPr wrap="square" rtlCol="0" anchor="ctr">
+            <a:noAutofit/>
+          </a:bodyPr>
+          <a:lstStyle/>
+          <a:p>
+            <a:pPr algn="ctr"/>
+            <a:endParaRPr lang="it-IT"/>
+          </a:p>
+        </p:txBody>
+      </p:sp>
+      <p:sp>
+        <p:nvSpPr>
+          <p:cNvPr id="7" name="Ovale 6">
+            <a:extLst>
+              <a:ext uri="{FF2B5EF4-FFF2-40B4-BE49-F238E27FC236}">
+                <a16:creationId xmlns:a16="http://schemas.microsoft.com/office/drawing/2014/main" id="{C547A936-6651-7E5F-DD86-D69FB30584B8}"/>
+              </a:ext>
+            </a:extLst>
+          </p:cNvPr>
+          <p:cNvSpPr/>
+          <p:nvPr/>
+        </p:nvSpPr>
+        <p:spPr>
+          <a:xfrm>
+            <a:off x="-1893063" y="-869951"/>
+            <a:ext cx="6541263" cy="8597900"/>
+          </a:xfrm>
+          <a:prstGeom prst="ellipse">
+            <a:avLst/>
+          </a:prstGeom>
+          <a:solidFill>
+            <a:srgbClr val="E79221">
+              <a:alpha val="48000"/>
+            </a:srgbClr>
+          </a:solidFill>
+        </p:spPr>
+        <p:style>
+          <a:lnRef idx="2">
+            <a:schemeClr val="accent1">
+              <a:shade val="15000"/>
+            </a:schemeClr>
+          </a:lnRef>
+          <a:fillRef idx="1">
+            <a:schemeClr val="accent1"/>
+          </a:fillRef>
+          <a:effectRef idx="0">
+            <a:schemeClr val="accent1"/>
+          </a:effectRef>
+          <a:fontRef idx="minor">
+            <a:schemeClr val="lt1"/>
+          </a:fontRef>
+        </p:style>
+        <p:txBody>
+          <a:bodyPr rtlCol="0" anchor="ctr"/>
+          <a:lstStyle/>
+          <a:p>
+            <a:pPr algn="ctr"/>
+            <a:endParaRPr lang="it-IT"/>
+          </a:p>
+        </p:txBody>
+      </p:sp>
+    </p:spTree>
+    <p:extLst>
+      <p:ext uri="{BB962C8B-B14F-4D97-AF65-F5344CB8AC3E}">
+        <p14:creationId xmlns:p14="http://schemas.microsoft.com/office/powerpoint/2010/main" val="179826668"/>
+      </p:ext>
+    </p:extLst>
+  </p:cSld>
+  <p:clrMapOvr>
+    <a:masterClrMapping/>
+  </p:clrMapOvr>
+  <mc:AlternateContent xmlns:mc="http://schemas.openxmlformats.org/markup-compatibility/2006">
+    <mc:Choice xmlns:p14="http://schemas.microsoft.com/office/powerpoint/2010/main" Requires="p14">
+      <p:transition spd="slow" p14:dur="800">
+        <p:circle/>
+      </p:transition>
+    </mc:Choice>
+    <mc:Fallback>
+      <p:transition spd="slow">
+        <p:circle/>
+      </p:transition>
+    </mc:Fallback>
+  </mc:AlternateContent>
+</p:sld>
+</file>
+
+<file path=ppt/slides/slide8.xml><?xml version="1.0" encoding="utf-8"?>
+<p:sld xmlns:a="http://schemas.openxmlformats.org/drawingml/2006/main" xmlns:r="http://schemas.openxmlformats.org/officeDocument/2006/relationships" xmlns:p="http://schemas.openxmlformats.org/presentationml/2006/main">
+  <p:cSld>
+    <p:bg>
+      <p:bgPr>
+        <a:solidFill>
+          <a:schemeClr val="bg1"/>
+        </a:solidFill>
+        <a:effectLst/>
+      </p:bgPr>
+    </p:bg>
+    <p:spTree>
+      <p:nvGrpSpPr>
+        <p:cNvPr id="1" name=""/>
+        <p:cNvGrpSpPr/>
+        <p:nvPr/>
+      </p:nvGrpSpPr>
+      <p:grpSpPr>
+        <a:xfrm>
+          <a:off x="0" y="0"/>
+          <a:ext cx="0" cy="0"/>
+          <a:chOff x="0" y="0"/>
+          <a:chExt cx="0" cy="0"/>
+        </a:xfrm>
+      </p:grpSpPr>
+      <p:sp useBgFill="1">
+        <p:nvSpPr>
+          <p:cNvPr id="18" name="Rectangle 17">
+            <a:extLst>
+              <a:ext uri="{FF2B5EF4-FFF2-40B4-BE49-F238E27FC236}">
+                <a16:creationId xmlns:a16="http://schemas.microsoft.com/office/drawing/2014/main" id="{D1D34770-47A8-402C-AF23-2B653F2D88C1}"/>
+              </a:ext>
+              <a:ext uri="{C183D7F6-B498-43B3-948B-1728B52AA6E4}">
+                <adec:decorative xmlns:adec="http://schemas.microsoft.com/office/drawing/2017/decorative" val="1"/>
+              </a:ext>
+            </a:extLst>
+          </p:cNvPr>
+          <p:cNvSpPr>
+            <a:spLocks noGrp="1" noRot="1" noChangeAspect="1" noMove="1" noResize="1" noEditPoints="1" noAdjustHandles="1" noChangeArrowheads="1" noChangeShapeType="1" noTextEdit="1"/>
+          </p:cNvSpPr>
+          <p:nvPr>
+            <p:extLst>
+              <p:ext uri="{386F3935-93C4-4BCD-93E2-E3B085C9AB24}">
+                <p16:designElem xmlns:p16="http://schemas.microsoft.com/office/powerpoint/2015/main" val="1"/>
+              </p:ext>
+            </p:extLst>
+          </p:nvPr>
+        </p:nvSpPr>
+        <p:spPr>
+          <a:xfrm>
+            <a:off x="-1" y="0"/>
+            <a:ext cx="12188952" cy="6858000"/>
+          </a:xfrm>
+          <a:prstGeom prst="rect">
+            <a:avLst/>
+          </a:prstGeom>
+          <a:ln>
+            <a:noFill/>
+          </a:ln>
+        </p:spPr>
+        <p:style>
+          <a:lnRef idx="2">
+            <a:schemeClr val="accent1">
+              <a:shade val="50000"/>
+            </a:schemeClr>
+          </a:lnRef>
+          <a:fillRef idx="1">
+            <a:schemeClr val="accent1"/>
+          </a:fillRef>
+          <a:effectRef idx="0">
+            <a:schemeClr val="accent1"/>
+          </a:effectRef>
+          <a:fontRef idx="minor">
+            <a:schemeClr val="lt1"/>
+          </a:fontRef>
+        </p:style>
+        <p:txBody>
+          <a:bodyPr rtlCol="0" anchor="ctr"/>
+          <a:lstStyle/>
+          <a:p>
+            <a:pPr algn="ctr"/>
+            <a:endParaRPr lang="en-US"/>
+          </a:p>
+        </p:txBody>
+      </p:sp>
+      <p:sp>
+        <p:nvSpPr>
+          <p:cNvPr id="9" name="Titolo 1">
+            <a:extLst>
+              <a:ext uri="{FF2B5EF4-FFF2-40B4-BE49-F238E27FC236}">
+                <a16:creationId xmlns:a16="http://schemas.microsoft.com/office/drawing/2014/main" id="{8CA0D1F9-BE3B-896A-7082-8EC88503D940}"/>
+              </a:ext>
+            </a:extLst>
+          </p:cNvPr>
+          <p:cNvSpPr>
+            <a:spLocks noGrp="1"/>
+          </p:cNvSpPr>
+          <p:nvPr>
+            <p:ph type="title"/>
+          </p:nvPr>
+        </p:nvSpPr>
+        <p:spPr>
+          <a:xfrm>
+            <a:off x="836680" y="454821"/>
+            <a:ext cx="4217921" cy="1495425"/>
+          </a:xfrm>
+        </p:spPr>
+        <p:txBody>
+          <a:bodyPr vert="horz" lIns="91440" tIns="45720" rIns="91440" bIns="45720" rtlCol="0" anchor="ctr">
+            <a:normAutofit/>
+          </a:bodyPr>
+          <a:lstStyle/>
+          <a:p>
+            <a:r>
+              <a:rPr lang="en-US" sz="4000" b="0" i="0" dirty="0">
+                <a:effectLst/>
+              </a:rPr>
+              <a:t>Concepts and Goals</a:t>
+            </a:r>
+            <a:endParaRPr lang="en-US" sz="4000" dirty="0"/>
+          </a:p>
+        </p:txBody>
+      </p:sp>
+      <p:sp>
+        <p:nvSpPr>
+          <p:cNvPr id="10" name="CasellaDiTesto 9">
+            <a:extLst>
+              <a:ext uri="{FF2B5EF4-FFF2-40B4-BE49-F238E27FC236}">
+                <a16:creationId xmlns:a16="http://schemas.microsoft.com/office/drawing/2014/main" id="{FDFE0411-38CF-1B6D-F7BA-B6966E5025AE}"/>
+              </a:ext>
+            </a:extLst>
+          </p:cNvPr>
+          <p:cNvSpPr txBox="1"/>
+          <p:nvPr/>
+        </p:nvSpPr>
+        <p:spPr>
+          <a:xfrm>
+            <a:off x="836680" y="2405067"/>
+            <a:ext cx="6002110" cy="3729034"/>
+          </a:xfrm>
+          <a:prstGeom prst="rect">
+            <a:avLst/>
+          </a:prstGeom>
+        </p:spPr>
+        <p:txBody>
+          <a:bodyPr vert="horz" lIns="91440" tIns="45720" rIns="91440" bIns="45720" rtlCol="0">
+            <a:normAutofit/>
+          </a:bodyPr>
+          <a:lstStyle/>
+          <a:p>
+            <a:pPr>
+              <a:lnSpc>
+                <a:spcPct val="90000"/>
+              </a:lnSpc>
+              <a:spcAft>
+                <a:spcPts val="600"/>
+              </a:spcAft>
+            </a:pPr>
+            <a:r>
+              <a:rPr lang="en-US" sz="2000" dirty="0"/>
+              <a:t>The </a:t>
+            </a:r>
+            <a:r>
+              <a:rPr lang="en-US" sz="2000" i="0" u="none" strike="noStrike" baseline="0" dirty="0"/>
+              <a:t>proposed of this device is </a:t>
+            </a:r>
+          </a:p>
+          <a:p>
+            <a:pPr>
+              <a:lnSpc>
+                <a:spcPct val="90000"/>
+              </a:lnSpc>
+              <a:spcAft>
+                <a:spcPts val="600"/>
+              </a:spcAft>
+            </a:pPr>
+            <a:r>
+              <a:rPr lang="en-US" sz="2000" dirty="0"/>
+              <a:t>s</a:t>
+            </a:r>
+            <a:r>
+              <a:rPr lang="en-US" sz="2000" i="0" u="none" strike="noStrike" baseline="0" dirty="0"/>
+              <a:t>imultaneously</a:t>
+            </a:r>
+            <a:r>
+              <a:rPr lang="en-US" sz="2000" dirty="0"/>
+              <a:t> </a:t>
+            </a:r>
+            <a:r>
+              <a:rPr lang="en-US" sz="2000" i="0" u="none" strike="noStrike" baseline="0" dirty="0"/>
+              <a:t>achieves accurate:</a:t>
+            </a:r>
+          </a:p>
+          <a:p>
+            <a:pPr indent="-228600">
+              <a:lnSpc>
+                <a:spcPct val="90000"/>
+              </a:lnSpc>
+              <a:spcAft>
+                <a:spcPts val="600"/>
+              </a:spcAft>
+              <a:buFont typeface="Arial" panose="020B0604020202020204" pitchFamily="34" charset="0"/>
+              <a:buChar char="•"/>
+            </a:pPr>
+            <a:endParaRPr lang="en-US" sz="2000" b="1" i="0" u="none" strike="noStrike" baseline="0" dirty="0"/>
+          </a:p>
+          <a:p>
+            <a:pPr marL="285750" indent="-228600">
+              <a:lnSpc>
+                <a:spcPct val="90000"/>
+              </a:lnSpc>
+              <a:spcAft>
+                <a:spcPts val="600"/>
+              </a:spcAft>
+              <a:buFont typeface="Arial" panose="020B0604020202020204" pitchFamily="34" charset="0"/>
+              <a:buChar char="•"/>
+            </a:pPr>
+            <a:r>
+              <a:rPr lang="en-US" sz="2000" b="1" i="0" u="none" strike="noStrike" baseline="0" dirty="0"/>
+              <a:t>Anthropomorphism</a:t>
+            </a:r>
+            <a:endParaRPr lang="en-US" sz="2000" i="0" u="none" strike="noStrike" baseline="0" dirty="0"/>
+          </a:p>
+          <a:p>
+            <a:pPr indent="-228600">
+              <a:lnSpc>
+                <a:spcPct val="90000"/>
+              </a:lnSpc>
+              <a:spcAft>
+                <a:spcPts val="600"/>
+              </a:spcAft>
+              <a:buFont typeface="Arial" panose="020B0604020202020204" pitchFamily="34" charset="0"/>
+              <a:buChar char="•"/>
+            </a:pPr>
+            <a:endParaRPr lang="en-US" sz="2000" b="1" i="0" u="none" strike="noStrike" baseline="0" dirty="0"/>
+          </a:p>
+          <a:p>
+            <a:pPr marL="285750" indent="-228600">
+              <a:lnSpc>
+                <a:spcPct val="90000"/>
+              </a:lnSpc>
+              <a:spcAft>
+                <a:spcPts val="600"/>
+              </a:spcAft>
+              <a:buFont typeface="Arial" panose="020B0604020202020204" pitchFamily="34" charset="0"/>
+              <a:buChar char="•"/>
+            </a:pPr>
+            <a:r>
+              <a:rPr lang="en-US" sz="2000" b="1" dirty="0"/>
+              <a:t>B</a:t>
+            </a:r>
+            <a:r>
+              <a:rPr lang="en-US" sz="2000" b="1" i="0" u="none" strike="noStrike" baseline="0" dirty="0"/>
+              <a:t>iomimetic performance</a:t>
+            </a:r>
+            <a:endParaRPr lang="en-US" sz="2000" i="0" u="none" strike="noStrike" baseline="0" dirty="0"/>
+          </a:p>
+          <a:p>
+            <a:pPr indent="-228600">
+              <a:lnSpc>
+                <a:spcPct val="90000"/>
+              </a:lnSpc>
+              <a:spcAft>
+                <a:spcPts val="600"/>
+              </a:spcAft>
+              <a:buFont typeface="Arial" panose="020B0604020202020204" pitchFamily="34" charset="0"/>
+              <a:buChar char="•"/>
+            </a:pPr>
+            <a:endParaRPr lang="en-US" sz="2000" b="1" i="0" u="none" strike="noStrike" baseline="0" dirty="0"/>
+          </a:p>
+          <a:p>
+            <a:pPr marL="285750" indent="-228600">
+              <a:lnSpc>
+                <a:spcPct val="90000"/>
+              </a:lnSpc>
+              <a:spcAft>
+                <a:spcPts val="600"/>
+              </a:spcAft>
+              <a:buFont typeface="Arial" panose="020B0604020202020204" pitchFamily="34" charset="0"/>
+              <a:buChar char="•"/>
+            </a:pPr>
+            <a:r>
+              <a:rPr lang="en-US" sz="2000" b="1" dirty="0"/>
+              <a:t>H</a:t>
+            </a:r>
+            <a:r>
+              <a:rPr lang="en-US" sz="2000" b="1" i="0" u="none" strike="noStrike" baseline="0" dirty="0"/>
+              <a:t>uman-like grasping behavior</a:t>
+            </a:r>
+            <a:endParaRPr lang="en-US" sz="2000" i="0" u="none" strike="noStrike" baseline="0" dirty="0"/>
+          </a:p>
+          <a:p>
+            <a:pPr marL="285750" indent="-228600">
+              <a:lnSpc>
+                <a:spcPct val="90000"/>
+              </a:lnSpc>
+              <a:spcAft>
+                <a:spcPts val="600"/>
+              </a:spcAft>
+              <a:buFont typeface="Arial" panose="020B0604020202020204" pitchFamily="34" charset="0"/>
+              <a:buChar char="•"/>
+            </a:pPr>
+            <a:endParaRPr lang="en-US" sz="2000" b="1" i="0" u="none" strike="noStrike" baseline="0" dirty="0"/>
+          </a:p>
+          <a:p>
+            <a:pPr marL="285750" indent="-228600">
+              <a:lnSpc>
+                <a:spcPct val="90000"/>
+              </a:lnSpc>
+              <a:spcAft>
+                <a:spcPts val="600"/>
+              </a:spcAft>
+              <a:buFont typeface="Arial" panose="020B0604020202020204" pitchFamily="34" charset="0"/>
+              <a:buChar char="•"/>
+            </a:pPr>
+            <a:endParaRPr lang="en-US" sz="2000" b="1" i="0" u="none" strike="noStrike" baseline="0" dirty="0"/>
+          </a:p>
+          <a:p>
+            <a:pPr indent="-228600">
+              <a:lnSpc>
+                <a:spcPct val="90000"/>
+              </a:lnSpc>
+              <a:spcAft>
+                <a:spcPts val="600"/>
+              </a:spcAft>
+              <a:buFont typeface="Arial" panose="020B0604020202020204" pitchFamily="34" charset="0"/>
+              <a:buChar char="•"/>
+            </a:pPr>
+            <a:endParaRPr lang="en-US" sz="2000" b="1" i="0" u="none" strike="noStrike" baseline="0" dirty="0"/>
+          </a:p>
+          <a:p>
+            <a:pPr indent="-228600">
+              <a:lnSpc>
+                <a:spcPct val="90000"/>
+              </a:lnSpc>
+              <a:spcAft>
+                <a:spcPts val="600"/>
+              </a:spcAft>
+              <a:buFont typeface="Arial" panose="020B0604020202020204" pitchFamily="34" charset="0"/>
+              <a:buChar char="•"/>
+            </a:pPr>
+            <a:endParaRPr lang="en-US" sz="2000" dirty="0"/>
+          </a:p>
+        </p:txBody>
+      </p:sp>
+      <p:pic>
+        <p:nvPicPr>
+          <p:cNvPr id="6" name="Immagine 5" descr="Immagine che contiene testo, cerchio, logo, design&#10;&#10;Descrizione generata automaticamente">
+            <a:extLst>
+              <a:ext uri="{FF2B5EF4-FFF2-40B4-BE49-F238E27FC236}">
+                <a16:creationId xmlns:a16="http://schemas.microsoft.com/office/drawing/2014/main" id="{7161F3F7-1C4A-3B00-D1AB-CBCD4E24F1CF}"/>
+              </a:ext>
+            </a:extLst>
+          </p:cNvPr>
+          <p:cNvPicPr>
+            <a:picLocks noChangeAspect="1"/>
+          </p:cNvPicPr>
+          <p:nvPr/>
+        </p:nvPicPr>
+        <p:blipFill rotWithShape="1">
+          <a:blip r:embed="rId2">
+            <a:extLst>
+              <a:ext uri="{28A0092B-C50C-407E-A947-70E740481C1C}">
+                <a14:useLocalDpi xmlns:a14="http://schemas.microsoft.com/office/drawing/2010/main" val="0"/>
+              </a:ext>
+            </a:extLst>
+          </a:blip>
+          <a:srcRect l="391" r="898"/>
+          <a:stretch/>
+        </p:blipFill>
+        <p:spPr>
+          <a:xfrm>
+            <a:off x="6094475" y="305252"/>
+            <a:ext cx="4548125" cy="6247495"/>
+          </a:xfrm>
+          <a:prstGeom prst="rect">
+            <a:avLst/>
+          </a:prstGeom>
+          <a:effectLst/>
+        </p:spPr>
+      </p:pic>
+      <p:sp>
+        <p:nvSpPr>
+          <p:cNvPr id="8" name="Figura a mano libera: forma 7">
+            <a:extLst>
+              <a:ext uri="{FF2B5EF4-FFF2-40B4-BE49-F238E27FC236}">
+                <a16:creationId xmlns:a16="http://schemas.microsoft.com/office/drawing/2014/main" id="{A9A50589-E054-CBCC-964A-28B25C72DBB1}"/>
+              </a:ext>
+            </a:extLst>
+          </p:cNvPr>
+          <p:cNvSpPr/>
+          <p:nvPr/>
+        </p:nvSpPr>
+        <p:spPr>
+          <a:xfrm>
+            <a:off x="6094475" y="-952500"/>
+            <a:ext cx="7175500" cy="9042400"/>
+          </a:xfrm>
+          <a:custGeom>
+            <a:avLst/>
+            <a:gdLst>
+              <a:gd name="connsiteX0" fmla="*/ 3587750 w 7175500"/>
+              <a:gd name="connsiteY0" fmla="*/ 3771900 h 9042400"/>
+              <a:gd name="connsiteX1" fmla="*/ 2359486 w 7175500"/>
+              <a:gd name="connsiteY1" fmla="*/ 4997451 h 9042400"/>
+              <a:gd name="connsiteX2" fmla="*/ 3587750 w 7175500"/>
+              <a:gd name="connsiteY2" fmla="*/ 6223002 h 9042400"/>
+              <a:gd name="connsiteX3" fmla="*/ 4816014 w 7175500"/>
+              <a:gd name="connsiteY3" fmla="*/ 4997451 h 9042400"/>
+              <a:gd name="connsiteX4" fmla="*/ 3587750 w 7175500"/>
+              <a:gd name="connsiteY4" fmla="*/ 3771900 h 9042400"/>
+              <a:gd name="connsiteX5" fmla="*/ 0 w 7175500"/>
+              <a:gd name="connsiteY5" fmla="*/ 0 h 9042400"/>
+              <a:gd name="connsiteX6" fmla="*/ 7175500 w 7175500"/>
+              <a:gd name="connsiteY6" fmla="*/ 0 h 9042400"/>
+              <a:gd name="connsiteX7" fmla="*/ 7175500 w 7175500"/>
+              <a:gd name="connsiteY7" fmla="*/ 9042400 h 9042400"/>
+              <a:gd name="connsiteX8" fmla="*/ 0 w 7175500"/>
+              <a:gd name="connsiteY8" fmla="*/ 9042400 h 9042400"/>
+            </a:gdLst>
+            <a:ahLst/>
+            <a:cxnLst>
+              <a:cxn ang="0">
+                <a:pos x="connsiteX0" y="connsiteY0"/>
+              </a:cxn>
+              <a:cxn ang="0">
+                <a:pos x="connsiteX1" y="connsiteY1"/>
+              </a:cxn>
+              <a:cxn ang="0">
+                <a:pos x="connsiteX2" y="connsiteY2"/>
+              </a:cxn>
+              <a:cxn ang="0">
+                <a:pos x="connsiteX3" y="connsiteY3"/>
+              </a:cxn>
+              <a:cxn ang="0">
+                <a:pos x="connsiteX4" y="connsiteY4"/>
+              </a:cxn>
+              <a:cxn ang="0">
+                <a:pos x="connsiteX5" y="connsiteY5"/>
+              </a:cxn>
+              <a:cxn ang="0">
+                <a:pos x="connsiteX6" y="connsiteY6"/>
+              </a:cxn>
+              <a:cxn ang="0">
+                <a:pos x="connsiteX7" y="connsiteY7"/>
+              </a:cxn>
+              <a:cxn ang="0">
+                <a:pos x="connsiteX8" y="connsiteY8"/>
+              </a:cxn>
+            </a:cxnLst>
+            <a:rect l="l" t="t" r="r" b="b"/>
+            <a:pathLst>
+              <a:path w="7175500" h="9042400">
+                <a:moveTo>
+                  <a:pt x="3587750" y="3771900"/>
+                </a:moveTo>
+                <a:cubicBezTo>
+                  <a:pt x="2909399" y="3771900"/>
+                  <a:pt x="2359486" y="4320598"/>
+                  <a:pt x="2359486" y="4997451"/>
+                </a:cubicBezTo>
+                <a:cubicBezTo>
+                  <a:pt x="2359486" y="5674304"/>
+                  <a:pt x="2909399" y="6223002"/>
+                  <a:pt x="3587750" y="6223002"/>
+                </a:cubicBezTo>
+                <a:cubicBezTo>
+                  <a:pt x="4266101" y="6223002"/>
+                  <a:pt x="4816014" y="5674304"/>
+                  <a:pt x="4816014" y="4997451"/>
+                </a:cubicBezTo>
+                <a:cubicBezTo>
+                  <a:pt x="4816014" y="4320598"/>
+                  <a:pt x="4266101" y="3771900"/>
+                  <a:pt x="3587750" y="3771900"/>
+                </a:cubicBezTo>
+                <a:close/>
+                <a:moveTo>
+                  <a:pt x="0" y="0"/>
+                </a:moveTo>
+                <a:lnTo>
+                  <a:pt x="7175500" y="0"/>
+                </a:lnTo>
+                <a:lnTo>
+                  <a:pt x="7175500" y="9042400"/>
+                </a:lnTo>
+                <a:lnTo>
+                  <a:pt x="0" y="9042400"/>
+                </a:lnTo>
+                <a:close/>
+              </a:path>
+            </a:pathLst>
+          </a:custGeom>
+          <a:solidFill>
+            <a:schemeClr val="tx1">
+              <a:alpha val="60000"/>
+            </a:schemeClr>
+          </a:solidFill>
+          <a:ln>
+            <a:solidFill>
+              <a:schemeClr val="tx1"/>
+            </a:solidFill>
+          </a:ln>
+        </p:spPr>
+        <p:style>
+          <a:lnRef idx="2">
+            <a:schemeClr val="accent1">
+              <a:shade val="15000"/>
+            </a:schemeClr>
+          </a:lnRef>
+          <a:fillRef idx="1">
+            <a:schemeClr val="accent1"/>
+          </a:fillRef>
+          <a:effectRef idx="0">
+            <a:schemeClr val="accent1"/>
+          </a:effectRef>
+          <a:fontRef idx="minor">
+            <a:schemeClr val="lt1"/>
+          </a:fontRef>
+        </p:style>
+        <p:txBody>
+          <a:bodyPr wrap="square" rtlCol="0" anchor="ctr">
+            <a:noAutofit/>
+          </a:bodyPr>
+          <a:lstStyle/>
+          <a:p>
+            <a:pPr algn="ctr"/>
+            <a:endParaRPr lang="it-IT"/>
+          </a:p>
+        </p:txBody>
+      </p:sp>
+      <p:sp>
+        <p:nvSpPr>
+          <p:cNvPr id="11" name="Ovale 10">
+            <a:extLst>
+              <a:ext uri="{FF2B5EF4-FFF2-40B4-BE49-F238E27FC236}">
+                <a16:creationId xmlns:a16="http://schemas.microsoft.com/office/drawing/2014/main" id="{B085E0A3-5CFC-E927-175D-BCD6611335B4}"/>
+              </a:ext>
+            </a:extLst>
+          </p:cNvPr>
+          <p:cNvSpPr/>
+          <p:nvPr/>
+        </p:nvSpPr>
+        <p:spPr>
+          <a:xfrm>
+            <a:off x="-1893063" y="-869951"/>
+            <a:ext cx="6541263" cy="8597900"/>
+          </a:xfrm>
+          <a:prstGeom prst="ellipse">
+            <a:avLst/>
+          </a:prstGeom>
+          <a:solidFill>
+            <a:srgbClr val="E79221">
+              <a:alpha val="48000"/>
+            </a:srgbClr>
+          </a:solidFill>
+        </p:spPr>
+        <p:style>
+          <a:lnRef idx="2">
+            <a:schemeClr val="accent1">
+              <a:shade val="15000"/>
+            </a:schemeClr>
+          </a:lnRef>
+          <a:fillRef idx="1">
+            <a:schemeClr val="accent1"/>
+          </a:fillRef>
+          <a:effectRef idx="0">
+            <a:schemeClr val="accent1"/>
+          </a:effectRef>
+          <a:fontRef idx="minor">
+            <a:schemeClr val="lt1"/>
+          </a:fontRef>
+        </p:style>
+        <p:txBody>
+          <a:bodyPr rtlCol="0" anchor="ctr"/>
+          <a:lstStyle/>
+          <a:p>
+            <a:pPr algn="ctr"/>
+            <a:endParaRPr lang="it-IT"/>
+          </a:p>
+        </p:txBody>
+      </p:sp>
+    </p:spTree>
+    <p:extLst>
+      <p:ext uri="{BB962C8B-B14F-4D97-AF65-F5344CB8AC3E}">
+        <p14:creationId xmlns:p14="http://schemas.microsoft.com/office/powerpoint/2010/main" val="2071864417"/>
+      </p:ext>
+    </p:extLst>
+  </p:cSld>
+  <p:clrMapOvr>
+    <a:masterClrMapping/>
+  </p:clrMapOvr>
+  <mc:AlternateContent xmlns:mc="http://schemas.openxmlformats.org/markup-compatibility/2006">
+    <mc:Choice xmlns:p14="http://schemas.microsoft.com/office/powerpoint/2010/main" Requires="p14">
+      <p:transition spd="slow" p14:dur="800">
+        <p:circle/>
+      </p:transition>
+    </mc:Choice>
+    <mc:Fallback>
+      <p:transition spd="slow">
+        <p:circle/>
+      </p:transition>
+    </mc:Fallback>
+  </mc:AlternateContent>
+</p:sld>
+</file>
+
+<file path=ppt/slides/slide9.xml><?xml version="1.0" encoding="utf-8"?>
+<p:sld xmlns:a="http://schemas.openxmlformats.org/drawingml/2006/main" xmlns:r="http://schemas.openxmlformats.org/officeDocument/2006/relationships" xmlns:p="http://schemas.openxmlformats.org/presentationml/2006/main">
+  <p:cSld>
+    <p:bg>
+      <p:bgPr>
+        <a:solidFill>
+          <a:schemeClr val="bg1"/>
+        </a:solidFill>
+        <a:effectLst/>
+      </p:bgPr>
+    </p:bg>
+    <p:spTree>
+      <p:nvGrpSpPr>
+        <p:cNvPr id="1" name=""/>
+        <p:cNvGrpSpPr/>
+        <p:nvPr/>
+      </p:nvGrpSpPr>
+      <p:grpSpPr>
+        <a:xfrm>
+          <a:off x="0" y="0"/>
+          <a:ext cx="0" cy="0"/>
+          <a:chOff x="0" y="0"/>
+          <a:chExt cx="0" cy="0"/>
+        </a:xfrm>
+      </p:grpSpPr>
+      <p:sp useBgFill="1">
+        <p:nvSpPr>
+          <p:cNvPr id="17" name="Rectangle 16">
+            <a:extLst>
+              <a:ext uri="{FF2B5EF4-FFF2-40B4-BE49-F238E27FC236}">
+                <a16:creationId xmlns:a16="http://schemas.microsoft.com/office/drawing/2014/main" id="{32AEEBC8-9D30-42EF-95F2-386C2653FBF0}"/>
+              </a:ext>
+              <a:ext uri="{C183D7F6-B498-43B3-948B-1728B52AA6E4}">
+                <adec:decorative xmlns:adec="http://schemas.microsoft.com/office/drawing/2017/decorative" val="1"/>
+              </a:ext>
+            </a:extLst>
+          </p:cNvPr>
+          <p:cNvSpPr>
+            <a:spLocks noGrp="1" noRot="1" noChangeAspect="1" noMove="1" noResize="1" noEditPoints="1" noAdjustHandles="1" noChangeArrowheads="1" noChangeShapeType="1" noTextEdit="1"/>
+          </p:cNvSpPr>
+          <p:nvPr>
+            <p:extLst>
+              <p:ext uri="{386F3935-93C4-4BCD-93E2-E3B085C9AB24}">
+                <p16:designElem xmlns:p16="http://schemas.microsoft.com/office/powerpoint/2015/main" val="1"/>
+              </p:ext>
+            </p:extLst>
+          </p:nvPr>
+        </p:nvSpPr>
+        <p:spPr>
+          <a:xfrm>
+            <a:off x="0" y="0"/>
+            <a:ext cx="12192000" cy="6858000"/>
+          </a:xfrm>
+          <a:prstGeom prst="rect">
+            <a:avLst/>
+          </a:prstGeom>
+          <a:ln>
+            <a:noFill/>
+          </a:ln>
+        </p:spPr>
+        <p:style>
+          <a:lnRef idx="2">
+            <a:schemeClr val="accent1">
+              <a:shade val="50000"/>
+            </a:schemeClr>
+          </a:lnRef>
+          <a:fillRef idx="1">
+            <a:schemeClr val="accent1"/>
+          </a:fillRef>
+          <a:effectRef idx="0">
+            <a:schemeClr val="accent1"/>
+          </a:effectRef>
+          <a:fontRef idx="minor">
+            <a:schemeClr val="lt1"/>
+          </a:fontRef>
+        </p:style>
+        <p:txBody>
+          <a:bodyPr rtlCol="0" anchor="ctr"/>
+          <a:lstStyle/>
+          <a:p>
+            <a:pPr algn="ctr"/>
+            <a:endParaRPr lang="en-US"/>
+          </a:p>
+        </p:txBody>
+      </p:sp>
+      <p:sp>
+        <p:nvSpPr>
+          <p:cNvPr id="2" name="Titolo 1">
+            <a:extLst>
+              <a:ext uri="{FF2B5EF4-FFF2-40B4-BE49-F238E27FC236}">
+                <a16:creationId xmlns:a16="http://schemas.microsoft.com/office/drawing/2014/main" id="{BD2714F7-1F7F-FCE1-3548-82601570C187}"/>
+              </a:ext>
+            </a:extLst>
+          </p:cNvPr>
+          <p:cNvSpPr>
+            <a:spLocks noGrp="1"/>
+          </p:cNvSpPr>
+          <p:nvPr>
+            <p:ph type="title"/>
+          </p:nvPr>
+        </p:nvSpPr>
+        <p:spPr>
+          <a:xfrm>
+            <a:off x="630936" y="502920"/>
+            <a:ext cx="3419856" cy="1463040"/>
+          </a:xfrm>
+        </p:spPr>
+        <p:txBody>
+          <a:bodyPr anchor="ctr">
+            <a:normAutofit/>
+          </a:bodyPr>
+          <a:lstStyle/>
+          <a:p>
+            <a:r>
+              <a:rPr lang="it-IT" sz="4800" dirty="0">
+                <a:latin typeface="Montserrat" pitchFamily="2" charset="0"/>
+              </a:rPr>
+              <a:t>Struttura generica </a:t>
+            </a:r>
+          </a:p>
+        </p:txBody>
+      </p:sp>
+      <p:sp>
+        <p:nvSpPr>
+          <p:cNvPr id="19" name="sketch line">
+            <a:extLst>
+              <a:ext uri="{FF2B5EF4-FFF2-40B4-BE49-F238E27FC236}">
+                <a16:creationId xmlns:a16="http://schemas.microsoft.com/office/drawing/2014/main" id="{2E92FA66-67D7-4CB4-94D3-E643A9AD4757}"/>
+              </a:ext>
+              <a:ext uri="{C183D7F6-B498-43B3-948B-1728B52AA6E4}">
+                <adec:decorative xmlns:adec="http://schemas.microsoft.com/office/drawing/2017/decorative" val="1"/>
+              </a:ext>
+            </a:extLst>
+          </p:cNvPr>
+          <p:cNvSpPr>
+            <a:spLocks noGrp="1" noRot="1" noChangeAspect="1" noMove="1" noResize="1" noEditPoints="1" noAdjustHandles="1" noChangeArrowheads="1" noChangeShapeType="1" noTextEdit="1"/>
+          </p:cNvSpPr>
+          <p:nvPr>
+            <p:extLst>
+              <p:ext uri="{386F3935-93C4-4BCD-93E2-E3B085C9AB24}">
+                <p16:designElem xmlns:p16="http://schemas.microsoft.com/office/powerpoint/2015/main" val="1"/>
+              </p:ext>
+            </p:extLst>
+          </p:nvPr>
+        </p:nvSpPr>
+        <p:spPr>
+          <a:xfrm rot="5400000">
+            <a:off x="3566159" y="1225296"/>
+            <a:ext cx="1554480" cy="18288"/>
+          </a:xfrm>
+          <a:custGeom>
+            <a:avLst/>
+            <a:gdLst>
+              <a:gd name="connsiteX0" fmla="*/ 0 w 1554480"/>
+              <a:gd name="connsiteY0" fmla="*/ 0 h 18288"/>
+              <a:gd name="connsiteX1" fmla="*/ 549250 w 1554480"/>
+              <a:gd name="connsiteY1" fmla="*/ 0 h 18288"/>
+              <a:gd name="connsiteX2" fmla="*/ 1082954 w 1554480"/>
+              <a:gd name="connsiteY2" fmla="*/ 0 h 18288"/>
+              <a:gd name="connsiteX3" fmla="*/ 1554480 w 1554480"/>
+              <a:gd name="connsiteY3" fmla="*/ 0 h 18288"/>
+              <a:gd name="connsiteX4" fmla="*/ 1554480 w 1554480"/>
+              <a:gd name="connsiteY4" fmla="*/ 18288 h 18288"/>
+              <a:gd name="connsiteX5" fmla="*/ 1067410 w 1554480"/>
+              <a:gd name="connsiteY5" fmla="*/ 18288 h 18288"/>
+              <a:gd name="connsiteX6" fmla="*/ 549250 w 1554480"/>
+              <a:gd name="connsiteY6" fmla="*/ 18288 h 18288"/>
+              <a:gd name="connsiteX7" fmla="*/ 0 w 1554480"/>
+              <a:gd name="connsiteY7" fmla="*/ 18288 h 18288"/>
+              <a:gd name="connsiteX8" fmla="*/ 0 w 1554480"/>
+              <a:gd name="connsiteY8" fmla="*/ 0 h 18288"/>
+            </a:gdLst>
+            <a:ahLst/>
+            <a:cxnLst>
+              <a:cxn ang="0">
+                <a:pos x="connsiteX0" y="connsiteY0"/>
+              </a:cxn>
+              <a:cxn ang="0">
+                <a:pos x="connsiteX1" y="connsiteY1"/>
+              </a:cxn>
+              <a:cxn ang="0">
+                <a:pos x="connsiteX2" y="connsiteY2"/>
+              </a:cxn>
+              <a:cxn ang="0">
+                <a:pos x="connsiteX3" y="connsiteY3"/>
+              </a:cxn>
+              <a:cxn ang="0">
+                <a:pos x="connsiteX4" y="connsiteY4"/>
+              </a:cxn>
+              <a:cxn ang="0">
+                <a:pos x="connsiteX5" y="connsiteY5"/>
+              </a:cxn>
+              <a:cxn ang="0">
+                <a:pos x="connsiteX6" y="connsiteY6"/>
+              </a:cxn>
+              <a:cxn ang="0">
+                <a:pos x="connsiteX7" y="connsiteY7"/>
+              </a:cxn>
+              <a:cxn ang="0">
+                <a:pos x="connsiteX8" y="connsiteY8"/>
+              </a:cxn>
+            </a:cxnLst>
+            <a:rect l="l" t="t" r="r" b="b"/>
+            <a:pathLst>
+              <a:path w="1554480" h="18288" fill="none" extrusionOk="0">
+                <a:moveTo>
+                  <a:pt x="0" y="0"/>
+                </a:moveTo>
+                <a:cubicBezTo>
+                  <a:pt x="114141" y="-19864"/>
+                  <a:pt x="345055" y="-1657"/>
+                  <a:pt x="549250" y="0"/>
+                </a:cubicBezTo>
+                <a:cubicBezTo>
+                  <a:pt x="753445" y="1657"/>
+                  <a:pt x="862292" y="-5674"/>
+                  <a:pt x="1082954" y="0"/>
+                </a:cubicBezTo>
+                <a:cubicBezTo>
+                  <a:pt x="1303616" y="5674"/>
+                  <a:pt x="1363530" y="4537"/>
+                  <a:pt x="1554480" y="0"/>
+                </a:cubicBezTo>
+                <a:cubicBezTo>
+                  <a:pt x="1554963" y="7176"/>
+                  <a:pt x="1553909" y="13682"/>
+                  <a:pt x="1554480" y="18288"/>
+                </a:cubicBezTo>
+                <a:cubicBezTo>
+                  <a:pt x="1338847" y="6127"/>
+                  <a:pt x="1215066" y="37851"/>
+                  <a:pt x="1067410" y="18288"/>
+                </a:cubicBezTo>
+                <a:cubicBezTo>
+                  <a:pt x="919754" y="-1275"/>
+                  <a:pt x="800465" y="3080"/>
+                  <a:pt x="549250" y="18288"/>
+                </a:cubicBezTo>
+                <a:cubicBezTo>
+                  <a:pt x="298035" y="33496"/>
+                  <a:pt x="158868" y="22769"/>
+                  <a:pt x="0" y="18288"/>
+                </a:cubicBezTo>
+                <a:cubicBezTo>
+                  <a:pt x="-655" y="13237"/>
+                  <a:pt x="709" y="4645"/>
+                  <a:pt x="0" y="0"/>
+                </a:cubicBezTo>
+                <a:close/>
+              </a:path>
+              <a:path w="1554480" h="18288" stroke="0" extrusionOk="0">
+                <a:moveTo>
+                  <a:pt x="0" y="0"/>
+                </a:moveTo>
+                <a:cubicBezTo>
+                  <a:pt x="249941" y="-58"/>
+                  <a:pt x="367334" y="23448"/>
+                  <a:pt x="502615" y="0"/>
+                </a:cubicBezTo>
+                <a:cubicBezTo>
+                  <a:pt x="637897" y="-23448"/>
+                  <a:pt x="813653" y="-20418"/>
+                  <a:pt x="974141" y="0"/>
+                </a:cubicBezTo>
+                <a:cubicBezTo>
+                  <a:pt x="1134629" y="20418"/>
+                  <a:pt x="1268772" y="6288"/>
+                  <a:pt x="1554480" y="0"/>
+                </a:cubicBezTo>
+                <a:cubicBezTo>
+                  <a:pt x="1554917" y="7222"/>
+                  <a:pt x="1555359" y="13299"/>
+                  <a:pt x="1554480" y="18288"/>
+                </a:cubicBezTo>
+                <a:cubicBezTo>
+                  <a:pt x="1336087" y="12172"/>
+                  <a:pt x="1310024" y="19759"/>
+                  <a:pt x="1067410" y="18288"/>
+                </a:cubicBezTo>
+                <a:cubicBezTo>
+                  <a:pt x="824796" y="16818"/>
+                  <a:pt x="787902" y="34647"/>
+                  <a:pt x="518160" y="18288"/>
+                </a:cubicBezTo>
+                <a:cubicBezTo>
+                  <a:pt x="248418" y="1930"/>
+                  <a:pt x="133160" y="9205"/>
+                  <a:pt x="0" y="18288"/>
+                </a:cubicBezTo>
+                <a:cubicBezTo>
+                  <a:pt x="-643" y="9451"/>
+                  <a:pt x="-340" y="7114"/>
+                  <a:pt x="0" y="0"/>
+                </a:cubicBezTo>
+                <a:close/>
+              </a:path>
+            </a:pathLst>
+          </a:custGeom>
+          <a:solidFill>
+            <a:schemeClr val="accent2"/>
+          </a:solidFill>
+          <a:ln w="41275" cap="rnd">
+            <a:solidFill>
+              <a:schemeClr val="accent2"/>
+            </a:solidFill>
+            <a:round/>
+            <a:extLst>
+              <a:ext uri="{C807C97D-BFC1-408E-A445-0C87EB9F89A2}">
+                <ask:lineSketchStyleProps xmlns:ask="http://schemas.microsoft.com/office/drawing/2018/sketchyshapes" sd="1219033472">
+                  <a:prstGeom prst="rect">
+                    <a:avLst/>
+                  </a:prstGeom>
+                  <ask:type>
+                    <ask:lineSketchFreehand/>
+                  </ask:type>
+                </ask:lineSketchStyleProps>
+              </a:ext>
+            </a:extLst>
+          </a:ln>
+        </p:spPr>
+        <p:style>
+          <a:lnRef idx="2">
+            <a:schemeClr val="accent1">
+              <a:shade val="50000"/>
+            </a:schemeClr>
+          </a:lnRef>
+          <a:fillRef idx="1">
+            <a:schemeClr val="accent1"/>
+          </a:fillRef>
+          <a:effectRef idx="0">
+            <a:schemeClr val="accent1"/>
+          </a:effectRef>
+          <a:fontRef idx="minor">
+            <a:schemeClr val="lt1"/>
+          </a:fontRef>
+        </p:style>
+        <p:txBody>
+          <a:bodyPr rtlCol="0" anchor="ctr"/>
+          <a:lstStyle/>
+          <a:p>
+            <a:pPr algn="ctr"/>
+            <a:endParaRPr lang="en-US"/>
+          </a:p>
+        </p:txBody>
+      </p:sp>
+      <p:sp>
+        <p:nvSpPr>
+          <p:cNvPr id="3" name="Segnaposto contenuto 2">
+            <a:extLst>
+              <a:ext uri="{FF2B5EF4-FFF2-40B4-BE49-F238E27FC236}">
+                <a16:creationId xmlns:a16="http://schemas.microsoft.com/office/drawing/2014/main" id="{37F56D11-7520-978E-93AE-7EFBF426F3B1}"/>
+              </a:ext>
+            </a:extLst>
+          </p:cNvPr>
+          <p:cNvSpPr>
+            <a:spLocks noGrp="1"/>
+          </p:cNvSpPr>
+          <p:nvPr>
+            <p:ph idx="1"/>
+          </p:nvPr>
+        </p:nvSpPr>
+        <p:spPr>
+          <a:xfrm>
+            <a:off x="4654295" y="502920"/>
+            <a:ext cx="6894576" cy="1463040"/>
+          </a:xfrm>
+        </p:spPr>
+        <p:txBody>
+          <a:bodyPr anchor="ctr">
+            <a:normAutofit fontScale="92500"/>
+          </a:bodyPr>
+          <a:lstStyle/>
+          <a:p>
+            <a:pPr marL="0" indent="0">
+              <a:buNone/>
+            </a:pPr>
+            <a:r>
+              <a:rPr lang="en-US" sz="1000" b="0" i="0" dirty="0">
+                <a:effectLst/>
+                <a:latin typeface="Montserrat" pitchFamily="2" charset="0"/>
+              </a:rPr>
+              <a:t>Hannes comprises three primary components: a myoelectric poly-articulated prosthetic hand with a differential underactuated mechanism, a passive flexion-extension (F/E) wrist module, and a myoelectric interface/controller containing two surface electromyographic (</a:t>
+            </a:r>
+            <a:r>
+              <a:rPr lang="en-US" sz="1000" b="0" i="0" dirty="0" err="1">
+                <a:effectLst/>
+                <a:latin typeface="Montserrat" pitchFamily="2" charset="0"/>
+              </a:rPr>
+              <a:t>sEMG</a:t>
+            </a:r>
+            <a:r>
+              <a:rPr lang="en-US" sz="1000" b="0" i="0" dirty="0">
+                <a:effectLst/>
+                <a:latin typeface="Montserrat" pitchFamily="2" charset="0"/>
+              </a:rPr>
+              <a:t>) sensors, a battery pack, and control electronics.</a:t>
+            </a:r>
+          </a:p>
+          <a:p>
+            <a:pPr marL="0" indent="0">
+              <a:buNone/>
+            </a:pPr>
+            <a:r>
+              <a:rPr lang="en-US" sz="1000" b="0" i="0" dirty="0">
+                <a:effectLst/>
+                <a:latin typeface="Montserrat" pitchFamily="2" charset="0"/>
+              </a:rPr>
+              <a:t>These components are designed to achieve anthropomorphism, biomimetic performance, and human-like grasping, recognized as crucial factors in determining the overall effectiveness of a prosthesis. </a:t>
+            </a:r>
+          </a:p>
+          <a:p>
+            <a:pPr marL="0" indent="0">
+              <a:buNone/>
+            </a:pPr>
+            <a:r>
+              <a:rPr lang="en-US" sz="1000" b="0" i="0" dirty="0">
+                <a:effectLst/>
+                <a:latin typeface="Montserrat" pitchFamily="2" charset="0"/>
+              </a:rPr>
+              <a:t>The integrated architecture embeds the DC motor and motor control board within the myoelectric hand, while the </a:t>
+            </a:r>
+            <a:r>
+              <a:rPr lang="en-US" sz="1000" b="0" i="0" dirty="0" err="1">
+                <a:effectLst/>
+                <a:latin typeface="Montserrat" pitchFamily="2" charset="0"/>
+              </a:rPr>
+              <a:t>sEMG</a:t>
+            </a:r>
+            <a:r>
+              <a:rPr lang="en-US" sz="1000" b="0" i="0" dirty="0">
+                <a:effectLst/>
+                <a:latin typeface="Montserrat" pitchFamily="2" charset="0"/>
+              </a:rPr>
+              <a:t>-based controller is housed in the socket, with the F/E wrist positioned between these two modules. The holistic biomimetic design approach underlines the synthesis of these elements for enhanced functionality.</a:t>
+            </a:r>
+            <a:endParaRPr lang="it-IT" sz="1000" dirty="0">
+              <a:latin typeface="Montserrat" pitchFamily="2" charset="0"/>
+            </a:endParaRPr>
+          </a:p>
+        </p:txBody>
+      </p:sp>
+      <p:pic>
+        <p:nvPicPr>
+          <p:cNvPr id="5" name="Immagine 4" descr="Immagine che contiene strumento&#10;&#10;Descrizione generata automaticamente">
+            <a:extLst>
+              <a:ext uri="{FF2B5EF4-FFF2-40B4-BE49-F238E27FC236}">
+                <a16:creationId xmlns:a16="http://schemas.microsoft.com/office/drawing/2014/main" id="{FCD3D55C-B48B-CF38-DCAA-83521D13DD29}"/>
+              </a:ext>
+            </a:extLst>
+          </p:cNvPr>
+          <p:cNvPicPr>
+            <a:picLocks noChangeAspect="1"/>
+          </p:cNvPicPr>
+          <p:nvPr/>
+        </p:nvPicPr>
+        <p:blipFill rotWithShape="1">
+          <a:blip r:embed="rId2">
+            <a:extLst>
+              <a:ext uri="{BEBA8EAE-BF5A-486C-A8C5-ECC9F3942E4B}">
+                <a14:imgProps xmlns:a14="http://schemas.microsoft.com/office/drawing/2010/main">
+                  <a14:imgLayer r:embed="rId3">
+                    <a14:imgEffect>
+                      <a14:sharpenSoften amount="25000"/>
+                    </a14:imgEffect>
+                  </a14:imgLayer>
+                </a14:imgProps>
+              </a:ext>
+              <a:ext uri="{28A0092B-C50C-407E-A947-70E740481C1C}">
+                <a14:useLocalDpi xmlns:a14="http://schemas.microsoft.com/office/drawing/2010/main" val="0"/>
+              </a:ext>
+            </a:extLst>
+          </a:blip>
+          <a:srcRect l="4928" t="8207" r="4273" b="9061"/>
+          <a:stretch/>
+        </p:blipFill>
+        <p:spPr>
+          <a:xfrm>
+            <a:off x="2538560" y="2615878"/>
+            <a:ext cx="7154311" cy="3275636"/>
+          </a:xfrm>
+          <a:prstGeom prst="rect">
+            <a:avLst/>
+          </a:prstGeom>
+        </p:spPr>
+      </p:pic>
+    </p:spTree>
+    <p:extLst>
+      <p:ext uri="{BB962C8B-B14F-4D97-AF65-F5344CB8AC3E}">
+        <p14:creationId xmlns:p14="http://schemas.microsoft.com/office/powerpoint/2010/main" val="1790482611"/>
       </p:ext>
     </p:extLst>
   </p:cSld>
